--- a/Arcadia_Maker_1차 발표.pptx
+++ b/Arcadia_Maker_1차 발표.pptx
@@ -11,8 +11,8 @@
     <p:sldId id="259" r:id="rId5"/>
     <p:sldId id="260" r:id="rId6"/>
     <p:sldId id="261" r:id="rId7"/>
-    <p:sldId id="262" r:id="rId8"/>
-    <p:sldId id="263" r:id="rId9"/>
+    <p:sldId id="263" r:id="rId8"/>
+    <p:sldId id="262" r:id="rId9"/>
     <p:sldId id="264" r:id="rId10"/>
     <p:sldId id="265" r:id="rId11"/>
     <p:sldId id="266" r:id="rId12"/>
@@ -12755,6 +12755,426 @@
     <p:bg>
       <p:bgPr>
         <a:solidFill>
+          <a:srgbClr val="FFFFFF"/>
+        </a:solidFill>
+        <a:effectLst/>
+      </p:bgPr>
+    </p:bg>
+    <p:spTree>
+      <p:nvGrpSpPr>
+        <p:cNvPr id="1" name=""/>
+        <p:cNvGrpSpPr/>
+        <p:nvPr/>
+      </p:nvGrpSpPr>
+      <p:grpSpPr>
+        <a:xfrm>
+          <a:off x="0" y="0"/>
+          <a:ext cx="0" cy="0"/>
+          <a:chOff x="0" y="0"/>
+          <a:chExt cx="0" cy="0"/>
+        </a:xfrm>
+      </p:grpSpPr>
+      <p:pic>
+        <p:nvPicPr>
+          <p:cNvPr id="2" name="Picture 2"/>
+          <p:cNvPicPr>
+            <a:picLocks noChangeAspect="1"/>
+          </p:cNvPicPr>
+          <p:nvPr/>
+        </p:nvPicPr>
+        <p:blipFill>
+          <a:blip r:embed="rId2"/>
+          <a:stretch>
+            <a:fillRect/>
+          </a:stretch>
+        </p:blipFill>
+        <p:spPr>
+          <a:xfrm>
+            <a:off x="0" y="0"/>
+            <a:ext cx="18338800" cy="10287000"/>
+          </a:xfrm>
+          <a:prstGeom prst="rect">
+            <a:avLst/>
+          </a:prstGeom>
+        </p:spPr>
+      </p:pic>
+      <p:pic>
+        <p:nvPicPr>
+          <p:cNvPr id="3" name="Picture 3"/>
+          <p:cNvPicPr>
+            <a:picLocks noChangeAspect="1"/>
+          </p:cNvPicPr>
+          <p:nvPr/>
+        </p:nvPicPr>
+        <p:blipFill>
+          <a:blip r:embed="rId3"/>
+          <a:stretch>
+            <a:fillRect/>
+          </a:stretch>
+        </p:blipFill>
+        <p:spPr>
+          <a:xfrm>
+            <a:off x="4597400" y="3733800"/>
+            <a:ext cx="1308100" cy="419100"/>
+          </a:xfrm>
+          <a:prstGeom prst="rect">
+            <a:avLst/>
+          </a:prstGeom>
+        </p:spPr>
+      </p:pic>
+      <p:pic>
+        <p:nvPicPr>
+          <p:cNvPr id="4" name="Picture 4"/>
+          <p:cNvPicPr>
+            <a:picLocks noChangeAspect="1"/>
+          </p:cNvPicPr>
+          <p:nvPr/>
+        </p:nvPicPr>
+        <p:blipFill>
+          <a:blip r:embed="rId4"/>
+          <a:stretch>
+            <a:fillRect/>
+          </a:stretch>
+        </p:blipFill>
+        <p:spPr>
+          <a:xfrm>
+            <a:off x="5905500" y="5372100"/>
+            <a:ext cx="1562100" cy="317500"/>
+          </a:xfrm>
+          <a:prstGeom prst="rect">
+            <a:avLst/>
+          </a:prstGeom>
+        </p:spPr>
+      </p:pic>
+      <p:pic>
+        <p:nvPicPr>
+          <p:cNvPr id="5" name="Picture 5"/>
+          <p:cNvPicPr>
+            <a:picLocks noChangeAspect="1"/>
+          </p:cNvPicPr>
+          <p:nvPr/>
+        </p:nvPicPr>
+        <p:blipFill>
+          <a:blip r:embed="rId3"/>
+          <a:stretch>
+            <a:fillRect/>
+          </a:stretch>
+        </p:blipFill>
+        <p:spPr>
+          <a:xfrm>
+            <a:off x="6819900" y="7658100"/>
+            <a:ext cx="1308100" cy="419100"/>
+          </a:xfrm>
+          <a:prstGeom prst="rect">
+            <a:avLst/>
+          </a:prstGeom>
+        </p:spPr>
+      </p:pic>
+      <p:sp>
+        <p:nvSpPr>
+          <p:cNvPr id="6" name="TextBox 6"/>
+          <p:cNvSpPr txBox="1"/>
+          <p:nvPr/>
+        </p:nvSpPr>
+        <p:spPr>
+          <a:xfrm>
+            <a:off x="4533900" y="3302000"/>
+            <a:ext cx="1244600" cy="406400"/>
+          </a:xfrm>
+          <a:prstGeom prst="rect">
+            <a:avLst/>
+          </a:prstGeom>
+        </p:spPr>
+        <p:txBody>
+          <a:bodyPr lIns="0" tIns="0" rIns="0" bIns="0" rtlCol="0" anchor="ctr"/>
+          <a:lstStyle/>
+          <a:p>
+            <a:pPr lvl="0" algn="l">
+              <a:lnSpc>
+                <a:spcPct val="95449"/>
+              </a:lnSpc>
+            </a:pPr>
+            <a:r>
+              <a:rPr lang="en-US" sz="2300" b="0" i="0" u="none" strike="noStrike">
+                <a:solidFill>
+                  <a:srgbClr val="000000"/>
+                </a:solidFill>
+                <a:latin typeface="KOHINanumOTF Light"/>
+              </a:rPr>
+              <a:t>2</a:t>
+            </a:r>
+            <a:r>
+              <a:rPr lang="ko-KR" sz="2300" b="0" i="0" u="none" strike="noStrike">
+                <a:solidFill>
+                  <a:srgbClr val="000000"/>
+                </a:solidFill>
+                <a:ea typeface="KOHINanumOTF Light"/>
+              </a:rPr>
+              <a:t>단</a:t>
+            </a:r>
+            <a:r>
+              <a:rPr lang="en-US" sz="2300" b="0" i="0" u="none" strike="noStrike">
+                <a:solidFill>
+                  <a:srgbClr val="000000"/>
+                </a:solidFill>
+                <a:latin typeface="KOHINanumOTF Light"/>
+              </a:rPr>
+              <a:t> </a:t>
+            </a:r>
+            <a:r>
+              <a:rPr lang="ko-KR" sz="2300" b="0" i="0" u="none" strike="noStrike">
+                <a:solidFill>
+                  <a:srgbClr val="000000"/>
+                </a:solidFill>
+                <a:ea typeface="KOHINanumOTF Light"/>
+              </a:rPr>
+              <a:t>점프</a:t>
+            </a:r>
+          </a:p>
+        </p:txBody>
+      </p:sp>
+      <p:sp>
+        <p:nvSpPr>
+          <p:cNvPr id="7" name="TextBox 7"/>
+          <p:cNvSpPr txBox="1"/>
+          <p:nvPr/>
+        </p:nvSpPr>
+        <p:spPr>
+          <a:xfrm>
+            <a:off x="5905500" y="4927600"/>
+            <a:ext cx="1625600" cy="406400"/>
+          </a:xfrm>
+          <a:prstGeom prst="rect">
+            <a:avLst/>
+          </a:prstGeom>
+        </p:spPr>
+        <p:txBody>
+          <a:bodyPr lIns="0" tIns="0" rIns="0" bIns="0" rtlCol="0" anchor="ctr"/>
+          <a:lstStyle/>
+          <a:p>
+            <a:pPr lvl="0" algn="l">
+              <a:lnSpc>
+                <a:spcPct val="95449"/>
+              </a:lnSpc>
+            </a:pPr>
+            <a:r>
+              <a:rPr lang="ko-KR" sz="2300" b="0" i="0" u="none" strike="noStrike">
+                <a:solidFill>
+                  <a:srgbClr val="000000"/>
+                </a:solidFill>
+                <a:ea typeface="KOHINanumOTF Light"/>
+              </a:rPr>
+              <a:t>기믹</a:t>
+            </a:r>
+            <a:r>
+              <a:rPr lang="en-US" sz="2300" b="0" i="0" u="none" strike="noStrike">
+                <a:solidFill>
+                  <a:srgbClr val="000000"/>
+                </a:solidFill>
+                <a:latin typeface="KOHINanumOTF Light"/>
+              </a:rPr>
+              <a:t> </a:t>
+            </a:r>
+            <a:r>
+              <a:rPr lang="ko-KR" sz="2300" b="0" i="0" u="none" strike="noStrike">
+                <a:solidFill>
+                  <a:srgbClr val="000000"/>
+                </a:solidFill>
+                <a:ea typeface="KOHINanumOTF Light"/>
+              </a:rPr>
+              <a:t>열쇠</a:t>
+            </a:r>
+          </a:p>
+        </p:txBody>
+      </p:sp>
+      <p:sp>
+        <p:nvSpPr>
+          <p:cNvPr id="8" name="TextBox 8"/>
+          <p:cNvSpPr txBox="1"/>
+          <p:nvPr/>
+        </p:nvSpPr>
+        <p:spPr>
+          <a:xfrm>
+            <a:off x="6794500" y="7239000"/>
+            <a:ext cx="1244600" cy="406400"/>
+          </a:xfrm>
+          <a:prstGeom prst="rect">
+            <a:avLst/>
+          </a:prstGeom>
+        </p:spPr>
+        <p:txBody>
+          <a:bodyPr lIns="0" tIns="0" rIns="0" bIns="0" rtlCol="0" anchor="ctr"/>
+          <a:lstStyle/>
+          <a:p>
+            <a:pPr lvl="0" algn="l">
+              <a:lnSpc>
+                <a:spcPct val="95449"/>
+              </a:lnSpc>
+            </a:pPr>
+            <a:r>
+              <a:rPr lang="ko-KR" sz="2300" b="0" i="0" u="none" strike="noStrike">
+                <a:solidFill>
+                  <a:srgbClr val="000000"/>
+                </a:solidFill>
+                <a:ea typeface="KOHINanumOTF Light"/>
+              </a:rPr>
+              <a:t>장애물</a:t>
+            </a:r>
+          </a:p>
+        </p:txBody>
+      </p:sp>
+      <p:pic>
+        <p:nvPicPr>
+          <p:cNvPr id="9" name="Picture 9"/>
+          <p:cNvPicPr>
+            <a:picLocks noChangeAspect="1"/>
+          </p:cNvPicPr>
+          <p:nvPr/>
+        </p:nvPicPr>
+        <p:blipFill>
+          <a:blip r:embed="rId3"/>
+          <a:stretch>
+            <a:fillRect/>
+          </a:stretch>
+        </p:blipFill>
+        <p:spPr>
+          <a:xfrm>
+            <a:off x="10947400" y="3009900"/>
+            <a:ext cx="1308100" cy="419100"/>
+          </a:xfrm>
+          <a:prstGeom prst="rect">
+            <a:avLst/>
+          </a:prstGeom>
+        </p:spPr>
+      </p:pic>
+      <p:sp>
+        <p:nvSpPr>
+          <p:cNvPr id="10" name="TextBox 10"/>
+          <p:cNvSpPr txBox="1"/>
+          <p:nvPr/>
+        </p:nvSpPr>
+        <p:spPr>
+          <a:xfrm>
+            <a:off x="10883900" y="2578100"/>
+            <a:ext cx="1244600" cy="406400"/>
+          </a:xfrm>
+          <a:prstGeom prst="rect">
+            <a:avLst/>
+          </a:prstGeom>
+        </p:spPr>
+        <p:txBody>
+          <a:bodyPr lIns="0" tIns="0" rIns="0" bIns="0" rtlCol="0" anchor="ctr"/>
+          <a:lstStyle/>
+          <a:p>
+            <a:pPr lvl="0" algn="l">
+              <a:lnSpc>
+                <a:spcPct val="95449"/>
+              </a:lnSpc>
+            </a:pPr>
+            <a:r>
+              <a:rPr lang="ko-KR" sz="2300" b="0" i="0" u="none" strike="noStrike">
+                <a:solidFill>
+                  <a:srgbClr val="000000"/>
+                </a:solidFill>
+                <a:ea typeface="KOHINanumOTF Light"/>
+              </a:rPr>
+              <a:t>점프대</a:t>
+            </a:r>
+          </a:p>
+        </p:txBody>
+      </p:sp>
+      <p:pic>
+        <p:nvPicPr>
+          <p:cNvPr id="11" name="Picture 11"/>
+          <p:cNvPicPr>
+            <a:picLocks noChangeAspect="1"/>
+          </p:cNvPicPr>
+          <p:nvPr/>
+        </p:nvPicPr>
+        <p:blipFill>
+          <a:blip r:embed="rId3"/>
+          <a:stretch>
+            <a:fillRect/>
+          </a:stretch>
+        </p:blipFill>
+        <p:spPr>
+          <a:xfrm>
+            <a:off x="14630400" y="3086100"/>
+            <a:ext cx="1308100" cy="419100"/>
+          </a:xfrm>
+          <a:prstGeom prst="rect">
+            <a:avLst/>
+          </a:prstGeom>
+        </p:spPr>
+      </p:pic>
+      <p:sp>
+        <p:nvSpPr>
+          <p:cNvPr id="12" name="TextBox 12"/>
+          <p:cNvSpPr txBox="1"/>
+          <p:nvPr/>
+        </p:nvSpPr>
+        <p:spPr>
+          <a:xfrm>
+            <a:off x="14554200" y="2654300"/>
+            <a:ext cx="1244600" cy="406400"/>
+          </a:xfrm>
+          <a:prstGeom prst="rect">
+            <a:avLst/>
+          </a:prstGeom>
+        </p:spPr>
+        <p:txBody>
+          <a:bodyPr lIns="0" tIns="0" rIns="0" bIns="0" rtlCol="0" anchor="ctr"/>
+          <a:lstStyle/>
+          <a:p>
+            <a:pPr lvl="0" algn="l">
+              <a:lnSpc>
+                <a:spcPct val="95449"/>
+              </a:lnSpc>
+            </a:pPr>
+            <a:r>
+              <a:rPr lang="ko-KR" sz="2300" b="0" i="0" u="none" strike="noStrike">
+                <a:solidFill>
+                  <a:srgbClr val="000000"/>
+                </a:solidFill>
+                <a:ea typeface="KOHINanumOTF Light"/>
+              </a:rPr>
+              <a:t>탈출</a:t>
+            </a:r>
+            <a:r>
+              <a:rPr lang="en-US" sz="2300" b="0" i="0" u="none" strike="noStrike">
+                <a:solidFill>
+                  <a:srgbClr val="000000"/>
+                </a:solidFill>
+                <a:latin typeface="KOHINanumOTF Light"/>
+              </a:rPr>
+              <a:t> </a:t>
+            </a:r>
+            <a:r>
+              <a:rPr lang="ko-KR" sz="2300" b="0" i="0" u="none" strike="noStrike">
+                <a:solidFill>
+                  <a:srgbClr val="000000"/>
+                </a:solidFill>
+                <a:ea typeface="KOHINanumOTF Light"/>
+              </a:rPr>
+              <a:t>목표</a:t>
+            </a:r>
+          </a:p>
+        </p:txBody>
+      </p:sp>
+    </p:spTree>
+  </p:cSld>
+  <p:clrMapOvr>
+    <a:masterClrMapping/>
+  </p:clrMapOvr>
+</p:sld>
+</file>
+
+<file path=ppt/slides/slide8.xml><?xml version="1.0" encoding="utf-8"?>
+<p:sld xmlns:a="http://schemas.openxmlformats.org/drawingml/2006/main" xmlns:r="http://schemas.openxmlformats.org/officeDocument/2006/relationships" xmlns:p="http://schemas.openxmlformats.org/presentationml/2006/main">
+  <p:cSld>
+    <p:bg>
+      <p:bgPr>
+        <a:solidFill>
           <a:srgbClr val="FCF9EC"/>
         </a:solidFill>
         <a:effectLst/>
@@ -13519,426 +13939,6 @@
                 <a:latin typeface="KOHINanumOTF Light"/>
               </a:rPr>
               <a:t>.</a:t>
-            </a:r>
-          </a:p>
-        </p:txBody>
-      </p:sp>
-    </p:spTree>
-  </p:cSld>
-  <p:clrMapOvr>
-    <a:masterClrMapping/>
-  </p:clrMapOvr>
-</p:sld>
-</file>
-
-<file path=ppt/slides/slide8.xml><?xml version="1.0" encoding="utf-8"?>
-<p:sld xmlns:a="http://schemas.openxmlformats.org/drawingml/2006/main" xmlns:r="http://schemas.openxmlformats.org/officeDocument/2006/relationships" xmlns:p="http://schemas.openxmlformats.org/presentationml/2006/main">
-  <p:cSld>
-    <p:bg>
-      <p:bgPr>
-        <a:solidFill>
-          <a:srgbClr val="FFFFFF"/>
-        </a:solidFill>
-        <a:effectLst/>
-      </p:bgPr>
-    </p:bg>
-    <p:spTree>
-      <p:nvGrpSpPr>
-        <p:cNvPr id="1" name=""/>
-        <p:cNvGrpSpPr/>
-        <p:nvPr/>
-      </p:nvGrpSpPr>
-      <p:grpSpPr>
-        <a:xfrm>
-          <a:off x="0" y="0"/>
-          <a:ext cx="0" cy="0"/>
-          <a:chOff x="0" y="0"/>
-          <a:chExt cx="0" cy="0"/>
-        </a:xfrm>
-      </p:grpSpPr>
-      <p:pic>
-        <p:nvPicPr>
-          <p:cNvPr id="2" name="Picture 2"/>
-          <p:cNvPicPr>
-            <a:picLocks noChangeAspect="1"/>
-          </p:cNvPicPr>
-          <p:nvPr/>
-        </p:nvPicPr>
-        <p:blipFill>
-          <a:blip r:embed="rId2"/>
-          <a:stretch>
-            <a:fillRect/>
-          </a:stretch>
-        </p:blipFill>
-        <p:spPr>
-          <a:xfrm>
-            <a:off x="0" y="0"/>
-            <a:ext cx="18338800" cy="10287000"/>
-          </a:xfrm>
-          <a:prstGeom prst="rect">
-            <a:avLst/>
-          </a:prstGeom>
-        </p:spPr>
-      </p:pic>
-      <p:pic>
-        <p:nvPicPr>
-          <p:cNvPr id="3" name="Picture 3"/>
-          <p:cNvPicPr>
-            <a:picLocks noChangeAspect="1"/>
-          </p:cNvPicPr>
-          <p:nvPr/>
-        </p:nvPicPr>
-        <p:blipFill>
-          <a:blip r:embed="rId3"/>
-          <a:stretch>
-            <a:fillRect/>
-          </a:stretch>
-        </p:blipFill>
-        <p:spPr>
-          <a:xfrm>
-            <a:off x="4597400" y="3733800"/>
-            <a:ext cx="1308100" cy="419100"/>
-          </a:xfrm>
-          <a:prstGeom prst="rect">
-            <a:avLst/>
-          </a:prstGeom>
-        </p:spPr>
-      </p:pic>
-      <p:pic>
-        <p:nvPicPr>
-          <p:cNvPr id="4" name="Picture 4"/>
-          <p:cNvPicPr>
-            <a:picLocks noChangeAspect="1"/>
-          </p:cNvPicPr>
-          <p:nvPr/>
-        </p:nvPicPr>
-        <p:blipFill>
-          <a:blip r:embed="rId4"/>
-          <a:stretch>
-            <a:fillRect/>
-          </a:stretch>
-        </p:blipFill>
-        <p:spPr>
-          <a:xfrm>
-            <a:off x="5905500" y="5372100"/>
-            <a:ext cx="1562100" cy="317500"/>
-          </a:xfrm>
-          <a:prstGeom prst="rect">
-            <a:avLst/>
-          </a:prstGeom>
-        </p:spPr>
-      </p:pic>
-      <p:pic>
-        <p:nvPicPr>
-          <p:cNvPr id="5" name="Picture 5"/>
-          <p:cNvPicPr>
-            <a:picLocks noChangeAspect="1"/>
-          </p:cNvPicPr>
-          <p:nvPr/>
-        </p:nvPicPr>
-        <p:blipFill>
-          <a:blip r:embed="rId3"/>
-          <a:stretch>
-            <a:fillRect/>
-          </a:stretch>
-        </p:blipFill>
-        <p:spPr>
-          <a:xfrm>
-            <a:off x="6819900" y="7658100"/>
-            <a:ext cx="1308100" cy="419100"/>
-          </a:xfrm>
-          <a:prstGeom prst="rect">
-            <a:avLst/>
-          </a:prstGeom>
-        </p:spPr>
-      </p:pic>
-      <p:sp>
-        <p:nvSpPr>
-          <p:cNvPr id="6" name="TextBox 6"/>
-          <p:cNvSpPr txBox="1"/>
-          <p:nvPr/>
-        </p:nvSpPr>
-        <p:spPr>
-          <a:xfrm>
-            <a:off x="4533900" y="3302000"/>
-            <a:ext cx="1244600" cy="406400"/>
-          </a:xfrm>
-          <a:prstGeom prst="rect">
-            <a:avLst/>
-          </a:prstGeom>
-        </p:spPr>
-        <p:txBody>
-          <a:bodyPr lIns="0" tIns="0" rIns="0" bIns="0" rtlCol="0" anchor="ctr"/>
-          <a:lstStyle/>
-          <a:p>
-            <a:pPr lvl="0" algn="l">
-              <a:lnSpc>
-                <a:spcPct val="95449"/>
-              </a:lnSpc>
-            </a:pPr>
-            <a:r>
-              <a:rPr lang="en-US" sz="2300" b="0" i="0" u="none" strike="noStrike">
-                <a:solidFill>
-                  <a:srgbClr val="000000"/>
-                </a:solidFill>
-                <a:latin typeface="KOHINanumOTF Light"/>
-              </a:rPr>
-              <a:t>2</a:t>
-            </a:r>
-            <a:r>
-              <a:rPr lang="ko-KR" sz="2300" b="0" i="0" u="none" strike="noStrike">
-                <a:solidFill>
-                  <a:srgbClr val="000000"/>
-                </a:solidFill>
-                <a:ea typeface="KOHINanumOTF Light"/>
-              </a:rPr>
-              <a:t>단</a:t>
-            </a:r>
-            <a:r>
-              <a:rPr lang="en-US" sz="2300" b="0" i="0" u="none" strike="noStrike">
-                <a:solidFill>
-                  <a:srgbClr val="000000"/>
-                </a:solidFill>
-                <a:latin typeface="KOHINanumOTF Light"/>
-              </a:rPr>
-              <a:t> </a:t>
-            </a:r>
-            <a:r>
-              <a:rPr lang="ko-KR" sz="2300" b="0" i="0" u="none" strike="noStrike">
-                <a:solidFill>
-                  <a:srgbClr val="000000"/>
-                </a:solidFill>
-                <a:ea typeface="KOHINanumOTF Light"/>
-              </a:rPr>
-              <a:t>점프</a:t>
-            </a:r>
-          </a:p>
-        </p:txBody>
-      </p:sp>
-      <p:sp>
-        <p:nvSpPr>
-          <p:cNvPr id="7" name="TextBox 7"/>
-          <p:cNvSpPr txBox="1"/>
-          <p:nvPr/>
-        </p:nvSpPr>
-        <p:spPr>
-          <a:xfrm>
-            <a:off x="5905500" y="4927600"/>
-            <a:ext cx="1625600" cy="406400"/>
-          </a:xfrm>
-          <a:prstGeom prst="rect">
-            <a:avLst/>
-          </a:prstGeom>
-        </p:spPr>
-        <p:txBody>
-          <a:bodyPr lIns="0" tIns="0" rIns="0" bIns="0" rtlCol="0" anchor="ctr"/>
-          <a:lstStyle/>
-          <a:p>
-            <a:pPr lvl="0" algn="l">
-              <a:lnSpc>
-                <a:spcPct val="95449"/>
-              </a:lnSpc>
-            </a:pPr>
-            <a:r>
-              <a:rPr lang="ko-KR" sz="2300" b="0" i="0" u="none" strike="noStrike">
-                <a:solidFill>
-                  <a:srgbClr val="000000"/>
-                </a:solidFill>
-                <a:ea typeface="KOHINanumOTF Light"/>
-              </a:rPr>
-              <a:t>기믹</a:t>
-            </a:r>
-            <a:r>
-              <a:rPr lang="en-US" sz="2300" b="0" i="0" u="none" strike="noStrike">
-                <a:solidFill>
-                  <a:srgbClr val="000000"/>
-                </a:solidFill>
-                <a:latin typeface="KOHINanumOTF Light"/>
-              </a:rPr>
-              <a:t> </a:t>
-            </a:r>
-            <a:r>
-              <a:rPr lang="ko-KR" sz="2300" b="0" i="0" u="none" strike="noStrike">
-                <a:solidFill>
-                  <a:srgbClr val="000000"/>
-                </a:solidFill>
-                <a:ea typeface="KOHINanumOTF Light"/>
-              </a:rPr>
-              <a:t>열쇠</a:t>
-            </a:r>
-          </a:p>
-        </p:txBody>
-      </p:sp>
-      <p:sp>
-        <p:nvSpPr>
-          <p:cNvPr id="8" name="TextBox 8"/>
-          <p:cNvSpPr txBox="1"/>
-          <p:nvPr/>
-        </p:nvSpPr>
-        <p:spPr>
-          <a:xfrm>
-            <a:off x="6794500" y="7239000"/>
-            <a:ext cx="1244600" cy="406400"/>
-          </a:xfrm>
-          <a:prstGeom prst="rect">
-            <a:avLst/>
-          </a:prstGeom>
-        </p:spPr>
-        <p:txBody>
-          <a:bodyPr lIns="0" tIns="0" rIns="0" bIns="0" rtlCol="0" anchor="ctr"/>
-          <a:lstStyle/>
-          <a:p>
-            <a:pPr lvl="0" algn="l">
-              <a:lnSpc>
-                <a:spcPct val="95449"/>
-              </a:lnSpc>
-            </a:pPr>
-            <a:r>
-              <a:rPr lang="ko-KR" sz="2300" b="0" i="0" u="none" strike="noStrike">
-                <a:solidFill>
-                  <a:srgbClr val="000000"/>
-                </a:solidFill>
-                <a:ea typeface="KOHINanumOTF Light"/>
-              </a:rPr>
-              <a:t>장애물</a:t>
-            </a:r>
-          </a:p>
-        </p:txBody>
-      </p:sp>
-      <p:pic>
-        <p:nvPicPr>
-          <p:cNvPr id="9" name="Picture 9"/>
-          <p:cNvPicPr>
-            <a:picLocks noChangeAspect="1"/>
-          </p:cNvPicPr>
-          <p:nvPr/>
-        </p:nvPicPr>
-        <p:blipFill>
-          <a:blip r:embed="rId3"/>
-          <a:stretch>
-            <a:fillRect/>
-          </a:stretch>
-        </p:blipFill>
-        <p:spPr>
-          <a:xfrm>
-            <a:off x="10947400" y="3009900"/>
-            <a:ext cx="1308100" cy="419100"/>
-          </a:xfrm>
-          <a:prstGeom prst="rect">
-            <a:avLst/>
-          </a:prstGeom>
-        </p:spPr>
-      </p:pic>
-      <p:sp>
-        <p:nvSpPr>
-          <p:cNvPr id="10" name="TextBox 10"/>
-          <p:cNvSpPr txBox="1"/>
-          <p:nvPr/>
-        </p:nvSpPr>
-        <p:spPr>
-          <a:xfrm>
-            <a:off x="10883900" y="2578100"/>
-            <a:ext cx="1244600" cy="406400"/>
-          </a:xfrm>
-          <a:prstGeom prst="rect">
-            <a:avLst/>
-          </a:prstGeom>
-        </p:spPr>
-        <p:txBody>
-          <a:bodyPr lIns="0" tIns="0" rIns="0" bIns="0" rtlCol="0" anchor="ctr"/>
-          <a:lstStyle/>
-          <a:p>
-            <a:pPr lvl="0" algn="l">
-              <a:lnSpc>
-                <a:spcPct val="95449"/>
-              </a:lnSpc>
-            </a:pPr>
-            <a:r>
-              <a:rPr lang="ko-KR" sz="2300" b="0" i="0" u="none" strike="noStrike">
-                <a:solidFill>
-                  <a:srgbClr val="000000"/>
-                </a:solidFill>
-                <a:ea typeface="KOHINanumOTF Light"/>
-              </a:rPr>
-              <a:t>점프대</a:t>
-            </a:r>
-          </a:p>
-        </p:txBody>
-      </p:sp>
-      <p:pic>
-        <p:nvPicPr>
-          <p:cNvPr id="11" name="Picture 11"/>
-          <p:cNvPicPr>
-            <a:picLocks noChangeAspect="1"/>
-          </p:cNvPicPr>
-          <p:nvPr/>
-        </p:nvPicPr>
-        <p:blipFill>
-          <a:blip r:embed="rId3"/>
-          <a:stretch>
-            <a:fillRect/>
-          </a:stretch>
-        </p:blipFill>
-        <p:spPr>
-          <a:xfrm>
-            <a:off x="14630400" y="3086100"/>
-            <a:ext cx="1308100" cy="419100"/>
-          </a:xfrm>
-          <a:prstGeom prst="rect">
-            <a:avLst/>
-          </a:prstGeom>
-        </p:spPr>
-      </p:pic>
-      <p:sp>
-        <p:nvSpPr>
-          <p:cNvPr id="12" name="TextBox 12"/>
-          <p:cNvSpPr txBox="1"/>
-          <p:nvPr/>
-        </p:nvSpPr>
-        <p:spPr>
-          <a:xfrm>
-            <a:off x="14554200" y="2654300"/>
-            <a:ext cx="1244600" cy="406400"/>
-          </a:xfrm>
-          <a:prstGeom prst="rect">
-            <a:avLst/>
-          </a:prstGeom>
-        </p:spPr>
-        <p:txBody>
-          <a:bodyPr lIns="0" tIns="0" rIns="0" bIns="0" rtlCol="0" anchor="ctr"/>
-          <a:lstStyle/>
-          <a:p>
-            <a:pPr lvl="0" algn="l">
-              <a:lnSpc>
-                <a:spcPct val="95449"/>
-              </a:lnSpc>
-            </a:pPr>
-            <a:r>
-              <a:rPr lang="ko-KR" sz="2300" b="0" i="0" u="none" strike="noStrike">
-                <a:solidFill>
-                  <a:srgbClr val="000000"/>
-                </a:solidFill>
-                <a:ea typeface="KOHINanumOTF Light"/>
-              </a:rPr>
-              <a:t>탈출</a:t>
-            </a:r>
-            <a:r>
-              <a:rPr lang="en-US" sz="2300" b="0" i="0" u="none" strike="noStrike">
-                <a:solidFill>
-                  <a:srgbClr val="000000"/>
-                </a:solidFill>
-                <a:latin typeface="KOHINanumOTF Light"/>
-              </a:rPr>
-              <a:t> </a:t>
-            </a:r>
-            <a:r>
-              <a:rPr lang="ko-KR" sz="2300" b="0" i="0" u="none" strike="noStrike">
-                <a:solidFill>
-                  <a:srgbClr val="000000"/>
-                </a:solidFill>
-                <a:ea typeface="KOHINanumOTF Light"/>
-              </a:rPr>
-              <a:t>목표</a:t>
             </a:r>
           </a:p>
         </p:txBody>

--- a/Arcadia_Maker_1차 발표.pptx
+++ b/Arcadia_Maker_1차 발표.pptx
@@ -13,10 +13,9 @@
     <p:sldId id="261" r:id="rId7"/>
     <p:sldId id="263" r:id="rId8"/>
     <p:sldId id="262" r:id="rId9"/>
-    <p:sldId id="264" r:id="rId10"/>
-    <p:sldId id="265" r:id="rId11"/>
-    <p:sldId id="266" r:id="rId12"/>
-    <p:sldId id="267" r:id="rId13"/>
+    <p:sldId id="265" r:id="rId10"/>
+    <p:sldId id="266" r:id="rId11"/>
+    <p:sldId id="267" r:id="rId12"/>
   </p:sldIdLst>
   <p:sldSz cx="18288000" cy="10287000"/>
   <p:notesSz cx="6858000" cy="9144000"/>
@@ -4021,6 +4020,78 @@
         </p:blipFill>
         <p:spPr>
           <a:xfrm>
+            <a:off x="6019800" y="6350000"/>
+            <a:ext cx="1790700" cy="723900"/>
+          </a:xfrm>
+          <a:prstGeom prst="rect">
+            <a:avLst/>
+          </a:prstGeom>
+        </p:spPr>
+      </p:pic>
+      <p:pic>
+        <p:nvPicPr>
+          <p:cNvPr id="4" name="Picture 4"/>
+          <p:cNvPicPr>
+            <a:picLocks noChangeAspect="1"/>
+          </p:cNvPicPr>
+          <p:nvPr/>
+        </p:nvPicPr>
+        <p:blipFill>
+          <a:blip r:embed="rId4"/>
+          <a:stretch>
+            <a:fillRect/>
+          </a:stretch>
+        </p:blipFill>
+        <p:spPr>
+          <a:xfrm>
+            <a:off x="11049000" y="6527800"/>
+            <a:ext cx="1219200" cy="495300"/>
+          </a:xfrm>
+          <a:prstGeom prst="rect">
+            <a:avLst/>
+          </a:prstGeom>
+        </p:spPr>
+      </p:pic>
+      <p:pic>
+        <p:nvPicPr>
+          <p:cNvPr id="5" name="Picture 5"/>
+          <p:cNvPicPr>
+            <a:picLocks noChangeAspect="1"/>
+          </p:cNvPicPr>
+          <p:nvPr/>
+        </p:nvPicPr>
+        <p:blipFill>
+          <a:blip r:embed="rId4"/>
+          <a:stretch>
+            <a:fillRect/>
+          </a:stretch>
+        </p:blipFill>
+        <p:spPr>
+          <a:xfrm>
+            <a:off x="11518900" y="6908800"/>
+            <a:ext cx="1219200" cy="495300"/>
+          </a:xfrm>
+          <a:prstGeom prst="rect">
+            <a:avLst/>
+          </a:prstGeom>
+        </p:spPr>
+      </p:pic>
+      <p:pic>
+        <p:nvPicPr>
+          <p:cNvPr id="6" name="Picture 6"/>
+          <p:cNvPicPr>
+            <a:picLocks noChangeAspect="1"/>
+          </p:cNvPicPr>
+          <p:nvPr/>
+        </p:nvPicPr>
+        <p:blipFill>
+          <a:blip r:embed="rId5"/>
+          <a:stretch>
+            <a:fillRect/>
+          </a:stretch>
+        </p:blipFill>
+        <p:spPr>
+          <a:xfrm>
             <a:off x="3467100" y="762000"/>
             <a:ext cx="13423900" cy="533400"/>
           </a:xfrm>
@@ -4031,14 +4102,14 @@
       </p:pic>
       <p:pic>
         <p:nvPicPr>
-          <p:cNvPr id="4" name="Picture 4"/>
-          <p:cNvPicPr>
-            <a:picLocks noChangeAspect="1"/>
-          </p:cNvPicPr>
-          <p:nvPr/>
-        </p:nvPicPr>
-        <p:blipFill>
-          <a:blip r:embed="rId4"/>
+          <p:cNvPr id="7" name="Picture 7"/>
+          <p:cNvPicPr>
+            <a:picLocks noChangeAspect="1"/>
+          </p:cNvPicPr>
+          <p:nvPr/>
+        </p:nvPicPr>
+        <p:blipFill>
+          <a:blip r:embed="rId6"/>
           <a:stretch>
             <a:fillRect/>
           </a:stretch>
@@ -4055,14 +4126,14 @@
       </p:pic>
       <p:pic>
         <p:nvPicPr>
-          <p:cNvPr id="5" name="Picture 5"/>
-          <p:cNvPicPr>
-            <a:picLocks noChangeAspect="1"/>
-          </p:cNvPicPr>
-          <p:nvPr/>
-        </p:nvPicPr>
-        <p:blipFill>
-          <a:blip r:embed="rId5"/>
+          <p:cNvPr id="8" name="Picture 8"/>
+          <p:cNvPicPr>
+            <a:picLocks noChangeAspect="1"/>
+          </p:cNvPicPr>
+          <p:nvPr/>
+        </p:nvPicPr>
+        <p:blipFill>
+          <a:blip r:embed="rId7"/>
           <a:stretch>
             <a:fillRect/>
           </a:stretch>
@@ -4079,14 +4150,14 @@
       </p:pic>
       <p:pic>
         <p:nvPicPr>
-          <p:cNvPr id="6" name="Picture 6"/>
-          <p:cNvPicPr>
-            <a:picLocks noChangeAspect="1"/>
-          </p:cNvPicPr>
-          <p:nvPr/>
-        </p:nvPicPr>
-        <p:blipFill>
-          <a:blip r:embed="rId6"/>
+          <p:cNvPr id="9" name="Picture 9"/>
+          <p:cNvPicPr>
+            <a:picLocks noChangeAspect="1"/>
+          </p:cNvPicPr>
+          <p:nvPr/>
+        </p:nvPicPr>
+        <p:blipFill>
+          <a:blip r:embed="rId8"/>
           <a:stretch>
             <a:fillRect/>
           </a:stretch>
@@ -4103,14 +4174,14 @@
       </p:pic>
       <p:pic>
         <p:nvPicPr>
-          <p:cNvPr id="7" name="Picture 7"/>
-          <p:cNvPicPr>
-            <a:picLocks noChangeAspect="1"/>
-          </p:cNvPicPr>
-          <p:nvPr/>
-        </p:nvPicPr>
-        <p:blipFill>
-          <a:blip r:embed="rId6"/>
+          <p:cNvPr id="10" name="Picture 10"/>
+          <p:cNvPicPr>
+            <a:picLocks noChangeAspect="1"/>
+          </p:cNvPicPr>
+          <p:nvPr/>
+        </p:nvPicPr>
+        <p:blipFill>
+          <a:blip r:embed="rId8"/>
           <a:stretch>
             <a:fillRect/>
           </a:stretch>
@@ -4127,78 +4198,6 @@
       </p:pic>
       <p:pic>
         <p:nvPicPr>
-          <p:cNvPr id="8" name="Picture 8"/>
-          <p:cNvPicPr>
-            <a:picLocks noChangeAspect="1"/>
-          </p:cNvPicPr>
-          <p:nvPr/>
-        </p:nvPicPr>
-        <p:blipFill>
-          <a:blip r:embed="rId7"/>
-          <a:stretch>
-            <a:fillRect/>
-          </a:stretch>
-        </p:blipFill>
-        <p:spPr>
-          <a:xfrm>
-            <a:off x="1524000" y="3416300"/>
-            <a:ext cx="15240000" cy="571500"/>
-          </a:xfrm>
-          <a:prstGeom prst="rect">
-            <a:avLst/>
-          </a:prstGeom>
-        </p:spPr>
-      </p:pic>
-      <p:pic>
-        <p:nvPicPr>
-          <p:cNvPr id="9" name="Picture 9"/>
-          <p:cNvPicPr>
-            <a:picLocks noChangeAspect="1"/>
-          </p:cNvPicPr>
-          <p:nvPr/>
-        </p:nvPicPr>
-        <p:blipFill>
-          <a:blip r:embed="rId8"/>
-          <a:stretch>
-            <a:fillRect/>
-          </a:stretch>
-        </p:blipFill>
-        <p:spPr>
-          <a:xfrm rot="5400000">
-            <a:off x="4279900" y="3695700"/>
-            <a:ext cx="571500" cy="12700"/>
-          </a:xfrm>
-          <a:prstGeom prst="rect">
-            <a:avLst/>
-          </a:prstGeom>
-        </p:spPr>
-      </p:pic>
-      <p:pic>
-        <p:nvPicPr>
-          <p:cNvPr id="10" name="Picture 10"/>
-          <p:cNvPicPr>
-            <a:picLocks noChangeAspect="1"/>
-          </p:cNvPicPr>
-          <p:nvPr/>
-        </p:nvPicPr>
-        <p:blipFill>
-          <a:blip r:embed="rId8"/>
-          <a:stretch>
-            <a:fillRect/>
-          </a:stretch>
-        </p:blipFill>
-        <p:spPr>
-          <a:xfrm rot="5400000">
-            <a:off x="7340600" y="3708400"/>
-            <a:ext cx="571500" cy="12700"/>
-          </a:xfrm>
-          <a:prstGeom prst="rect">
-            <a:avLst/>
-          </a:prstGeom>
-        </p:spPr>
-      </p:pic>
-      <p:pic>
-        <p:nvPicPr>
           <p:cNvPr id="11" name="Picture 11"/>
           <p:cNvPicPr>
             <a:picLocks noChangeAspect="1"/>
@@ -4206,15 +4205,15 @@
           <p:nvPr/>
         </p:nvPicPr>
         <p:blipFill>
-          <a:blip r:embed="rId8"/>
-          <a:stretch>
-            <a:fillRect/>
-          </a:stretch>
-        </p:blipFill>
-        <p:spPr>
-          <a:xfrm rot="5400000">
-            <a:off x="10375900" y="3695700"/>
-            <a:ext cx="571500" cy="12700"/>
+          <a:blip r:embed="rId9"/>
+          <a:stretch>
+            <a:fillRect/>
+          </a:stretch>
+        </p:blipFill>
+        <p:spPr>
+          <a:xfrm>
+            <a:off x="12941300" y="7696200"/>
+            <a:ext cx="571500" cy="279400"/>
           </a:xfrm>
           <a:prstGeom prst="rect">
             <a:avLst/>
@@ -4230,15 +4229,15 @@
           <p:nvPr/>
         </p:nvPicPr>
         <p:blipFill>
-          <a:blip r:embed="rId8"/>
-          <a:stretch>
-            <a:fillRect/>
-          </a:stretch>
-        </p:blipFill>
-        <p:spPr>
-          <a:xfrm rot="5400000">
-            <a:off x="13423900" y="3695700"/>
-            <a:ext cx="571500" cy="12700"/>
+          <a:blip r:embed="rId10"/>
+          <a:stretch>
+            <a:fillRect/>
+          </a:stretch>
+        </p:blipFill>
+        <p:spPr>
+          <a:xfrm>
+            <a:off x="4495800" y="7899400"/>
+            <a:ext cx="3111500" cy="482600"/>
           </a:xfrm>
           <a:prstGeom prst="rect">
             <a:avLst/>
@@ -4261,8 +4260,8 @@
         </p:blipFill>
         <p:spPr>
           <a:xfrm>
-            <a:off x="1524000" y="4229100"/>
-            <a:ext cx="15240000" cy="558800"/>
+            <a:off x="4902200" y="7620000"/>
+            <a:ext cx="571500" cy="279400"/>
           </a:xfrm>
           <a:prstGeom prst="rect">
             <a:avLst/>
@@ -4278,6 +4277,198 @@
           <p:nvPr/>
         </p:nvPicPr>
         <p:blipFill>
+          <a:blip r:embed="rId9"/>
+          <a:stretch>
+            <a:fillRect/>
+          </a:stretch>
+        </p:blipFill>
+        <p:spPr>
+          <a:xfrm>
+            <a:off x="5461000" y="7645400"/>
+            <a:ext cx="571500" cy="279400"/>
+          </a:xfrm>
+          <a:prstGeom prst="rect">
+            <a:avLst/>
+          </a:prstGeom>
+        </p:spPr>
+      </p:pic>
+      <p:pic>
+        <p:nvPicPr>
+          <p:cNvPr id="15" name="Picture 15"/>
+          <p:cNvPicPr>
+            <a:picLocks noChangeAspect="1"/>
+          </p:cNvPicPr>
+          <p:nvPr/>
+        </p:nvPicPr>
+        <p:blipFill>
+          <a:blip r:embed="rId11"/>
+          <a:stretch>
+            <a:fillRect/>
+          </a:stretch>
+        </p:blipFill>
+        <p:spPr>
+          <a:xfrm>
+            <a:off x="5715000" y="7213600"/>
+            <a:ext cx="711200" cy="711200"/>
+          </a:xfrm>
+          <a:prstGeom prst="rect">
+            <a:avLst/>
+          </a:prstGeom>
+        </p:spPr>
+      </p:pic>
+      <p:pic>
+        <p:nvPicPr>
+          <p:cNvPr id="16" name="Picture 16"/>
+          <p:cNvPicPr>
+            <a:picLocks noChangeAspect="1"/>
+          </p:cNvPicPr>
+          <p:nvPr/>
+        </p:nvPicPr>
+        <p:blipFill>
+          <a:blip r:embed="rId12"/>
+          <a:stretch>
+            <a:fillRect/>
+          </a:stretch>
+        </p:blipFill>
+        <p:spPr>
+          <a:xfrm>
+            <a:off x="6413500" y="7620000"/>
+            <a:ext cx="279400" cy="279400"/>
+          </a:xfrm>
+          <a:prstGeom prst="rect">
+            <a:avLst/>
+          </a:prstGeom>
+        </p:spPr>
+      </p:pic>
+      <p:pic>
+        <p:nvPicPr>
+          <p:cNvPr id="17" name="Picture 17"/>
+          <p:cNvPicPr>
+            <a:picLocks noChangeAspect="1"/>
+          </p:cNvPicPr>
+          <p:nvPr/>
+        </p:nvPicPr>
+        <p:blipFill>
+          <a:blip r:embed="rId12"/>
+          <a:stretch>
+            <a:fillRect/>
+          </a:stretch>
+        </p:blipFill>
+        <p:spPr>
+          <a:xfrm>
+            <a:off x="6743700" y="7632700"/>
+            <a:ext cx="279400" cy="279400"/>
+          </a:xfrm>
+          <a:prstGeom prst="rect">
+            <a:avLst/>
+          </a:prstGeom>
+        </p:spPr>
+      </p:pic>
+      <p:pic>
+        <p:nvPicPr>
+          <p:cNvPr id="18" name="Picture 18"/>
+          <p:cNvPicPr>
+            <a:picLocks noChangeAspect="1"/>
+          </p:cNvPicPr>
+          <p:nvPr/>
+        </p:nvPicPr>
+        <p:blipFill>
+          <a:blip r:embed="rId13"/>
+          <a:stretch>
+            <a:fillRect/>
+          </a:stretch>
+        </p:blipFill>
+        <p:spPr>
+          <a:xfrm>
+            <a:off x="12954000" y="7086600"/>
+            <a:ext cx="850900" cy="850900"/>
+          </a:xfrm>
+          <a:prstGeom prst="rect">
+            <a:avLst/>
+          </a:prstGeom>
+        </p:spPr>
+      </p:pic>
+      <p:pic>
+        <p:nvPicPr>
+          <p:cNvPr id="19" name="Picture 19"/>
+          <p:cNvPicPr>
+            <a:picLocks noChangeAspect="1"/>
+          </p:cNvPicPr>
+          <p:nvPr/>
+        </p:nvPicPr>
+        <p:blipFill>
+          <a:blip r:embed="rId13"/>
+          <a:stretch>
+            <a:fillRect/>
+          </a:stretch>
+        </p:blipFill>
+        <p:spPr>
+          <a:xfrm>
+            <a:off x="12280900" y="7086600"/>
+            <a:ext cx="850900" cy="850900"/>
+          </a:xfrm>
+          <a:prstGeom prst="rect">
+            <a:avLst/>
+          </a:prstGeom>
+        </p:spPr>
+      </p:pic>
+      <p:pic>
+        <p:nvPicPr>
+          <p:cNvPr id="20" name="Picture 20"/>
+          <p:cNvPicPr>
+            <a:picLocks noChangeAspect="1"/>
+          </p:cNvPicPr>
+          <p:nvPr/>
+        </p:nvPicPr>
+        <p:blipFill>
+          <a:blip r:embed="rId13"/>
+          <a:stretch>
+            <a:fillRect/>
+          </a:stretch>
+        </p:blipFill>
+        <p:spPr>
+          <a:xfrm>
+            <a:off x="11595100" y="7061200"/>
+            <a:ext cx="850900" cy="850900"/>
+          </a:xfrm>
+          <a:prstGeom prst="rect">
+            <a:avLst/>
+          </a:prstGeom>
+        </p:spPr>
+      </p:pic>
+      <p:pic>
+        <p:nvPicPr>
+          <p:cNvPr id="21" name="Picture 21"/>
+          <p:cNvPicPr>
+            <a:picLocks noChangeAspect="1"/>
+          </p:cNvPicPr>
+          <p:nvPr/>
+        </p:nvPicPr>
+        <p:blipFill>
+          <a:blip r:embed="rId14"/>
+          <a:stretch>
+            <a:fillRect/>
+          </a:stretch>
+        </p:blipFill>
+        <p:spPr>
+          <a:xfrm>
+            <a:off x="10693400" y="7899400"/>
+            <a:ext cx="3111500" cy="482600"/>
+          </a:xfrm>
+          <a:prstGeom prst="rect">
+            <a:avLst/>
+          </a:prstGeom>
+        </p:spPr>
+      </p:pic>
+      <p:pic>
+        <p:nvPicPr>
+          <p:cNvPr id="22" name="Picture 22"/>
+          <p:cNvPicPr>
+            <a:picLocks noChangeAspect="1"/>
+          </p:cNvPicPr>
+          <p:nvPr/>
+        </p:nvPicPr>
+        <p:blipFill>
           <a:blip r:embed="rId10"/>
           <a:stretch>
             <a:fillRect/>
@@ -4285,200 +4476,8 @@
         </p:blipFill>
         <p:spPr>
           <a:xfrm>
-            <a:off x="1524000" y="4229100"/>
-            <a:ext cx="3048000" cy="558800"/>
-          </a:xfrm>
-          <a:prstGeom prst="rect">
-            <a:avLst/>
-          </a:prstGeom>
-        </p:spPr>
-      </p:pic>
-      <p:pic>
-        <p:nvPicPr>
-          <p:cNvPr id="15" name="Picture 15"/>
-          <p:cNvPicPr>
-            <a:picLocks noChangeAspect="1"/>
-          </p:cNvPicPr>
-          <p:nvPr/>
-        </p:nvPicPr>
-        <p:blipFill>
-          <a:blip r:embed="rId9"/>
-          <a:stretch>
-            <a:fillRect/>
-          </a:stretch>
-        </p:blipFill>
-        <p:spPr>
-          <a:xfrm>
-            <a:off x="1524000" y="8496300"/>
-            <a:ext cx="15240000" cy="558800"/>
-          </a:xfrm>
-          <a:prstGeom prst="rect">
-            <a:avLst/>
-          </a:prstGeom>
-        </p:spPr>
-      </p:pic>
-      <p:pic>
-        <p:nvPicPr>
-          <p:cNvPr id="16" name="Picture 16"/>
-          <p:cNvPicPr>
-            <a:picLocks noChangeAspect="1"/>
-          </p:cNvPicPr>
-          <p:nvPr/>
-        </p:nvPicPr>
-        <p:blipFill>
-          <a:blip r:embed="rId9"/>
-          <a:stretch>
-            <a:fillRect/>
-          </a:stretch>
-        </p:blipFill>
-        <p:spPr>
-          <a:xfrm>
-            <a:off x="1524000" y="6375400"/>
-            <a:ext cx="15240000" cy="558800"/>
-          </a:xfrm>
-          <a:prstGeom prst="rect">
-            <a:avLst/>
-          </a:prstGeom>
-        </p:spPr>
-      </p:pic>
-      <p:pic>
-        <p:nvPicPr>
-          <p:cNvPr id="17" name="Picture 17"/>
-          <p:cNvPicPr>
-            <a:picLocks noChangeAspect="1"/>
-          </p:cNvPicPr>
-          <p:nvPr/>
-        </p:nvPicPr>
-        <p:blipFill>
-          <a:blip r:embed="rId11"/>
-          <a:stretch>
-            <a:fillRect/>
-          </a:stretch>
-        </p:blipFill>
-        <p:spPr>
-          <a:xfrm>
-            <a:off x="1524000" y="5283200"/>
-            <a:ext cx="15240000" cy="558800"/>
-          </a:xfrm>
-          <a:prstGeom prst="rect">
-            <a:avLst/>
-          </a:prstGeom>
-        </p:spPr>
-      </p:pic>
-      <p:pic>
-        <p:nvPicPr>
-          <p:cNvPr id="18" name="Picture 18"/>
-          <p:cNvPicPr>
-            <a:picLocks noChangeAspect="1"/>
-          </p:cNvPicPr>
-          <p:nvPr/>
-        </p:nvPicPr>
-        <p:blipFill>
-          <a:blip r:embed="rId9"/>
-          <a:stretch>
-            <a:fillRect/>
-          </a:stretch>
-        </p:blipFill>
-        <p:spPr>
-          <a:xfrm>
-            <a:off x="1524000" y="5283200"/>
-            <a:ext cx="15240000" cy="558800"/>
-          </a:xfrm>
-          <a:prstGeom prst="rect">
-            <a:avLst/>
-          </a:prstGeom>
-        </p:spPr>
-      </p:pic>
-      <p:pic>
-        <p:nvPicPr>
-          <p:cNvPr id="19" name="Picture 19"/>
-          <p:cNvPicPr>
-            <a:picLocks noChangeAspect="1"/>
-          </p:cNvPicPr>
-          <p:nvPr/>
-        </p:nvPicPr>
-        <p:blipFill>
-          <a:blip r:embed="rId10"/>
-          <a:stretch>
-            <a:fillRect/>
-          </a:stretch>
-        </p:blipFill>
-        <p:spPr>
-          <a:xfrm>
-            <a:off x="7620000" y="6375400"/>
-            <a:ext cx="3048000" cy="558800"/>
-          </a:xfrm>
-          <a:prstGeom prst="rect">
-            <a:avLst/>
-          </a:prstGeom>
-        </p:spPr>
-      </p:pic>
-      <p:pic>
-        <p:nvPicPr>
-          <p:cNvPr id="20" name="Picture 20"/>
-          <p:cNvPicPr>
-            <a:picLocks noChangeAspect="1"/>
-          </p:cNvPicPr>
-          <p:nvPr/>
-        </p:nvPicPr>
-        <p:blipFill>
-          <a:blip r:embed="rId9"/>
-          <a:stretch>
-            <a:fillRect/>
-          </a:stretch>
-        </p:blipFill>
-        <p:spPr>
-          <a:xfrm>
-            <a:off x="1524000" y="7416800"/>
-            <a:ext cx="15240000" cy="558800"/>
-          </a:xfrm>
-          <a:prstGeom prst="rect">
-            <a:avLst/>
-          </a:prstGeom>
-        </p:spPr>
-      </p:pic>
-      <p:pic>
-        <p:nvPicPr>
-          <p:cNvPr id="21" name="Picture 21"/>
-          <p:cNvPicPr>
-            <a:picLocks noChangeAspect="1"/>
-          </p:cNvPicPr>
-          <p:nvPr/>
-        </p:nvPicPr>
-        <p:blipFill>
-          <a:blip r:embed="rId10"/>
-          <a:stretch>
-            <a:fillRect/>
-          </a:stretch>
-        </p:blipFill>
-        <p:spPr>
-          <a:xfrm>
-            <a:off x="10655300" y="7416800"/>
-            <a:ext cx="3048000" cy="558800"/>
-          </a:xfrm>
-          <a:prstGeom prst="rect">
-            <a:avLst/>
-          </a:prstGeom>
-        </p:spPr>
-      </p:pic>
-      <p:pic>
-        <p:nvPicPr>
-          <p:cNvPr id="22" name="Picture 22"/>
-          <p:cNvPicPr>
-            <a:picLocks noChangeAspect="1"/>
-          </p:cNvPicPr>
-          <p:nvPr/>
-        </p:nvPicPr>
-        <p:blipFill>
-          <a:blip r:embed="rId10"/>
-          <a:stretch>
-            <a:fillRect/>
-          </a:stretch>
-        </p:blipFill>
-        <p:spPr>
-          <a:xfrm>
-            <a:off x="13716000" y="8496300"/>
-            <a:ext cx="3048000" cy="558800"/>
+            <a:off x="7594600" y="7899400"/>
+            <a:ext cx="3111500" cy="482600"/>
           </a:xfrm>
           <a:prstGeom prst="rect">
             <a:avLst/>
@@ -4494,31 +4493,55 @@
           <p:nvPr/>
         </p:nvPicPr>
         <p:blipFill>
-          <a:blip r:embed="rId12"/>
-          <a:stretch>
-            <a:fillRect/>
-          </a:stretch>
-        </p:blipFill>
-        <p:spPr>
-          <a:xfrm>
-            <a:off x="4559300" y="5283200"/>
-            <a:ext cx="3048000" cy="558800"/>
-          </a:xfrm>
-          <a:prstGeom prst="rect">
-            <a:avLst/>
-          </a:prstGeom>
-        </p:spPr>
-      </p:pic>
-      <p:sp>
-        <p:nvSpPr>
-          <p:cNvPr id="24" name="TextBox 24"/>
+          <a:blip r:embed="rId15"/>
+          <a:stretch>
+            <a:fillRect/>
+          </a:stretch>
+        </p:blipFill>
+        <p:spPr>
+          <a:xfrm rot="-5400000">
+            <a:off x="8788400" y="7010400"/>
+            <a:ext cx="723900" cy="571500"/>
+          </a:xfrm>
+          <a:prstGeom prst="rect">
+            <a:avLst/>
+          </a:prstGeom>
+        </p:spPr>
+      </p:pic>
+      <p:pic>
+        <p:nvPicPr>
+          <p:cNvPr id="24" name="Picture 24"/>
+          <p:cNvPicPr>
+            <a:picLocks noChangeAspect="1"/>
+          </p:cNvPicPr>
+          <p:nvPr/>
+        </p:nvPicPr>
+        <p:blipFill>
+          <a:blip r:embed="rId16"/>
+          <a:stretch>
+            <a:fillRect/>
+          </a:stretch>
+        </p:blipFill>
+        <p:spPr>
+          <a:xfrm>
+            <a:off x="4660900" y="7289800"/>
+            <a:ext cx="647700" cy="647700"/>
+          </a:xfrm>
+          <a:prstGeom prst="rect">
+            <a:avLst/>
+          </a:prstGeom>
+        </p:spPr>
+      </p:pic>
+      <p:sp>
+        <p:nvSpPr>
+          <p:cNvPr id="25" name="TextBox 25"/>
           <p:cNvSpPr txBox="1"/>
           <p:nvPr/>
         </p:nvSpPr>
         <p:spPr>
           <a:xfrm>
-            <a:off x="2311400" y="1854200"/>
-            <a:ext cx="13500100" cy="1066800"/>
+            <a:off x="2311400" y="1866900"/>
+            <a:ext cx="13500100" cy="1054100"/>
           </a:xfrm>
           <a:prstGeom prst="rect">
             <a:avLst/>
@@ -4540,39 +4563,21 @@
                 </a:solidFill>
                 <a:ea typeface="KOHIBaeumOTF"/>
               </a:rPr>
-              <a:t>개발</a:t>
-            </a:r>
-            <a:r>
-              <a:rPr lang="en-US" sz="6000" b="0" i="0" u="none" strike="noStrike">
-                <a:solidFill>
-                  <a:srgbClr val="005F30"/>
-                </a:solidFill>
-                <a:latin typeface="KOHIBaeumOTF"/>
-              </a:rPr>
-              <a:t> </a:t>
-            </a:r>
-            <a:r>
-              <a:rPr lang="ko-KR" sz="6000" b="0" i="0" u="none" strike="noStrike">
-                <a:solidFill>
-                  <a:srgbClr val="005F30"/>
-                </a:solidFill>
-                <a:ea typeface="KOHIBaeumOTF"/>
-              </a:rPr>
-              <a:t>일정</a:t>
-            </a:r>
-          </a:p>
-        </p:txBody>
-      </p:sp>
-      <p:sp>
-        <p:nvSpPr>
-          <p:cNvPr id="25" name="TextBox 25"/>
+              <a:t>출처</a:t>
+            </a:r>
+          </a:p>
+        </p:txBody>
+      </p:sp>
+      <p:sp>
+        <p:nvSpPr>
+          <p:cNvPr id="26" name="TextBox 26"/>
           <p:cNvSpPr txBox="1"/>
           <p:nvPr/>
         </p:nvSpPr>
         <p:spPr>
           <a:xfrm>
-            <a:off x="13817600" y="838200"/>
-            <a:ext cx="2489200" cy="355600"/>
+            <a:off x="12458700" y="850900"/>
+            <a:ext cx="3848100" cy="342900"/>
           </a:xfrm>
           <a:prstGeom prst="rect">
             <a:avLst/>
@@ -4594,32 +4599,14 @@
                 </a:solidFill>
                 <a:ea typeface="KOHINanumOTF Bold"/>
               </a:rPr>
-              <a:t>개발</a:t>
-            </a:r>
-            <a:r>
-              <a:rPr lang="en-US" sz="2000" b="0" i="0" u="none" strike="noStrike">
-                <a:solidFill>
-                  <a:srgbClr val="005F30"/>
-                </a:solidFill>
-                <a:latin typeface="KOHINanumOTF Bold"/>
-              </a:rPr>
-              <a:t> </a:t>
-            </a:r>
-            <a:r>
-              <a:rPr lang="ko-KR" sz="2000" b="0" i="0" u="none" strike="noStrike">
-                <a:solidFill>
-                  <a:srgbClr val="005F30"/>
-                </a:solidFill>
-                <a:ea typeface="KOHINanumOTF Bold"/>
-              </a:rPr>
-              <a:t>일정</a:t>
-            </a:r>
-          </a:p>
-        </p:txBody>
-      </p:sp>
-      <p:sp>
-        <p:nvSpPr>
-          <p:cNvPr id="26" name="TextBox 26"/>
+              <a:t>출처</a:t>
+            </a:r>
+          </a:p>
+        </p:txBody>
+      </p:sp>
+      <p:sp>
+        <p:nvSpPr>
+          <p:cNvPr id="27" name="TextBox 27"/>
           <p:cNvSpPr txBox="1"/>
           <p:nvPr/>
         </p:nvSpPr>
@@ -4655,7 +4642,7 @@
       </p:sp>
       <p:sp>
         <p:nvSpPr>
-          <p:cNvPr id="27" name="TextBox 27"/>
+          <p:cNvPr id="28" name="TextBox 28"/>
           <p:cNvSpPr txBox="1"/>
           <p:nvPr/>
         </p:nvSpPr>
@@ -4691,7 +4678,7 @@
       </p:sp>
       <p:sp>
         <p:nvSpPr>
-          <p:cNvPr id="28" name="TextBox 28"/>
+          <p:cNvPr id="29" name="TextBox 29"/>
           <p:cNvSpPr txBox="1"/>
           <p:nvPr/>
         </p:nvSpPr>
@@ -4720,21 +4707,21 @@
                 </a:solidFill>
                 <a:latin typeface="KOHINanumOTF Light"/>
               </a:rPr>
-              <a:t>09</a:t>
-            </a:r>
-          </a:p>
-        </p:txBody>
-      </p:sp>
-      <p:sp>
-        <p:nvSpPr>
-          <p:cNvPr id="29" name="TextBox 29"/>
+              <a:t>10</a:t>
+            </a:r>
+          </a:p>
+        </p:txBody>
+      </p:sp>
+      <p:sp>
+        <p:nvSpPr>
+          <p:cNvPr id="30" name="TextBox 30"/>
           <p:cNvSpPr txBox="1"/>
           <p:nvPr/>
         </p:nvSpPr>
         <p:spPr>
           <a:xfrm>
-            <a:off x="1524000" y="3530600"/>
-            <a:ext cx="1574800" cy="393700"/>
+            <a:off x="4699000" y="4902200"/>
+            <a:ext cx="8902700" cy="685800"/>
           </a:xfrm>
           <a:prstGeom prst="rect">
             <a:avLst/>
@@ -4746,1165 +4733,186 @@
           <a:p>
             <a:pPr lvl="0" algn="ctr">
               <a:lnSpc>
-                <a:spcPct val="99600"/>
+                <a:spcPct val="107899"/>
               </a:lnSpc>
             </a:pPr>
             <a:r>
-              <a:rPr lang="en-US" sz="2200" b="0" i="0" u="none" strike="noStrike">
-                <a:solidFill>
-                  <a:srgbClr val="005F30"/>
-                </a:solidFill>
-                <a:latin typeface="KOHIBaeumOTF"/>
-              </a:rPr>
-              <a:t>1~2</a:t>
-            </a:r>
-            <a:r>
-              <a:rPr lang="ko-KR" sz="2200" b="0" i="0" u="none" strike="noStrike">
-                <a:solidFill>
-                  <a:srgbClr val="005F30"/>
-                </a:solidFill>
-                <a:ea typeface="KOHIBaeumOTF"/>
-              </a:rPr>
-              <a:t>주차</a:t>
-            </a:r>
-          </a:p>
-        </p:txBody>
-      </p:sp>
-      <p:sp>
-        <p:nvSpPr>
-          <p:cNvPr id="30" name="TextBox 30"/>
-          <p:cNvSpPr txBox="1"/>
-          <p:nvPr/>
-        </p:nvSpPr>
-        <p:spPr>
-          <a:xfrm>
-            <a:off x="1714500" y="4356100"/>
-            <a:ext cx="2781300" cy="330200"/>
-          </a:xfrm>
-          <a:prstGeom prst="rect">
-            <a:avLst/>
-          </a:prstGeom>
-        </p:spPr>
-        <p:txBody>
-          <a:bodyPr lIns="0" tIns="0" rIns="0" bIns="0" rtlCol="0" anchor="ctr"/>
-          <a:lstStyle/>
-          <a:p>
-            <a:pPr lvl="0" algn="l">
+              <a:rPr lang="ko-KR" sz="2000" b="0" i="0" u="none" strike="noStrike">
+                <a:solidFill>
+                  <a:srgbClr val="005F30"/>
+                </a:solidFill>
+                <a:ea typeface="KOHINanumOTF Light"/>
+              </a:rPr>
+              <a:t>이미지</a:t>
+            </a:r>
+            <a:r>
+              <a:rPr lang="en-US" sz="2000" b="0" i="0" u="none" strike="noStrike">
+                <a:solidFill>
+                  <a:srgbClr val="005F30"/>
+                </a:solidFill>
+                <a:latin typeface="KOHINanumOTF Light"/>
+              </a:rPr>
+              <a:t> 1</a:t>
+            </a:r>
+            <a:r>
+              <a:rPr lang="ko-KR" sz="2000" b="0" i="0" u="none" strike="noStrike">
+                <a:solidFill>
+                  <a:srgbClr val="005F30"/>
+                </a:solidFill>
+                <a:ea typeface="KOHINanumOTF Light"/>
+              </a:rPr>
+              <a:t>번</a:t>
+            </a:r>
+            <a:r>
+              <a:rPr lang="en-US" sz="2000" b="0" i="0" u="none" strike="noStrike">
+                <a:solidFill>
+                  <a:srgbClr val="005F30"/>
+                </a:solidFill>
+                <a:latin typeface="KOHINanumOTF Light"/>
+              </a:rPr>
+              <a:t> : HTTPS://NAMU.WIKI/W/</a:t>
+            </a:r>
+            <a:r>
+              <a:rPr lang="ko-KR" sz="2000" b="0" i="0" u="none" strike="noStrike">
+                <a:solidFill>
+                  <a:srgbClr val="005F30"/>
+                </a:solidFill>
+                <a:ea typeface="KOHINanumOTF Light"/>
+              </a:rPr>
+              <a:t>슈퍼</a:t>
+            </a:r>
+            <a:r>
+              <a:rPr lang="en-US" sz="2000" b="0" i="0" u="none" strike="noStrike">
+                <a:solidFill>
+                  <a:srgbClr val="005F30"/>
+                </a:solidFill>
+                <a:latin typeface="KOHINanumOTF Light"/>
+              </a:rPr>
+              <a:t>%20</a:t>
+            </a:r>
+            <a:r>
+              <a:rPr lang="ko-KR" sz="2000" b="0" i="0" u="none" strike="noStrike">
+                <a:solidFill>
+                  <a:srgbClr val="005F30"/>
+                </a:solidFill>
+                <a:ea typeface="KOHINanumOTF Light"/>
+              </a:rPr>
+              <a:t>마리오</a:t>
+            </a:r>
+            <a:r>
+              <a:rPr lang="en-US" sz="2000" b="0" i="0" u="none" strike="noStrike">
+                <a:solidFill>
+                  <a:srgbClr val="005F30"/>
+                </a:solidFill>
+                <a:latin typeface="KOHINanumOTF Light"/>
+              </a:rPr>
+              <a:t>%20</a:t>
+            </a:r>
+            <a:r>
+              <a:rPr lang="ko-KR" sz="2000" b="0" i="0" u="none" strike="noStrike">
+                <a:solidFill>
+                  <a:srgbClr val="005F30"/>
+                </a:solidFill>
+                <a:ea typeface="KOHINanumOTF Light"/>
+              </a:rPr>
+              <a:t>메이커</a:t>
+            </a:r>
+          </a:p>
+          <a:p>
+            <a:pPr lvl="0" algn="ctr">
               <a:lnSpc>
-                <a:spcPct val="112880"/>
+                <a:spcPct val="107899"/>
               </a:lnSpc>
             </a:pPr>
             <a:r>
-              <a:rPr lang="ko-KR" sz="1900" b="0" i="0" u="none" strike="noStrike">
-                <a:solidFill>
-                  <a:srgbClr val="FCF9EC"/>
-                </a:solidFill>
-                <a:ea typeface="KOHINanumOTF Bold"/>
-              </a:rPr>
-              <a:t>리소스</a:t>
-            </a:r>
-            <a:r>
-              <a:rPr lang="en-US" sz="1900" b="0" i="0" u="none" strike="noStrike">
-                <a:solidFill>
-                  <a:srgbClr val="FCF9EC"/>
-                </a:solidFill>
-                <a:latin typeface="KOHINanumOTF Bold"/>
-              </a:rPr>
-              <a:t> </a:t>
-            </a:r>
-            <a:r>
-              <a:rPr lang="ko-KR" sz="1900" b="0" i="0" u="none" strike="noStrike">
-                <a:solidFill>
-                  <a:srgbClr val="FCF9EC"/>
-                </a:solidFill>
-                <a:ea typeface="KOHINanumOTF Bold"/>
-              </a:rPr>
-              <a:t>수집</a:t>
-            </a:r>
-            <a:r>
-              <a:rPr lang="en-US" sz="1900" b="0" i="0" u="none" strike="noStrike">
-                <a:solidFill>
-                  <a:srgbClr val="FCF9EC"/>
-                </a:solidFill>
-                <a:latin typeface="KOHINanumOTF Bold"/>
-              </a:rPr>
-              <a:t> </a:t>
-            </a:r>
-            <a:r>
-              <a:rPr lang="ko-KR" sz="1900" b="0" i="0" u="none" strike="noStrike">
-                <a:solidFill>
-                  <a:srgbClr val="FCF9EC"/>
-                </a:solidFill>
-                <a:ea typeface="KOHINanumOTF Bold"/>
-              </a:rPr>
-              <a:t>및</a:t>
-            </a:r>
-            <a:r>
-              <a:rPr lang="en-US" sz="1900" b="0" i="0" u="none" strike="noStrike">
-                <a:solidFill>
-                  <a:srgbClr val="FCF9EC"/>
-                </a:solidFill>
-                <a:latin typeface="KOHINanumOTF Bold"/>
-              </a:rPr>
-              <a:t> </a:t>
-            </a:r>
-            <a:r>
-              <a:rPr lang="ko-KR" sz="1900" b="0" i="0" u="none" strike="noStrike">
-                <a:solidFill>
-                  <a:srgbClr val="FCF9EC"/>
-                </a:solidFill>
-                <a:ea typeface="KOHINanumOTF Bold"/>
-              </a:rPr>
-              <a:t>디자인</a:t>
-            </a:r>
-          </a:p>
-        </p:txBody>
-      </p:sp>
-      <p:sp>
-        <p:nvSpPr>
-          <p:cNvPr id="31" name="TextBox 31"/>
-          <p:cNvSpPr txBox="1"/>
-          <p:nvPr/>
-        </p:nvSpPr>
-        <p:spPr>
-          <a:xfrm>
-            <a:off x="4749800" y="5422900"/>
-            <a:ext cx="2781300" cy="330200"/>
-          </a:xfrm>
-          <a:prstGeom prst="rect">
-            <a:avLst/>
-          </a:prstGeom>
-        </p:spPr>
-        <p:txBody>
-          <a:bodyPr lIns="0" tIns="0" rIns="0" bIns="0" rtlCol="0" anchor="ctr"/>
-          <a:lstStyle/>
-          <a:p>
-            <a:pPr lvl="0" algn="l">
-              <a:lnSpc>
-                <a:spcPct val="112880"/>
-              </a:lnSpc>
-            </a:pPr>
-            <a:r>
-              <a:rPr lang="ko-KR" sz="1900" b="0" i="0" u="none" strike="noStrike">
-                <a:solidFill>
-                  <a:srgbClr val="FCF9EC"/>
-                </a:solidFill>
-                <a:ea typeface="KOHINanumOTF Bold"/>
-              </a:rPr>
-              <a:t>맵</a:t>
-            </a:r>
-            <a:r>
-              <a:rPr lang="en-US" sz="1900" b="0" i="0" u="none" strike="noStrike">
-                <a:solidFill>
-                  <a:srgbClr val="FCF9EC"/>
-                </a:solidFill>
-                <a:latin typeface="KOHINanumOTF Bold"/>
-              </a:rPr>
-              <a:t> </a:t>
-            </a:r>
-            <a:r>
-              <a:rPr lang="ko-KR" sz="1900" b="0" i="0" u="none" strike="noStrike">
-                <a:solidFill>
-                  <a:srgbClr val="FCF9EC"/>
-                </a:solidFill>
-                <a:ea typeface="KOHINanumOTF Bold"/>
-              </a:rPr>
-              <a:t>제작</a:t>
-            </a:r>
-            <a:r>
-              <a:rPr lang="en-US" sz="1900" b="0" i="0" u="none" strike="noStrike">
-                <a:solidFill>
-                  <a:srgbClr val="FCF9EC"/>
-                </a:solidFill>
-                <a:latin typeface="KOHINanumOTF Bold"/>
-              </a:rPr>
-              <a:t> </a:t>
-            </a:r>
-            <a:r>
-              <a:rPr lang="ko-KR" sz="1900" b="0" i="0" u="none" strike="noStrike">
-                <a:solidFill>
-                  <a:srgbClr val="FCF9EC"/>
-                </a:solidFill>
-                <a:ea typeface="KOHINanumOTF Bold"/>
-              </a:rPr>
-              <a:t>기능</a:t>
-            </a:r>
-            <a:r>
-              <a:rPr lang="en-US" sz="1900" b="0" i="0" u="none" strike="noStrike">
-                <a:solidFill>
-                  <a:srgbClr val="FCF9EC"/>
-                </a:solidFill>
-                <a:latin typeface="KOHINanumOTF Bold"/>
-              </a:rPr>
-              <a:t> </a:t>
-            </a:r>
-            <a:r>
-              <a:rPr lang="ko-KR" sz="1900" b="0" i="0" u="none" strike="noStrike">
-                <a:solidFill>
-                  <a:srgbClr val="FCF9EC"/>
-                </a:solidFill>
-                <a:ea typeface="KOHINanumOTF Bold"/>
-              </a:rPr>
-              <a:t>구현</a:t>
-            </a:r>
-          </a:p>
-        </p:txBody>
-      </p:sp>
-      <p:sp>
-        <p:nvSpPr>
-          <p:cNvPr id="32" name="TextBox 32"/>
-          <p:cNvSpPr txBox="1"/>
-          <p:nvPr/>
-        </p:nvSpPr>
-        <p:spPr>
-          <a:xfrm>
-            <a:off x="4559300" y="5867400"/>
-            <a:ext cx="5461000" cy="419100"/>
-          </a:xfrm>
-          <a:prstGeom prst="rect">
-            <a:avLst/>
-          </a:prstGeom>
-        </p:spPr>
-        <p:txBody>
-          <a:bodyPr lIns="0" tIns="0" rIns="0" bIns="0" rtlCol="0" anchor="ctr"/>
-          <a:lstStyle/>
-          <a:p>
-            <a:pPr lvl="0" algn="l">
-              <a:lnSpc>
-                <a:spcPct val="112880"/>
-              </a:lnSpc>
-            </a:pPr>
-            <a:r>
-              <a:rPr lang="en-US" sz="1200" b="0" i="0" u="none" strike="noStrike">
-                <a:solidFill>
-                  <a:srgbClr val="005F30"/>
-                </a:solidFill>
-                <a:latin typeface="KOHINanumOTF Light"/>
-              </a:rPr>
-              <a:t>3</a:t>
-            </a:r>
-            <a:r>
-              <a:rPr lang="ko-KR" sz="1200" b="0" i="0" u="none" strike="noStrike">
+              <a:rPr lang="ko-KR" sz="2000" b="0" i="0" u="none" strike="noStrike">
                 <a:solidFill>
                   <a:srgbClr val="005F30"/>
                 </a:solidFill>
                 <a:ea typeface="KOHINanumOTF Light"/>
               </a:rPr>
-              <a:t>주차</a:t>
-            </a:r>
-            <a:r>
-              <a:rPr lang="en-US" sz="1200" b="0" i="0" u="none" strike="noStrike">
-                <a:solidFill>
-                  <a:srgbClr val="005F30"/>
-                </a:solidFill>
-                <a:latin typeface="KOHINanumOTF Light"/>
-              </a:rPr>
-              <a:t>  : </a:t>
-            </a:r>
-            <a:r>
-              <a:rPr lang="ko-KR" sz="1200" b="0" i="0" u="none" strike="noStrike">
+              <a:t>이미지</a:t>
+            </a:r>
+            <a:r>
+              <a:rPr lang="en-US" sz="2000" b="0" i="0" u="none" strike="noStrike">
+                <a:solidFill>
+                  <a:srgbClr val="005F30"/>
+                </a:solidFill>
+                <a:latin typeface="KOHINanumOTF Light"/>
+              </a:rPr>
+              <a:t> 2</a:t>
+            </a:r>
+            <a:r>
+              <a:rPr lang="ko-KR" sz="2000" b="0" i="0" u="none" strike="noStrike">
                 <a:solidFill>
                   <a:srgbClr val="005F30"/>
                 </a:solidFill>
                 <a:ea typeface="KOHINanumOTF Light"/>
               </a:rPr>
-              <a:t>드래그</a:t>
-            </a:r>
-            <a:r>
-              <a:rPr lang="en-US" sz="1200" b="0" i="0" u="none" strike="noStrike">
-                <a:solidFill>
-                  <a:srgbClr val="005F30"/>
-                </a:solidFill>
-                <a:latin typeface="KOHINanumOTF Light"/>
-              </a:rPr>
-              <a:t> </a:t>
-            </a:r>
-            <a:r>
-              <a:rPr lang="ko-KR" sz="1200" b="0" i="0" u="none" strike="noStrike">
+              <a:t>번</a:t>
+            </a:r>
+            <a:r>
+              <a:rPr lang="en-US" sz="2000" b="0" i="0" u="none" strike="noStrike">
+                <a:solidFill>
+                  <a:srgbClr val="005F30"/>
+                </a:solidFill>
+                <a:latin typeface="KOHINanumOTF Light"/>
+              </a:rPr>
+              <a:t> : HTTPS://NAMU.WIKI/W/</a:t>
+            </a:r>
+            <a:r>
+              <a:rPr lang="ko-KR" sz="2000" b="0" i="0" u="none" strike="noStrike">
                 <a:solidFill>
                   <a:srgbClr val="005F30"/>
                 </a:solidFill>
                 <a:ea typeface="KOHINanumOTF Light"/>
               </a:rPr>
-              <a:t>앤</a:t>
-            </a:r>
-            <a:r>
-              <a:rPr lang="en-US" sz="1200" b="0" i="0" u="none" strike="noStrike">
-                <a:solidFill>
-                  <a:srgbClr val="005F30"/>
-                </a:solidFill>
-                <a:latin typeface="KOHINanumOTF Light"/>
-              </a:rPr>
-              <a:t> </a:t>
-            </a:r>
-            <a:r>
-              <a:rPr lang="ko-KR" sz="1200" b="0" i="0" u="none" strike="noStrike">
+              <a:t>슈퍼</a:t>
+            </a:r>
+            <a:r>
+              <a:rPr lang="en-US" sz="2000" b="0" i="0" u="none" strike="noStrike">
+                <a:solidFill>
+                  <a:srgbClr val="005F30"/>
+                </a:solidFill>
+                <a:latin typeface="KOHINanumOTF Light"/>
+              </a:rPr>
+              <a:t>%20</a:t>
+            </a:r>
+            <a:r>
+              <a:rPr lang="ko-KR" sz="2000" b="0" i="0" u="none" strike="noStrike">
                 <a:solidFill>
                   <a:srgbClr val="005F30"/>
                 </a:solidFill>
                 <a:ea typeface="KOHINanumOTF Light"/>
               </a:rPr>
-              <a:t>드롭</a:t>
-            </a:r>
-            <a:r>
-              <a:rPr lang="en-US" sz="1200" b="0" i="0" u="none" strike="noStrike">
-                <a:solidFill>
-                  <a:srgbClr val="005F30"/>
-                </a:solidFill>
-                <a:latin typeface="KOHINanumOTF Light"/>
-              </a:rPr>
-              <a:t>, </a:t>
-            </a:r>
-            <a:r>
-              <a:rPr lang="ko-KR" sz="1200" b="0" i="0" u="none" strike="noStrike">
+              <a:t>마리오</a:t>
+            </a:r>
+            <a:r>
+              <a:rPr lang="en-US" sz="2000" b="0" i="0" u="none" strike="noStrike">
+                <a:solidFill>
+                  <a:srgbClr val="005F30"/>
+                </a:solidFill>
+                <a:latin typeface="KOHINanumOTF Light"/>
+              </a:rPr>
+              <a:t>%20</a:t>
+            </a:r>
+            <a:r>
+              <a:rPr lang="ko-KR" sz="2000" b="0" i="0" u="none" strike="noStrike">
                 <a:solidFill>
                   <a:srgbClr val="005F30"/>
                 </a:solidFill>
                 <a:ea typeface="KOHINanumOTF Light"/>
               </a:rPr>
-              <a:t>타일</a:t>
-            </a:r>
-            <a:r>
-              <a:rPr lang="en-US" sz="1200" b="0" i="0" u="none" strike="noStrike">
-                <a:solidFill>
-                  <a:srgbClr val="005F30"/>
-                </a:solidFill>
-                <a:latin typeface="KOHINanumOTF Light"/>
-              </a:rPr>
-              <a:t> </a:t>
-            </a:r>
-            <a:r>
-              <a:rPr lang="ko-KR" sz="1200" b="0" i="0" u="none" strike="noStrike">
-                <a:solidFill>
-                  <a:srgbClr val="005F30"/>
-                </a:solidFill>
-                <a:ea typeface="KOHINanumOTF Light"/>
-              </a:rPr>
-              <a:t>구성</a:t>
-            </a:r>
-            <a:r>
-              <a:rPr lang="en-US" sz="1200" b="0" i="0" u="none" strike="noStrike">
-                <a:solidFill>
-                  <a:srgbClr val="005F30"/>
-                </a:solidFill>
-                <a:latin typeface="KOHINanumOTF Light"/>
-              </a:rPr>
-              <a:t>,</a:t>
-            </a:r>
-          </a:p>
-          <a:p>
-            <a:pPr lvl="0" algn="l">
-              <a:lnSpc>
-                <a:spcPct val="112880"/>
-              </a:lnSpc>
-            </a:pPr>
-            <a:r>
-              <a:rPr lang="en-US" sz="1200" b="0" i="0" u="none" strike="noStrike">
-                <a:solidFill>
-                  <a:srgbClr val="005F30"/>
-                </a:solidFill>
-                <a:latin typeface="KOHINanumOTF Light"/>
-              </a:rPr>
-              <a:t>4</a:t>
-            </a:r>
-            <a:r>
-              <a:rPr lang="ko-KR" sz="1200" b="0" i="0" u="none" strike="noStrike">
-                <a:solidFill>
-                  <a:srgbClr val="005F30"/>
-                </a:solidFill>
-                <a:ea typeface="KOHINanumOTF Light"/>
-              </a:rPr>
-              <a:t>주차</a:t>
-            </a:r>
-            <a:r>
-              <a:rPr lang="en-US" sz="1200" b="0" i="0" u="none" strike="noStrike">
-                <a:solidFill>
-                  <a:srgbClr val="005F30"/>
-                </a:solidFill>
-                <a:latin typeface="KOHINanumOTF Light"/>
-              </a:rPr>
-              <a:t>:  </a:t>
-            </a:r>
-            <a:r>
-              <a:rPr lang="ko-KR" sz="1200" b="0" i="0" u="none" strike="noStrike">
-                <a:solidFill>
-                  <a:srgbClr val="005F30"/>
-                </a:solidFill>
-                <a:ea typeface="KOHINanumOTF Light"/>
-              </a:rPr>
-              <a:t>맵</a:t>
-            </a:r>
-            <a:r>
-              <a:rPr lang="en-US" sz="1200" b="0" i="0" u="none" strike="noStrike">
-                <a:solidFill>
-                  <a:srgbClr val="005F30"/>
-                </a:solidFill>
-                <a:latin typeface="KOHINanumOTF Light"/>
-              </a:rPr>
-              <a:t> </a:t>
-            </a:r>
-            <a:r>
-              <a:rPr lang="ko-KR" sz="1200" b="0" i="0" u="none" strike="noStrike">
-                <a:solidFill>
-                  <a:srgbClr val="005F30"/>
-                </a:solidFill>
-                <a:ea typeface="KOHINanumOTF Light"/>
-              </a:rPr>
-              <a:t>불러오기</a:t>
-            </a:r>
-            <a:r>
-              <a:rPr lang="en-US" sz="1200" b="0" i="0" u="none" strike="noStrike">
-                <a:solidFill>
-                  <a:srgbClr val="005F30"/>
-                </a:solidFill>
-                <a:latin typeface="KOHINanumOTF Light"/>
-              </a:rPr>
-              <a:t>, </a:t>
-            </a:r>
-            <a:r>
-              <a:rPr lang="ko-KR" sz="1200" b="0" i="0" u="none" strike="noStrike">
-                <a:solidFill>
-                  <a:srgbClr val="005F30"/>
-                </a:solidFill>
-                <a:ea typeface="KOHINanumOTF Light"/>
-              </a:rPr>
-              <a:t>타일에</a:t>
-            </a:r>
-            <a:r>
-              <a:rPr lang="en-US" sz="1200" b="0" i="0" u="none" strike="noStrike">
-                <a:solidFill>
-                  <a:srgbClr val="005F30"/>
-                </a:solidFill>
-                <a:latin typeface="KOHINanumOTF Light"/>
-              </a:rPr>
-              <a:t> </a:t>
-            </a:r>
-            <a:r>
-              <a:rPr lang="ko-KR" sz="1200" b="0" i="0" u="none" strike="noStrike">
-                <a:solidFill>
-                  <a:srgbClr val="005F30"/>
-                </a:solidFill>
-                <a:ea typeface="KOHINanumOTF Light"/>
-              </a:rPr>
-              <a:t>따른</a:t>
-            </a:r>
-            <a:r>
-              <a:rPr lang="en-US" sz="1200" b="0" i="0" u="none" strike="noStrike">
-                <a:solidFill>
-                  <a:srgbClr val="005F30"/>
-                </a:solidFill>
-                <a:latin typeface="KOHINanumOTF Light"/>
-              </a:rPr>
-              <a:t> </a:t>
-            </a:r>
-            <a:r>
-              <a:rPr lang="ko-KR" sz="1200" b="0" i="0" u="none" strike="noStrike">
-                <a:solidFill>
-                  <a:srgbClr val="005F30"/>
-                </a:solidFill>
-                <a:ea typeface="KOHINanumOTF Light"/>
-              </a:rPr>
-              <a:t>블록</a:t>
-            </a:r>
-            <a:r>
-              <a:rPr lang="en-US" sz="1200" b="0" i="0" u="none" strike="noStrike">
-                <a:solidFill>
-                  <a:srgbClr val="005F30"/>
-                </a:solidFill>
-                <a:latin typeface="KOHINanumOTF Light"/>
-              </a:rPr>
-              <a:t> </a:t>
-            </a:r>
-            <a:r>
-              <a:rPr lang="ko-KR" sz="1200" b="0" i="0" u="none" strike="noStrike">
-                <a:solidFill>
-                  <a:srgbClr val="005F30"/>
-                </a:solidFill>
-                <a:ea typeface="KOHINanumOTF Light"/>
-              </a:rPr>
-              <a:t>기능</a:t>
-            </a:r>
-            <a:r>
-              <a:rPr lang="en-US" sz="1200" b="0" i="0" u="none" strike="noStrike">
-                <a:solidFill>
-                  <a:srgbClr val="005F30"/>
-                </a:solidFill>
-                <a:latin typeface="KOHINanumOTF Light"/>
-              </a:rPr>
-              <a:t> </a:t>
-            </a:r>
-            <a:r>
-              <a:rPr lang="ko-KR" sz="1200" b="0" i="0" u="none" strike="noStrike">
-                <a:solidFill>
-                  <a:srgbClr val="005F30"/>
-                </a:solidFill>
-                <a:ea typeface="KOHINanumOTF Light"/>
-              </a:rPr>
-              <a:t>구현</a:t>
-            </a:r>
-          </a:p>
-        </p:txBody>
-      </p:sp>
-      <p:sp>
-        <p:nvSpPr>
-          <p:cNvPr id="33" name="TextBox 33"/>
-          <p:cNvSpPr txBox="1"/>
-          <p:nvPr/>
-        </p:nvSpPr>
-        <p:spPr>
-          <a:xfrm>
-            <a:off x="7810500" y="6502400"/>
-            <a:ext cx="2781300" cy="330200"/>
-          </a:xfrm>
-          <a:prstGeom prst="rect">
-            <a:avLst/>
-          </a:prstGeom>
-        </p:spPr>
-        <p:txBody>
-          <a:bodyPr lIns="0" tIns="0" rIns="0" bIns="0" rtlCol="0" anchor="ctr"/>
-          <a:lstStyle/>
-          <a:p>
-            <a:pPr lvl="0" algn="l">
-              <a:lnSpc>
-                <a:spcPct val="112880"/>
-              </a:lnSpc>
-            </a:pPr>
-            <a:r>
-              <a:rPr lang="ko-KR" sz="1900" b="0" i="0" u="none" strike="noStrike">
-                <a:solidFill>
-                  <a:srgbClr val="FCF9EC"/>
-                </a:solidFill>
-                <a:ea typeface="KOHINanumOTF Bold"/>
-              </a:rPr>
-              <a:t>게임</a:t>
-            </a:r>
-            <a:r>
-              <a:rPr lang="en-US" sz="1900" b="0" i="0" u="none" strike="noStrike">
-                <a:solidFill>
-                  <a:srgbClr val="FCF9EC"/>
-                </a:solidFill>
-                <a:latin typeface="KOHINanumOTF Bold"/>
-              </a:rPr>
-              <a:t> </a:t>
-            </a:r>
-            <a:r>
-              <a:rPr lang="ko-KR" sz="1900" b="0" i="0" u="none" strike="noStrike">
-                <a:solidFill>
-                  <a:srgbClr val="FCF9EC"/>
-                </a:solidFill>
-                <a:ea typeface="KOHINanumOTF Bold"/>
-              </a:rPr>
-              <a:t>플레이</a:t>
-            </a:r>
-            <a:r>
-              <a:rPr lang="en-US" sz="1900" b="0" i="0" u="none" strike="noStrike">
-                <a:solidFill>
-                  <a:srgbClr val="FCF9EC"/>
-                </a:solidFill>
-                <a:latin typeface="KOHINanumOTF Bold"/>
-              </a:rPr>
-              <a:t> </a:t>
-            </a:r>
-            <a:r>
-              <a:rPr lang="ko-KR" sz="1900" b="0" i="0" u="none" strike="noStrike">
-                <a:solidFill>
-                  <a:srgbClr val="FCF9EC"/>
-                </a:solidFill>
-                <a:ea typeface="KOHINanumOTF Bold"/>
-              </a:rPr>
-              <a:t>구현</a:t>
-            </a:r>
-          </a:p>
-        </p:txBody>
-      </p:sp>
-      <p:sp>
-        <p:nvSpPr>
-          <p:cNvPr id="34" name="TextBox 34"/>
-          <p:cNvSpPr txBox="1"/>
-          <p:nvPr/>
-        </p:nvSpPr>
-        <p:spPr>
-          <a:xfrm>
-            <a:off x="7620000" y="6946900"/>
-            <a:ext cx="3581400" cy="419100"/>
-          </a:xfrm>
-          <a:prstGeom prst="rect">
-            <a:avLst/>
-          </a:prstGeom>
-        </p:spPr>
-        <p:txBody>
-          <a:bodyPr lIns="0" tIns="0" rIns="0" bIns="0" rtlCol="0" anchor="ctr"/>
-          <a:lstStyle/>
-          <a:p>
-            <a:pPr lvl="0" algn="l">
-              <a:lnSpc>
-                <a:spcPct val="112880"/>
-              </a:lnSpc>
-            </a:pPr>
-            <a:r>
-              <a:rPr lang="en-US" sz="1200" b="0" i="0" u="none" strike="noStrike" dirty="0">
-                <a:solidFill>
-                  <a:srgbClr val="005F30"/>
-                </a:solidFill>
-                <a:latin typeface="KOHINanumOTF Light"/>
-              </a:rPr>
-              <a:t>5</a:t>
-            </a:r>
-            <a:r>
-              <a:rPr lang="ko-KR" sz="1200" b="0" i="0" u="none" strike="noStrike" dirty="0">
-                <a:solidFill>
-                  <a:srgbClr val="005F30"/>
-                </a:solidFill>
-                <a:ea typeface="KOHINanumOTF Light"/>
-              </a:rPr>
-              <a:t>주차</a:t>
-            </a:r>
-            <a:r>
-              <a:rPr lang="en-US" sz="1200" b="0" i="0" u="none" strike="noStrike" dirty="0">
-                <a:solidFill>
-                  <a:srgbClr val="005F30"/>
-                </a:solidFill>
-                <a:latin typeface="KOHINanumOTF Light"/>
-              </a:rPr>
-              <a:t> : </a:t>
-            </a:r>
-            <a:r>
-              <a:rPr lang="ko-KR" sz="1200" b="0" i="0" u="none" strike="noStrike" dirty="0">
-                <a:solidFill>
-                  <a:srgbClr val="005F30"/>
-                </a:solidFill>
-                <a:ea typeface="KOHINanumOTF Light"/>
-              </a:rPr>
-              <a:t>캐릭터</a:t>
-            </a:r>
-            <a:r>
-              <a:rPr lang="en-US" sz="1200" b="0" i="0" u="none" strike="noStrike" dirty="0">
-                <a:solidFill>
-                  <a:srgbClr val="005F30"/>
-                </a:solidFill>
-                <a:latin typeface="KOHINanumOTF Light"/>
-              </a:rPr>
-              <a:t> </a:t>
-            </a:r>
-            <a:r>
-              <a:rPr lang="ko-KR" sz="1200" b="0" i="0" u="none" strike="noStrike" dirty="0">
-                <a:solidFill>
-                  <a:srgbClr val="005F30"/>
-                </a:solidFill>
-                <a:ea typeface="KOHINanumOTF Light"/>
-              </a:rPr>
-              <a:t>움직임</a:t>
-            </a:r>
-            <a:r>
-              <a:rPr lang="en-US" sz="1200" b="0" i="0" u="none" strike="noStrike" dirty="0">
-                <a:solidFill>
-                  <a:srgbClr val="005F30"/>
-                </a:solidFill>
-                <a:latin typeface="KOHINanumOTF Light"/>
-              </a:rPr>
-              <a:t> </a:t>
-            </a:r>
-            <a:r>
-              <a:rPr lang="ko-KR" sz="1200" b="0" i="0" u="none" strike="noStrike" dirty="0">
-                <a:solidFill>
-                  <a:srgbClr val="005F30"/>
-                </a:solidFill>
-                <a:ea typeface="KOHINanumOTF Light"/>
-              </a:rPr>
-              <a:t>구현</a:t>
-            </a:r>
-            <a:r>
-              <a:rPr lang="en-US" sz="1200" b="0" i="0" u="none" strike="noStrike" dirty="0">
-                <a:solidFill>
-                  <a:srgbClr val="005F30"/>
-                </a:solidFill>
-                <a:latin typeface="KOHINanumOTF Light"/>
-              </a:rPr>
-              <a:t>, </a:t>
-            </a:r>
-            <a:r>
-              <a:rPr lang="ko-KR" sz="1200" b="0" i="0" u="none" strike="noStrike" dirty="0">
-                <a:solidFill>
-                  <a:srgbClr val="005F30"/>
-                </a:solidFill>
-                <a:ea typeface="KOHINanumOTF Light"/>
-              </a:rPr>
-              <a:t>캐릭터와</a:t>
-            </a:r>
-            <a:r>
-              <a:rPr lang="en-US" sz="1200" b="0" i="0" u="none" strike="noStrike" dirty="0">
-                <a:solidFill>
-                  <a:srgbClr val="005F30"/>
-                </a:solidFill>
-                <a:latin typeface="KOHINanumOTF Light"/>
-              </a:rPr>
-              <a:t> </a:t>
-            </a:r>
-            <a:r>
-              <a:rPr lang="ko-KR" sz="1200" b="0" i="0" u="none" strike="noStrike" dirty="0">
-                <a:solidFill>
-                  <a:srgbClr val="005F30"/>
-                </a:solidFill>
-                <a:ea typeface="KOHINanumOTF Light"/>
-              </a:rPr>
-              <a:t>블록</a:t>
-            </a:r>
-            <a:r>
-              <a:rPr lang="en-US" sz="1200" b="0" i="0" u="none" strike="noStrike" dirty="0">
-                <a:solidFill>
-                  <a:srgbClr val="005F30"/>
-                </a:solidFill>
-                <a:latin typeface="KOHINanumOTF Light"/>
-              </a:rPr>
-              <a:t> </a:t>
-            </a:r>
-            <a:r>
-              <a:rPr lang="ko-KR" sz="1200" b="0" i="0" u="none" strike="noStrike" dirty="0">
-                <a:solidFill>
-                  <a:srgbClr val="005F30"/>
-                </a:solidFill>
-                <a:ea typeface="KOHINanumOTF Light"/>
-              </a:rPr>
-              <a:t>충돌</a:t>
-            </a:r>
-            <a:r>
-              <a:rPr lang="en-US" sz="1200" b="0" i="0" u="none" strike="noStrike" dirty="0">
-                <a:solidFill>
-                  <a:srgbClr val="005F30"/>
-                </a:solidFill>
-                <a:latin typeface="KOHINanumOTF Light"/>
-              </a:rPr>
-              <a:t> </a:t>
-            </a:r>
-            <a:r>
-              <a:rPr lang="ko-KR" sz="1200" b="0" i="0" u="none" strike="noStrike" dirty="0">
-                <a:solidFill>
-                  <a:srgbClr val="005F30"/>
-                </a:solidFill>
-                <a:ea typeface="KOHINanumOTF Light"/>
-              </a:rPr>
-              <a:t>구현</a:t>
-            </a:r>
-          </a:p>
-          <a:p>
-            <a:pPr lvl="0" algn="l">
-              <a:lnSpc>
-                <a:spcPct val="112880"/>
-              </a:lnSpc>
-            </a:pPr>
-            <a:r>
-              <a:rPr lang="en-US" sz="1200" b="0" i="0" u="none" strike="noStrike" dirty="0">
-                <a:solidFill>
-                  <a:srgbClr val="005F30"/>
-                </a:solidFill>
-                <a:latin typeface="KOHINanumOTF Light"/>
-              </a:rPr>
-              <a:t>6</a:t>
-            </a:r>
-            <a:r>
-              <a:rPr lang="ko-KR" sz="1200" b="0" i="0" u="none" strike="noStrike" dirty="0">
-                <a:solidFill>
-                  <a:srgbClr val="005F30"/>
-                </a:solidFill>
-                <a:ea typeface="KOHINanumOTF Light"/>
-              </a:rPr>
-              <a:t>주차</a:t>
-            </a:r>
-            <a:r>
-              <a:rPr lang="en-US" sz="1200" b="0" i="0" u="none" strike="noStrike" dirty="0">
-                <a:solidFill>
-                  <a:srgbClr val="005F30"/>
-                </a:solidFill>
-                <a:latin typeface="KOHINanumOTF Light"/>
-              </a:rPr>
-              <a:t> : </a:t>
-            </a:r>
-            <a:r>
-              <a:rPr lang="ko-KR" sz="1200" b="0" i="0" u="none" strike="noStrike" dirty="0">
-                <a:solidFill>
-                  <a:srgbClr val="005F30"/>
-                </a:solidFill>
-                <a:ea typeface="KOHINanumOTF Light"/>
-              </a:rPr>
-              <a:t>캐릭터와</a:t>
-            </a:r>
-            <a:r>
-              <a:rPr lang="en-US" sz="1200" b="0" i="0" u="none" strike="noStrike" dirty="0">
-                <a:solidFill>
-                  <a:srgbClr val="005F30"/>
-                </a:solidFill>
-                <a:latin typeface="KOHINanumOTF Light"/>
-              </a:rPr>
-              <a:t> </a:t>
-            </a:r>
-            <a:r>
-              <a:rPr lang="ko-KR" sz="1200" b="0" i="0" u="none" strike="noStrike" dirty="0">
-                <a:solidFill>
-                  <a:srgbClr val="005F30"/>
-                </a:solidFill>
-                <a:ea typeface="KOHINanumOTF Light"/>
-              </a:rPr>
-              <a:t>블록의</a:t>
-            </a:r>
-            <a:r>
-              <a:rPr lang="en-US" sz="1200" b="0" i="0" u="none" strike="noStrike" dirty="0">
-                <a:solidFill>
-                  <a:srgbClr val="005F30"/>
-                </a:solidFill>
-                <a:latin typeface="KOHINanumOTF Light"/>
-              </a:rPr>
-              <a:t> </a:t>
-            </a:r>
-            <a:r>
-              <a:rPr lang="ko-KR" sz="1200" b="0" i="0" u="none" strike="noStrike" dirty="0" err="1">
-                <a:solidFill>
-                  <a:srgbClr val="005F30"/>
-                </a:solidFill>
-                <a:ea typeface="KOHINanumOTF Light"/>
-              </a:rPr>
-              <a:t>기믹</a:t>
-            </a:r>
-            <a:r>
-              <a:rPr lang="en-US" sz="1200" b="0" i="0" u="none" strike="noStrike" dirty="0">
-                <a:solidFill>
-                  <a:srgbClr val="005F30"/>
-                </a:solidFill>
-                <a:latin typeface="KOHINanumOTF Light"/>
-              </a:rPr>
-              <a:t> </a:t>
-            </a:r>
-            <a:r>
-              <a:rPr lang="ko-KR" sz="1200" b="0" i="0" u="none" strike="noStrike" dirty="0">
-                <a:solidFill>
-                  <a:srgbClr val="005F30"/>
-                </a:solidFill>
-                <a:ea typeface="KOHINanumOTF Light"/>
-              </a:rPr>
-              <a:t>구현</a:t>
-            </a:r>
-          </a:p>
-        </p:txBody>
-      </p:sp>
-      <p:sp>
-        <p:nvSpPr>
-          <p:cNvPr id="35" name="TextBox 35"/>
-          <p:cNvSpPr txBox="1"/>
-          <p:nvPr/>
-        </p:nvSpPr>
-        <p:spPr>
-          <a:xfrm>
-            <a:off x="10845800" y="7543800"/>
-            <a:ext cx="2781300" cy="330200"/>
-          </a:xfrm>
-          <a:prstGeom prst="rect">
-            <a:avLst/>
-          </a:prstGeom>
-        </p:spPr>
-        <p:txBody>
-          <a:bodyPr lIns="0" tIns="0" rIns="0" bIns="0" rtlCol="0" anchor="ctr"/>
-          <a:lstStyle/>
-          <a:p>
-            <a:pPr lvl="0" algn="l">
-              <a:lnSpc>
-                <a:spcPct val="112880"/>
-              </a:lnSpc>
-            </a:pPr>
-            <a:r>
-              <a:rPr lang="ko-KR" sz="1900" b="0" i="0" u="none" strike="noStrike">
-                <a:solidFill>
-                  <a:srgbClr val="FCF9EC"/>
-                </a:solidFill>
-                <a:ea typeface="KOHINanumOTF Bold"/>
-              </a:rPr>
-              <a:t>사운드</a:t>
-            </a:r>
-            <a:r>
-              <a:rPr lang="en-US" sz="1900" b="0" i="0" u="none" strike="noStrike">
-                <a:solidFill>
-                  <a:srgbClr val="FCF9EC"/>
-                </a:solidFill>
-                <a:latin typeface="KOHINanumOTF Bold"/>
-              </a:rPr>
-              <a:t> </a:t>
-            </a:r>
-            <a:r>
-              <a:rPr lang="ko-KR" sz="1900" b="0" i="0" u="none" strike="noStrike">
-                <a:solidFill>
-                  <a:srgbClr val="FCF9EC"/>
-                </a:solidFill>
-                <a:ea typeface="KOHINanumOTF Bold"/>
-              </a:rPr>
-              <a:t>추가</a:t>
-            </a:r>
-            <a:r>
-              <a:rPr lang="en-US" sz="1900" b="0" i="0" u="none" strike="noStrike">
-                <a:solidFill>
-                  <a:srgbClr val="FCF9EC"/>
-                </a:solidFill>
-                <a:latin typeface="KOHINanumOTF Bold"/>
-              </a:rPr>
-              <a:t> </a:t>
-            </a:r>
-            <a:r>
-              <a:rPr lang="ko-KR" sz="1900" b="0" i="0" u="none" strike="noStrike">
-                <a:solidFill>
-                  <a:srgbClr val="FCF9EC"/>
-                </a:solidFill>
-                <a:ea typeface="KOHINanumOTF Bold"/>
-              </a:rPr>
-              <a:t>및</a:t>
-            </a:r>
-            <a:r>
-              <a:rPr lang="en-US" sz="1900" b="0" i="0" u="none" strike="noStrike">
-                <a:solidFill>
-                  <a:srgbClr val="FCF9EC"/>
-                </a:solidFill>
-                <a:latin typeface="KOHINanumOTF Bold"/>
-              </a:rPr>
-              <a:t> </a:t>
-            </a:r>
-            <a:r>
-              <a:rPr lang="ko-KR" sz="1900" b="0" i="0" u="none" strike="noStrike">
-                <a:solidFill>
-                  <a:srgbClr val="FCF9EC"/>
-                </a:solidFill>
-                <a:ea typeface="KOHINanumOTF Bold"/>
-              </a:rPr>
-              <a:t>보완</a:t>
-            </a:r>
-          </a:p>
-        </p:txBody>
-      </p:sp>
-      <p:sp>
-        <p:nvSpPr>
-          <p:cNvPr id="36" name="TextBox 36"/>
-          <p:cNvSpPr txBox="1"/>
-          <p:nvPr/>
-        </p:nvSpPr>
-        <p:spPr>
-          <a:xfrm>
-            <a:off x="13906500" y="8623300"/>
-            <a:ext cx="2781300" cy="330200"/>
-          </a:xfrm>
-          <a:prstGeom prst="rect">
-            <a:avLst/>
-          </a:prstGeom>
-        </p:spPr>
-        <p:txBody>
-          <a:bodyPr lIns="0" tIns="0" rIns="0" bIns="0" rtlCol="0" anchor="ctr"/>
-          <a:lstStyle/>
-          <a:p>
-            <a:pPr lvl="0" algn="l">
-              <a:lnSpc>
-                <a:spcPct val="112880"/>
-              </a:lnSpc>
-            </a:pPr>
-            <a:r>
-              <a:rPr lang="ko-KR" sz="1900" b="0" i="0" u="none" strike="noStrike">
-                <a:solidFill>
-                  <a:srgbClr val="FCF9EC"/>
-                </a:solidFill>
-                <a:ea typeface="KOHINanumOTF Bold"/>
-              </a:rPr>
-              <a:t>최종</a:t>
-            </a:r>
-            <a:r>
-              <a:rPr lang="en-US" sz="1900" b="0" i="0" u="none" strike="noStrike">
-                <a:solidFill>
-                  <a:srgbClr val="FCF9EC"/>
-                </a:solidFill>
-                <a:latin typeface="KOHINanumOTF Bold"/>
-              </a:rPr>
-              <a:t> </a:t>
-            </a:r>
-            <a:r>
-              <a:rPr lang="ko-KR" sz="1900" b="0" i="0" u="none" strike="noStrike">
-                <a:solidFill>
-                  <a:srgbClr val="FCF9EC"/>
-                </a:solidFill>
-                <a:ea typeface="KOHINanumOTF Bold"/>
-              </a:rPr>
-              <a:t>점검</a:t>
-            </a:r>
-          </a:p>
-        </p:txBody>
-      </p:sp>
-      <p:sp>
-        <p:nvSpPr>
-          <p:cNvPr id="37" name="TextBox 37"/>
-          <p:cNvSpPr txBox="1"/>
-          <p:nvPr/>
-        </p:nvSpPr>
-        <p:spPr>
-          <a:xfrm>
-            <a:off x="4533900" y="3517900"/>
-            <a:ext cx="1574800" cy="393700"/>
-          </a:xfrm>
-          <a:prstGeom prst="rect">
-            <a:avLst/>
-          </a:prstGeom>
-        </p:spPr>
-        <p:txBody>
-          <a:bodyPr lIns="0" tIns="0" rIns="0" bIns="0" rtlCol="0" anchor="ctr"/>
-          <a:lstStyle/>
-          <a:p>
-            <a:pPr lvl="0" algn="ctr">
-              <a:lnSpc>
-                <a:spcPct val="99600"/>
-              </a:lnSpc>
-            </a:pPr>
-            <a:r>
-              <a:rPr lang="en-US" sz="2200" b="0" i="0" u="none" strike="noStrike">
-                <a:solidFill>
-                  <a:srgbClr val="005F30"/>
-                </a:solidFill>
-                <a:latin typeface="KOHIBaeumOTF"/>
-              </a:rPr>
-              <a:t>3~4</a:t>
-            </a:r>
-            <a:r>
-              <a:rPr lang="ko-KR" sz="2200" b="0" i="0" u="none" strike="noStrike">
-                <a:solidFill>
-                  <a:srgbClr val="005F30"/>
-                </a:solidFill>
-                <a:ea typeface="KOHIBaeumOTF"/>
-              </a:rPr>
-              <a:t>주차</a:t>
-            </a:r>
-          </a:p>
-        </p:txBody>
-      </p:sp>
-      <p:sp>
-        <p:nvSpPr>
-          <p:cNvPr id="38" name="TextBox 38"/>
-          <p:cNvSpPr txBox="1"/>
-          <p:nvPr/>
-        </p:nvSpPr>
-        <p:spPr>
-          <a:xfrm>
-            <a:off x="7594600" y="3505200"/>
-            <a:ext cx="1574800" cy="393700"/>
-          </a:xfrm>
-          <a:prstGeom prst="rect">
-            <a:avLst/>
-          </a:prstGeom>
-        </p:spPr>
-        <p:txBody>
-          <a:bodyPr lIns="0" tIns="0" rIns="0" bIns="0" rtlCol="0" anchor="ctr"/>
-          <a:lstStyle/>
-          <a:p>
-            <a:pPr lvl="0" algn="ctr">
-              <a:lnSpc>
-                <a:spcPct val="99600"/>
-              </a:lnSpc>
-            </a:pPr>
-            <a:r>
-              <a:rPr lang="en-US" sz="2200" b="0" i="0" u="none" strike="noStrike">
-                <a:solidFill>
-                  <a:srgbClr val="005F30"/>
-                </a:solidFill>
-                <a:latin typeface="KOHIBaeumOTF"/>
-              </a:rPr>
-              <a:t>5~6</a:t>
-            </a:r>
-            <a:r>
-              <a:rPr lang="ko-KR" sz="2200" b="0" i="0" u="none" strike="noStrike">
-                <a:solidFill>
-                  <a:srgbClr val="005F30"/>
-                </a:solidFill>
-                <a:ea typeface="KOHIBaeumOTF"/>
-              </a:rPr>
-              <a:t>주차</a:t>
-            </a:r>
-          </a:p>
-        </p:txBody>
-      </p:sp>
-      <p:sp>
-        <p:nvSpPr>
-          <p:cNvPr id="39" name="TextBox 39"/>
-          <p:cNvSpPr txBox="1"/>
-          <p:nvPr/>
-        </p:nvSpPr>
-        <p:spPr>
-          <a:xfrm>
-            <a:off x="10629900" y="3517900"/>
-            <a:ext cx="1270000" cy="393700"/>
-          </a:xfrm>
-          <a:prstGeom prst="rect">
-            <a:avLst/>
-          </a:prstGeom>
-        </p:spPr>
-        <p:txBody>
-          <a:bodyPr lIns="0" tIns="0" rIns="0" bIns="0" rtlCol="0" anchor="ctr"/>
-          <a:lstStyle/>
-          <a:p>
-            <a:pPr lvl="0" algn="ctr">
-              <a:lnSpc>
-                <a:spcPct val="99600"/>
-              </a:lnSpc>
-            </a:pPr>
-            <a:r>
-              <a:rPr lang="en-US" sz="2200" b="0" i="0" u="none" strike="noStrike">
-                <a:solidFill>
-                  <a:srgbClr val="005F30"/>
-                </a:solidFill>
-                <a:latin typeface="KOHIBaeumOTF"/>
-              </a:rPr>
-              <a:t>7</a:t>
-            </a:r>
-            <a:r>
-              <a:rPr lang="ko-KR" sz="2200" b="0" i="0" u="none" strike="noStrike">
-                <a:solidFill>
-                  <a:srgbClr val="005F30"/>
-                </a:solidFill>
-                <a:ea typeface="KOHIBaeumOTF"/>
-              </a:rPr>
-              <a:t>주차</a:t>
-            </a:r>
-          </a:p>
-        </p:txBody>
-      </p:sp>
-      <p:sp>
-        <p:nvSpPr>
-          <p:cNvPr id="40" name="TextBox 40"/>
-          <p:cNvSpPr txBox="1"/>
-          <p:nvPr/>
-        </p:nvSpPr>
-        <p:spPr>
-          <a:xfrm>
-            <a:off x="13703300" y="3517900"/>
-            <a:ext cx="1244600" cy="393700"/>
-          </a:xfrm>
-          <a:prstGeom prst="rect">
-            <a:avLst/>
-          </a:prstGeom>
-        </p:spPr>
-        <p:txBody>
-          <a:bodyPr lIns="0" tIns="0" rIns="0" bIns="0" rtlCol="0" anchor="ctr"/>
-          <a:lstStyle/>
-          <a:p>
-            <a:pPr lvl="0" algn="ctr">
-              <a:lnSpc>
-                <a:spcPct val="99600"/>
-              </a:lnSpc>
-            </a:pPr>
-            <a:r>
-              <a:rPr lang="en-US" sz="2200" b="0" i="0" u="none" strike="noStrike">
-                <a:solidFill>
-                  <a:srgbClr val="005F30"/>
-                </a:solidFill>
-                <a:latin typeface="KOHIBaeumOTF"/>
-              </a:rPr>
-              <a:t>8</a:t>
-            </a:r>
-            <a:r>
-              <a:rPr lang="ko-KR" sz="2200" b="0" i="0" u="none" strike="noStrike">
-                <a:solidFill>
-                  <a:srgbClr val="005F30"/>
-                </a:solidFill>
-                <a:ea typeface="KOHIBaeumOTF"/>
-              </a:rPr>
-              <a:t>주차</a:t>
+              <a:t>메이커</a:t>
+            </a:r>
+            <a:r>
+              <a:rPr lang="en-US" sz="2000" b="0" i="0" u="none" strike="noStrike">
+                <a:solidFill>
+                  <a:srgbClr val="005F30"/>
+                </a:solidFill>
+                <a:latin typeface="KOHINanumOTF Light"/>
+              </a:rPr>
+              <a:t>%202</a:t>
             </a:r>
           </a:p>
         </p:txBody>
@@ -5968,978 +4976,6 @@
           </a:prstGeom>
         </p:spPr>
       </p:pic>
-      <p:pic>
-        <p:nvPicPr>
-          <p:cNvPr id="3" name="Picture 3"/>
-          <p:cNvPicPr>
-            <a:picLocks noChangeAspect="1"/>
-          </p:cNvPicPr>
-          <p:nvPr/>
-        </p:nvPicPr>
-        <p:blipFill>
-          <a:blip r:embed="rId3"/>
-          <a:stretch>
-            <a:fillRect/>
-          </a:stretch>
-        </p:blipFill>
-        <p:spPr>
-          <a:xfrm>
-            <a:off x="6019800" y="6350000"/>
-            <a:ext cx="1790700" cy="723900"/>
-          </a:xfrm>
-          <a:prstGeom prst="rect">
-            <a:avLst/>
-          </a:prstGeom>
-        </p:spPr>
-      </p:pic>
-      <p:pic>
-        <p:nvPicPr>
-          <p:cNvPr id="4" name="Picture 4"/>
-          <p:cNvPicPr>
-            <a:picLocks noChangeAspect="1"/>
-          </p:cNvPicPr>
-          <p:nvPr/>
-        </p:nvPicPr>
-        <p:blipFill>
-          <a:blip r:embed="rId4"/>
-          <a:stretch>
-            <a:fillRect/>
-          </a:stretch>
-        </p:blipFill>
-        <p:spPr>
-          <a:xfrm>
-            <a:off x="11049000" y="6527800"/>
-            <a:ext cx="1219200" cy="495300"/>
-          </a:xfrm>
-          <a:prstGeom prst="rect">
-            <a:avLst/>
-          </a:prstGeom>
-        </p:spPr>
-      </p:pic>
-      <p:pic>
-        <p:nvPicPr>
-          <p:cNvPr id="5" name="Picture 5"/>
-          <p:cNvPicPr>
-            <a:picLocks noChangeAspect="1"/>
-          </p:cNvPicPr>
-          <p:nvPr/>
-        </p:nvPicPr>
-        <p:blipFill>
-          <a:blip r:embed="rId4"/>
-          <a:stretch>
-            <a:fillRect/>
-          </a:stretch>
-        </p:blipFill>
-        <p:spPr>
-          <a:xfrm>
-            <a:off x="11518900" y="6908800"/>
-            <a:ext cx="1219200" cy="495300"/>
-          </a:xfrm>
-          <a:prstGeom prst="rect">
-            <a:avLst/>
-          </a:prstGeom>
-        </p:spPr>
-      </p:pic>
-      <p:pic>
-        <p:nvPicPr>
-          <p:cNvPr id="6" name="Picture 6"/>
-          <p:cNvPicPr>
-            <a:picLocks noChangeAspect="1"/>
-          </p:cNvPicPr>
-          <p:nvPr/>
-        </p:nvPicPr>
-        <p:blipFill>
-          <a:blip r:embed="rId5"/>
-          <a:stretch>
-            <a:fillRect/>
-          </a:stretch>
-        </p:blipFill>
-        <p:spPr>
-          <a:xfrm>
-            <a:off x="3467100" y="762000"/>
-            <a:ext cx="13423900" cy="533400"/>
-          </a:xfrm>
-          <a:prstGeom prst="rect">
-            <a:avLst/>
-          </a:prstGeom>
-        </p:spPr>
-      </p:pic>
-      <p:pic>
-        <p:nvPicPr>
-          <p:cNvPr id="7" name="Picture 7"/>
-          <p:cNvPicPr>
-            <a:picLocks noChangeAspect="1"/>
-          </p:cNvPicPr>
-          <p:nvPr/>
-        </p:nvPicPr>
-        <p:blipFill>
-          <a:blip r:embed="rId6"/>
-          <a:stretch>
-            <a:fillRect/>
-          </a:stretch>
-        </p:blipFill>
-        <p:spPr>
-          <a:xfrm>
-            <a:off x="1524000" y="762000"/>
-            <a:ext cx="1574800" cy="533400"/>
-          </a:xfrm>
-          <a:prstGeom prst="rect">
-            <a:avLst/>
-          </a:prstGeom>
-        </p:spPr>
-      </p:pic>
-      <p:pic>
-        <p:nvPicPr>
-          <p:cNvPr id="8" name="Picture 8"/>
-          <p:cNvPicPr>
-            <a:picLocks noChangeAspect="1"/>
-          </p:cNvPicPr>
-          <p:nvPr/>
-        </p:nvPicPr>
-        <p:blipFill>
-          <a:blip r:embed="rId7"/>
-          <a:stretch>
-            <a:fillRect/>
-          </a:stretch>
-        </p:blipFill>
-        <p:spPr>
-          <a:xfrm>
-            <a:off x="1524000" y="762000"/>
-            <a:ext cx="533400" cy="533400"/>
-          </a:xfrm>
-          <a:prstGeom prst="rect">
-            <a:avLst/>
-          </a:prstGeom>
-        </p:spPr>
-      </p:pic>
-      <p:pic>
-        <p:nvPicPr>
-          <p:cNvPr id="9" name="Picture 9"/>
-          <p:cNvPicPr>
-            <a:picLocks noChangeAspect="1"/>
-          </p:cNvPicPr>
-          <p:nvPr/>
-        </p:nvPicPr>
-        <p:blipFill>
-          <a:blip r:embed="rId8"/>
-          <a:stretch>
-            <a:fillRect/>
-          </a:stretch>
-        </p:blipFill>
-        <p:spPr>
-          <a:xfrm rot="5400000">
-            <a:off x="1790700" y="1016000"/>
-            <a:ext cx="520700" cy="12700"/>
-          </a:xfrm>
-          <a:prstGeom prst="rect">
-            <a:avLst/>
-          </a:prstGeom>
-        </p:spPr>
-      </p:pic>
-      <p:pic>
-        <p:nvPicPr>
-          <p:cNvPr id="10" name="Picture 10"/>
-          <p:cNvPicPr>
-            <a:picLocks noChangeAspect="1"/>
-          </p:cNvPicPr>
-          <p:nvPr/>
-        </p:nvPicPr>
-        <p:blipFill>
-          <a:blip r:embed="rId8"/>
-          <a:stretch>
-            <a:fillRect/>
-          </a:stretch>
-        </p:blipFill>
-        <p:spPr>
-          <a:xfrm rot="5400000">
-            <a:off x="2311400" y="1016000"/>
-            <a:ext cx="520700" cy="12700"/>
-          </a:xfrm>
-          <a:prstGeom prst="rect">
-            <a:avLst/>
-          </a:prstGeom>
-        </p:spPr>
-      </p:pic>
-      <p:pic>
-        <p:nvPicPr>
-          <p:cNvPr id="11" name="Picture 11"/>
-          <p:cNvPicPr>
-            <a:picLocks noChangeAspect="1"/>
-          </p:cNvPicPr>
-          <p:nvPr/>
-        </p:nvPicPr>
-        <p:blipFill>
-          <a:blip r:embed="rId9"/>
-          <a:stretch>
-            <a:fillRect/>
-          </a:stretch>
-        </p:blipFill>
-        <p:spPr>
-          <a:xfrm>
-            <a:off x="12941300" y="7696200"/>
-            <a:ext cx="571500" cy="279400"/>
-          </a:xfrm>
-          <a:prstGeom prst="rect">
-            <a:avLst/>
-          </a:prstGeom>
-        </p:spPr>
-      </p:pic>
-      <p:pic>
-        <p:nvPicPr>
-          <p:cNvPr id="12" name="Picture 12"/>
-          <p:cNvPicPr>
-            <a:picLocks noChangeAspect="1"/>
-          </p:cNvPicPr>
-          <p:nvPr/>
-        </p:nvPicPr>
-        <p:blipFill>
-          <a:blip r:embed="rId10"/>
-          <a:stretch>
-            <a:fillRect/>
-          </a:stretch>
-        </p:blipFill>
-        <p:spPr>
-          <a:xfrm>
-            <a:off x="4495800" y="7899400"/>
-            <a:ext cx="3111500" cy="482600"/>
-          </a:xfrm>
-          <a:prstGeom prst="rect">
-            <a:avLst/>
-          </a:prstGeom>
-        </p:spPr>
-      </p:pic>
-      <p:pic>
-        <p:nvPicPr>
-          <p:cNvPr id="13" name="Picture 13"/>
-          <p:cNvPicPr>
-            <a:picLocks noChangeAspect="1"/>
-          </p:cNvPicPr>
-          <p:nvPr/>
-        </p:nvPicPr>
-        <p:blipFill>
-          <a:blip r:embed="rId9"/>
-          <a:stretch>
-            <a:fillRect/>
-          </a:stretch>
-        </p:blipFill>
-        <p:spPr>
-          <a:xfrm>
-            <a:off x="4902200" y="7620000"/>
-            <a:ext cx="571500" cy="279400"/>
-          </a:xfrm>
-          <a:prstGeom prst="rect">
-            <a:avLst/>
-          </a:prstGeom>
-        </p:spPr>
-      </p:pic>
-      <p:pic>
-        <p:nvPicPr>
-          <p:cNvPr id="14" name="Picture 14"/>
-          <p:cNvPicPr>
-            <a:picLocks noChangeAspect="1"/>
-          </p:cNvPicPr>
-          <p:nvPr/>
-        </p:nvPicPr>
-        <p:blipFill>
-          <a:blip r:embed="rId9"/>
-          <a:stretch>
-            <a:fillRect/>
-          </a:stretch>
-        </p:blipFill>
-        <p:spPr>
-          <a:xfrm>
-            <a:off x="5461000" y="7645400"/>
-            <a:ext cx="571500" cy="279400"/>
-          </a:xfrm>
-          <a:prstGeom prst="rect">
-            <a:avLst/>
-          </a:prstGeom>
-        </p:spPr>
-      </p:pic>
-      <p:pic>
-        <p:nvPicPr>
-          <p:cNvPr id="15" name="Picture 15"/>
-          <p:cNvPicPr>
-            <a:picLocks noChangeAspect="1"/>
-          </p:cNvPicPr>
-          <p:nvPr/>
-        </p:nvPicPr>
-        <p:blipFill>
-          <a:blip r:embed="rId11"/>
-          <a:stretch>
-            <a:fillRect/>
-          </a:stretch>
-        </p:blipFill>
-        <p:spPr>
-          <a:xfrm>
-            <a:off x="5715000" y="7213600"/>
-            <a:ext cx="711200" cy="711200"/>
-          </a:xfrm>
-          <a:prstGeom prst="rect">
-            <a:avLst/>
-          </a:prstGeom>
-        </p:spPr>
-      </p:pic>
-      <p:pic>
-        <p:nvPicPr>
-          <p:cNvPr id="16" name="Picture 16"/>
-          <p:cNvPicPr>
-            <a:picLocks noChangeAspect="1"/>
-          </p:cNvPicPr>
-          <p:nvPr/>
-        </p:nvPicPr>
-        <p:blipFill>
-          <a:blip r:embed="rId12"/>
-          <a:stretch>
-            <a:fillRect/>
-          </a:stretch>
-        </p:blipFill>
-        <p:spPr>
-          <a:xfrm>
-            <a:off x="6413500" y="7620000"/>
-            <a:ext cx="279400" cy="279400"/>
-          </a:xfrm>
-          <a:prstGeom prst="rect">
-            <a:avLst/>
-          </a:prstGeom>
-        </p:spPr>
-      </p:pic>
-      <p:pic>
-        <p:nvPicPr>
-          <p:cNvPr id="17" name="Picture 17"/>
-          <p:cNvPicPr>
-            <a:picLocks noChangeAspect="1"/>
-          </p:cNvPicPr>
-          <p:nvPr/>
-        </p:nvPicPr>
-        <p:blipFill>
-          <a:blip r:embed="rId12"/>
-          <a:stretch>
-            <a:fillRect/>
-          </a:stretch>
-        </p:blipFill>
-        <p:spPr>
-          <a:xfrm>
-            <a:off x="6743700" y="7632700"/>
-            <a:ext cx="279400" cy="279400"/>
-          </a:xfrm>
-          <a:prstGeom prst="rect">
-            <a:avLst/>
-          </a:prstGeom>
-        </p:spPr>
-      </p:pic>
-      <p:pic>
-        <p:nvPicPr>
-          <p:cNvPr id="18" name="Picture 18"/>
-          <p:cNvPicPr>
-            <a:picLocks noChangeAspect="1"/>
-          </p:cNvPicPr>
-          <p:nvPr/>
-        </p:nvPicPr>
-        <p:blipFill>
-          <a:blip r:embed="rId13"/>
-          <a:stretch>
-            <a:fillRect/>
-          </a:stretch>
-        </p:blipFill>
-        <p:spPr>
-          <a:xfrm>
-            <a:off x="12954000" y="7086600"/>
-            <a:ext cx="850900" cy="850900"/>
-          </a:xfrm>
-          <a:prstGeom prst="rect">
-            <a:avLst/>
-          </a:prstGeom>
-        </p:spPr>
-      </p:pic>
-      <p:pic>
-        <p:nvPicPr>
-          <p:cNvPr id="19" name="Picture 19"/>
-          <p:cNvPicPr>
-            <a:picLocks noChangeAspect="1"/>
-          </p:cNvPicPr>
-          <p:nvPr/>
-        </p:nvPicPr>
-        <p:blipFill>
-          <a:blip r:embed="rId13"/>
-          <a:stretch>
-            <a:fillRect/>
-          </a:stretch>
-        </p:blipFill>
-        <p:spPr>
-          <a:xfrm>
-            <a:off x="12280900" y="7086600"/>
-            <a:ext cx="850900" cy="850900"/>
-          </a:xfrm>
-          <a:prstGeom prst="rect">
-            <a:avLst/>
-          </a:prstGeom>
-        </p:spPr>
-      </p:pic>
-      <p:pic>
-        <p:nvPicPr>
-          <p:cNvPr id="20" name="Picture 20"/>
-          <p:cNvPicPr>
-            <a:picLocks noChangeAspect="1"/>
-          </p:cNvPicPr>
-          <p:nvPr/>
-        </p:nvPicPr>
-        <p:blipFill>
-          <a:blip r:embed="rId13"/>
-          <a:stretch>
-            <a:fillRect/>
-          </a:stretch>
-        </p:blipFill>
-        <p:spPr>
-          <a:xfrm>
-            <a:off x="11595100" y="7061200"/>
-            <a:ext cx="850900" cy="850900"/>
-          </a:xfrm>
-          <a:prstGeom prst="rect">
-            <a:avLst/>
-          </a:prstGeom>
-        </p:spPr>
-      </p:pic>
-      <p:pic>
-        <p:nvPicPr>
-          <p:cNvPr id="21" name="Picture 21"/>
-          <p:cNvPicPr>
-            <a:picLocks noChangeAspect="1"/>
-          </p:cNvPicPr>
-          <p:nvPr/>
-        </p:nvPicPr>
-        <p:blipFill>
-          <a:blip r:embed="rId14"/>
-          <a:stretch>
-            <a:fillRect/>
-          </a:stretch>
-        </p:blipFill>
-        <p:spPr>
-          <a:xfrm>
-            <a:off x="10693400" y="7899400"/>
-            <a:ext cx="3111500" cy="482600"/>
-          </a:xfrm>
-          <a:prstGeom prst="rect">
-            <a:avLst/>
-          </a:prstGeom>
-        </p:spPr>
-      </p:pic>
-      <p:pic>
-        <p:nvPicPr>
-          <p:cNvPr id="22" name="Picture 22"/>
-          <p:cNvPicPr>
-            <a:picLocks noChangeAspect="1"/>
-          </p:cNvPicPr>
-          <p:nvPr/>
-        </p:nvPicPr>
-        <p:blipFill>
-          <a:blip r:embed="rId10"/>
-          <a:stretch>
-            <a:fillRect/>
-          </a:stretch>
-        </p:blipFill>
-        <p:spPr>
-          <a:xfrm>
-            <a:off x="7594600" y="7899400"/>
-            <a:ext cx="3111500" cy="482600"/>
-          </a:xfrm>
-          <a:prstGeom prst="rect">
-            <a:avLst/>
-          </a:prstGeom>
-        </p:spPr>
-      </p:pic>
-      <p:pic>
-        <p:nvPicPr>
-          <p:cNvPr id="23" name="Picture 23"/>
-          <p:cNvPicPr>
-            <a:picLocks noChangeAspect="1"/>
-          </p:cNvPicPr>
-          <p:nvPr/>
-        </p:nvPicPr>
-        <p:blipFill>
-          <a:blip r:embed="rId15"/>
-          <a:stretch>
-            <a:fillRect/>
-          </a:stretch>
-        </p:blipFill>
-        <p:spPr>
-          <a:xfrm rot="-5400000">
-            <a:off x="8788400" y="7010400"/>
-            <a:ext cx="723900" cy="571500"/>
-          </a:xfrm>
-          <a:prstGeom prst="rect">
-            <a:avLst/>
-          </a:prstGeom>
-        </p:spPr>
-      </p:pic>
-      <p:pic>
-        <p:nvPicPr>
-          <p:cNvPr id="24" name="Picture 24"/>
-          <p:cNvPicPr>
-            <a:picLocks noChangeAspect="1"/>
-          </p:cNvPicPr>
-          <p:nvPr/>
-        </p:nvPicPr>
-        <p:blipFill>
-          <a:blip r:embed="rId16"/>
-          <a:stretch>
-            <a:fillRect/>
-          </a:stretch>
-        </p:blipFill>
-        <p:spPr>
-          <a:xfrm>
-            <a:off x="4660900" y="7289800"/>
-            <a:ext cx="647700" cy="647700"/>
-          </a:xfrm>
-          <a:prstGeom prst="rect">
-            <a:avLst/>
-          </a:prstGeom>
-        </p:spPr>
-      </p:pic>
-      <p:sp>
-        <p:nvSpPr>
-          <p:cNvPr id="25" name="TextBox 25"/>
-          <p:cNvSpPr txBox="1"/>
-          <p:nvPr/>
-        </p:nvSpPr>
-        <p:spPr>
-          <a:xfrm>
-            <a:off x="2311400" y="1866900"/>
-            <a:ext cx="13500100" cy="1054100"/>
-          </a:xfrm>
-          <a:prstGeom prst="rect">
-            <a:avLst/>
-          </a:prstGeom>
-        </p:spPr>
-        <p:txBody>
-          <a:bodyPr lIns="0" tIns="0" rIns="0" bIns="0" rtlCol="0" anchor="ctr"/>
-          <a:lstStyle/>
-          <a:p>
-            <a:pPr lvl="0" algn="ctr">
-              <a:lnSpc>
-                <a:spcPct val="99600"/>
-              </a:lnSpc>
-            </a:pPr>
-            <a:r>
-              <a:rPr lang="ko-KR" sz="6000" b="0" i="0" u="none" strike="noStrike">
-                <a:solidFill>
-                  <a:srgbClr val="005F30"/>
-                </a:solidFill>
-                <a:ea typeface="KOHIBaeumOTF"/>
-              </a:rPr>
-              <a:t>출처</a:t>
-            </a:r>
-          </a:p>
-        </p:txBody>
-      </p:sp>
-      <p:sp>
-        <p:nvSpPr>
-          <p:cNvPr id="26" name="TextBox 26"/>
-          <p:cNvSpPr txBox="1"/>
-          <p:nvPr/>
-        </p:nvSpPr>
-        <p:spPr>
-          <a:xfrm>
-            <a:off x="12458700" y="850900"/>
-            <a:ext cx="3848100" cy="342900"/>
-          </a:xfrm>
-          <a:prstGeom prst="rect">
-            <a:avLst/>
-          </a:prstGeom>
-        </p:spPr>
-        <p:txBody>
-          <a:bodyPr lIns="0" tIns="0" rIns="0" bIns="0" rtlCol="0" anchor="ctr"/>
-          <a:lstStyle/>
-          <a:p>
-            <a:pPr lvl="0" algn="r">
-              <a:lnSpc>
-                <a:spcPct val="99600"/>
-              </a:lnSpc>
-            </a:pPr>
-            <a:r>
-              <a:rPr lang="ko-KR" sz="2000" b="0" i="0" u="none" strike="noStrike">
-                <a:solidFill>
-                  <a:srgbClr val="005F30"/>
-                </a:solidFill>
-                <a:ea typeface="KOHINanumOTF Bold"/>
-              </a:rPr>
-              <a:t>출처</a:t>
-            </a:r>
-          </a:p>
-        </p:txBody>
-      </p:sp>
-      <p:sp>
-        <p:nvSpPr>
-          <p:cNvPr id="27" name="TextBox 27"/>
-          <p:cNvSpPr txBox="1"/>
-          <p:nvPr/>
-        </p:nvSpPr>
-        <p:spPr>
-          <a:xfrm>
-            <a:off x="2641600" y="850900"/>
-            <a:ext cx="368300" cy="355600"/>
-          </a:xfrm>
-          <a:prstGeom prst="rect">
-            <a:avLst/>
-          </a:prstGeom>
-        </p:spPr>
-        <p:txBody>
-          <a:bodyPr lIns="0" tIns="0" rIns="0" bIns="0" rtlCol="0" anchor="ctr"/>
-          <a:lstStyle/>
-          <a:p>
-            <a:pPr lvl="0" algn="ctr">
-              <a:lnSpc>
-                <a:spcPct val="99600"/>
-              </a:lnSpc>
-            </a:pPr>
-            <a:r>
-              <a:rPr lang="en-US" sz="2000" b="1" i="0" u="none" strike="noStrike">
-                <a:solidFill>
-                  <a:srgbClr val="005F30"/>
-                </a:solidFill>
-                <a:latin typeface="KOHINanumOTF Light"/>
-              </a:rPr>
-              <a:t>11</a:t>
-            </a:r>
-          </a:p>
-        </p:txBody>
-      </p:sp>
-      <p:sp>
-        <p:nvSpPr>
-          <p:cNvPr id="28" name="TextBox 28"/>
-          <p:cNvSpPr txBox="1"/>
-          <p:nvPr/>
-        </p:nvSpPr>
-        <p:spPr>
-          <a:xfrm>
-            <a:off x="2209800" y="850900"/>
-            <a:ext cx="215900" cy="355600"/>
-          </a:xfrm>
-          <a:prstGeom prst="rect">
-            <a:avLst/>
-          </a:prstGeom>
-        </p:spPr>
-        <p:txBody>
-          <a:bodyPr lIns="0" tIns="0" rIns="0" bIns="0" rtlCol="0" anchor="ctr"/>
-          <a:lstStyle/>
-          <a:p>
-            <a:pPr lvl="0" algn="ctr">
-              <a:lnSpc>
-                <a:spcPct val="99600"/>
-              </a:lnSpc>
-            </a:pPr>
-            <a:r>
-              <a:rPr lang="en-US" sz="2000" b="0" i="0" u="none" strike="noStrike">
-                <a:solidFill>
-                  <a:srgbClr val="005F30"/>
-                </a:solidFill>
-                <a:latin typeface="KOHINanumOTF Light"/>
-              </a:rPr>
-              <a:t>~</a:t>
-            </a:r>
-          </a:p>
-        </p:txBody>
-      </p:sp>
-      <p:sp>
-        <p:nvSpPr>
-          <p:cNvPr id="29" name="TextBox 29"/>
-          <p:cNvSpPr txBox="1"/>
-          <p:nvPr/>
-        </p:nvSpPr>
-        <p:spPr>
-          <a:xfrm>
-            <a:off x="1612900" y="850900"/>
-            <a:ext cx="368300" cy="355600"/>
-          </a:xfrm>
-          <a:prstGeom prst="rect">
-            <a:avLst/>
-          </a:prstGeom>
-        </p:spPr>
-        <p:txBody>
-          <a:bodyPr lIns="0" tIns="0" rIns="0" bIns="0" rtlCol="0" anchor="ctr"/>
-          <a:lstStyle/>
-          <a:p>
-            <a:pPr lvl="0" algn="ctr">
-              <a:lnSpc>
-                <a:spcPct val="99600"/>
-              </a:lnSpc>
-            </a:pPr>
-            <a:r>
-              <a:rPr lang="en-US" sz="2000" b="0" i="0" u="none" strike="noStrike">
-                <a:solidFill>
-                  <a:srgbClr val="FCF9EC"/>
-                </a:solidFill>
-                <a:latin typeface="KOHINanumOTF Light"/>
-              </a:rPr>
-              <a:t>10</a:t>
-            </a:r>
-          </a:p>
-        </p:txBody>
-      </p:sp>
-      <p:sp>
-        <p:nvSpPr>
-          <p:cNvPr id="30" name="TextBox 30"/>
-          <p:cNvSpPr txBox="1"/>
-          <p:nvPr/>
-        </p:nvSpPr>
-        <p:spPr>
-          <a:xfrm>
-            <a:off x="4699000" y="4902200"/>
-            <a:ext cx="8902700" cy="685800"/>
-          </a:xfrm>
-          <a:prstGeom prst="rect">
-            <a:avLst/>
-          </a:prstGeom>
-        </p:spPr>
-        <p:txBody>
-          <a:bodyPr lIns="0" tIns="0" rIns="0" bIns="0" rtlCol="0" anchor="ctr"/>
-          <a:lstStyle/>
-          <a:p>
-            <a:pPr lvl="0" algn="ctr">
-              <a:lnSpc>
-                <a:spcPct val="107899"/>
-              </a:lnSpc>
-            </a:pPr>
-            <a:r>
-              <a:rPr lang="ko-KR" sz="2000" b="0" i="0" u="none" strike="noStrike">
-                <a:solidFill>
-                  <a:srgbClr val="005F30"/>
-                </a:solidFill>
-                <a:ea typeface="KOHINanumOTF Light"/>
-              </a:rPr>
-              <a:t>이미지</a:t>
-            </a:r>
-            <a:r>
-              <a:rPr lang="en-US" sz="2000" b="0" i="0" u="none" strike="noStrike">
-                <a:solidFill>
-                  <a:srgbClr val="005F30"/>
-                </a:solidFill>
-                <a:latin typeface="KOHINanumOTF Light"/>
-              </a:rPr>
-              <a:t> 1</a:t>
-            </a:r>
-            <a:r>
-              <a:rPr lang="ko-KR" sz="2000" b="0" i="0" u="none" strike="noStrike">
-                <a:solidFill>
-                  <a:srgbClr val="005F30"/>
-                </a:solidFill>
-                <a:ea typeface="KOHINanumOTF Light"/>
-              </a:rPr>
-              <a:t>번</a:t>
-            </a:r>
-            <a:r>
-              <a:rPr lang="en-US" sz="2000" b="0" i="0" u="none" strike="noStrike">
-                <a:solidFill>
-                  <a:srgbClr val="005F30"/>
-                </a:solidFill>
-                <a:latin typeface="KOHINanumOTF Light"/>
-              </a:rPr>
-              <a:t> : HTTPS://NAMU.WIKI/W/</a:t>
-            </a:r>
-            <a:r>
-              <a:rPr lang="ko-KR" sz="2000" b="0" i="0" u="none" strike="noStrike">
-                <a:solidFill>
-                  <a:srgbClr val="005F30"/>
-                </a:solidFill>
-                <a:ea typeface="KOHINanumOTF Light"/>
-              </a:rPr>
-              <a:t>슈퍼</a:t>
-            </a:r>
-            <a:r>
-              <a:rPr lang="en-US" sz="2000" b="0" i="0" u="none" strike="noStrike">
-                <a:solidFill>
-                  <a:srgbClr val="005F30"/>
-                </a:solidFill>
-                <a:latin typeface="KOHINanumOTF Light"/>
-              </a:rPr>
-              <a:t>%20</a:t>
-            </a:r>
-            <a:r>
-              <a:rPr lang="ko-KR" sz="2000" b="0" i="0" u="none" strike="noStrike">
-                <a:solidFill>
-                  <a:srgbClr val="005F30"/>
-                </a:solidFill>
-                <a:ea typeface="KOHINanumOTF Light"/>
-              </a:rPr>
-              <a:t>마리오</a:t>
-            </a:r>
-            <a:r>
-              <a:rPr lang="en-US" sz="2000" b="0" i="0" u="none" strike="noStrike">
-                <a:solidFill>
-                  <a:srgbClr val="005F30"/>
-                </a:solidFill>
-                <a:latin typeface="KOHINanumOTF Light"/>
-              </a:rPr>
-              <a:t>%20</a:t>
-            </a:r>
-            <a:r>
-              <a:rPr lang="ko-KR" sz="2000" b="0" i="0" u="none" strike="noStrike">
-                <a:solidFill>
-                  <a:srgbClr val="005F30"/>
-                </a:solidFill>
-                <a:ea typeface="KOHINanumOTF Light"/>
-              </a:rPr>
-              <a:t>메이커</a:t>
-            </a:r>
-          </a:p>
-          <a:p>
-            <a:pPr lvl="0" algn="ctr">
-              <a:lnSpc>
-                <a:spcPct val="107899"/>
-              </a:lnSpc>
-            </a:pPr>
-            <a:r>
-              <a:rPr lang="ko-KR" sz="2000" b="0" i="0" u="none" strike="noStrike">
-                <a:solidFill>
-                  <a:srgbClr val="005F30"/>
-                </a:solidFill>
-                <a:ea typeface="KOHINanumOTF Light"/>
-              </a:rPr>
-              <a:t>이미지</a:t>
-            </a:r>
-            <a:r>
-              <a:rPr lang="en-US" sz="2000" b="0" i="0" u="none" strike="noStrike">
-                <a:solidFill>
-                  <a:srgbClr val="005F30"/>
-                </a:solidFill>
-                <a:latin typeface="KOHINanumOTF Light"/>
-              </a:rPr>
-              <a:t> 2</a:t>
-            </a:r>
-            <a:r>
-              <a:rPr lang="ko-KR" sz="2000" b="0" i="0" u="none" strike="noStrike">
-                <a:solidFill>
-                  <a:srgbClr val="005F30"/>
-                </a:solidFill>
-                <a:ea typeface="KOHINanumOTF Light"/>
-              </a:rPr>
-              <a:t>번</a:t>
-            </a:r>
-            <a:r>
-              <a:rPr lang="en-US" sz="2000" b="0" i="0" u="none" strike="noStrike">
-                <a:solidFill>
-                  <a:srgbClr val="005F30"/>
-                </a:solidFill>
-                <a:latin typeface="KOHINanumOTF Light"/>
-              </a:rPr>
-              <a:t> : HTTPS://NAMU.WIKI/W/</a:t>
-            </a:r>
-            <a:r>
-              <a:rPr lang="ko-KR" sz="2000" b="0" i="0" u="none" strike="noStrike">
-                <a:solidFill>
-                  <a:srgbClr val="005F30"/>
-                </a:solidFill>
-                <a:ea typeface="KOHINanumOTF Light"/>
-              </a:rPr>
-              <a:t>슈퍼</a:t>
-            </a:r>
-            <a:r>
-              <a:rPr lang="en-US" sz="2000" b="0" i="0" u="none" strike="noStrike">
-                <a:solidFill>
-                  <a:srgbClr val="005F30"/>
-                </a:solidFill>
-                <a:latin typeface="KOHINanumOTF Light"/>
-              </a:rPr>
-              <a:t>%20</a:t>
-            </a:r>
-            <a:r>
-              <a:rPr lang="ko-KR" sz="2000" b="0" i="0" u="none" strike="noStrike">
-                <a:solidFill>
-                  <a:srgbClr val="005F30"/>
-                </a:solidFill>
-                <a:ea typeface="KOHINanumOTF Light"/>
-              </a:rPr>
-              <a:t>마리오</a:t>
-            </a:r>
-            <a:r>
-              <a:rPr lang="en-US" sz="2000" b="0" i="0" u="none" strike="noStrike">
-                <a:solidFill>
-                  <a:srgbClr val="005F30"/>
-                </a:solidFill>
-                <a:latin typeface="KOHINanumOTF Light"/>
-              </a:rPr>
-              <a:t>%20</a:t>
-            </a:r>
-            <a:r>
-              <a:rPr lang="ko-KR" sz="2000" b="0" i="0" u="none" strike="noStrike">
-                <a:solidFill>
-                  <a:srgbClr val="005F30"/>
-                </a:solidFill>
-                <a:ea typeface="KOHINanumOTF Light"/>
-              </a:rPr>
-              <a:t>메이커</a:t>
-            </a:r>
-            <a:r>
-              <a:rPr lang="en-US" sz="2000" b="0" i="0" u="none" strike="noStrike">
-                <a:solidFill>
-                  <a:srgbClr val="005F30"/>
-                </a:solidFill>
-                <a:latin typeface="KOHINanumOTF Light"/>
-              </a:rPr>
-              <a:t>%202</a:t>
-            </a:r>
-          </a:p>
-        </p:txBody>
-      </p:sp>
-    </p:spTree>
-  </p:cSld>
-  <p:clrMapOvr>
-    <a:masterClrMapping/>
-  </p:clrMapOvr>
-</p:sld>
-</file>
-
-<file path=ppt/slides/slide12.xml><?xml version="1.0" encoding="utf-8"?>
-<p:sld xmlns:a="http://schemas.openxmlformats.org/drawingml/2006/main" xmlns:r="http://schemas.openxmlformats.org/officeDocument/2006/relationships" xmlns:p="http://schemas.openxmlformats.org/presentationml/2006/main">
-  <p:cSld>
-    <p:bg>
-      <p:bgPr>
-        <a:solidFill>
-          <a:srgbClr val="FCF9EC"/>
-        </a:solidFill>
-        <a:effectLst/>
-      </p:bgPr>
-    </p:bg>
-    <p:spTree>
-      <p:nvGrpSpPr>
-        <p:cNvPr id="1" name=""/>
-        <p:cNvGrpSpPr/>
-        <p:nvPr/>
-      </p:nvGrpSpPr>
-      <p:grpSpPr>
-        <a:xfrm>
-          <a:off x="0" y="0"/>
-          <a:ext cx="0" cy="0"/>
-          <a:chOff x="0" y="0"/>
-          <a:chExt cx="0" cy="0"/>
-        </a:xfrm>
-      </p:grpSpPr>
-      <p:pic>
-        <p:nvPicPr>
-          <p:cNvPr id="2" name="Picture 2"/>
-          <p:cNvPicPr>
-            <a:picLocks noChangeAspect="1"/>
-          </p:cNvPicPr>
-          <p:nvPr/>
-        </p:nvPicPr>
-        <p:blipFill>
-          <a:blip r:embed="rId2">
-            <a:alphaModFix amt="10000"/>
-          </a:blip>
-          <a:stretch>
-            <a:fillRect/>
-          </a:stretch>
-        </p:blipFill>
-        <p:spPr>
-          <a:xfrm>
-            <a:off x="0" y="0"/>
-            <a:ext cx="18288000" cy="10287000"/>
-          </a:xfrm>
-          <a:prstGeom prst="rect">
-            <a:avLst/>
-          </a:prstGeom>
-        </p:spPr>
-      </p:pic>
       <p:sp>
         <p:nvSpPr>
           <p:cNvPr id="3" name="TextBox 3"/>
@@ -14138,8 +12174,8 @@
         </p:blipFill>
         <p:spPr>
           <a:xfrm>
-            <a:off x="10414000" y="3238500"/>
-            <a:ext cx="5664200" cy="6083300"/>
+            <a:off x="1524000" y="3416300"/>
+            <a:ext cx="15240000" cy="571500"/>
           </a:xfrm>
           <a:prstGeom prst="rect">
             <a:avLst/>
@@ -14161,30 +12197,39 @@
           </a:stretch>
         </p:blipFill>
         <p:spPr>
-          <a:xfrm>
-            <a:off x="2197100" y="3238500"/>
-            <a:ext cx="7950200" cy="6083300"/>
-          </a:xfrm>
-          <a:prstGeom prst="rect">
-            <a:avLst/>
-          </a:prstGeom>
-        </p:spPr>
-      </p:pic>
-      <p:grpSp>
-        <p:nvGrpSpPr>
-          <p:cNvPr id="10" name="Group 10"/>
-          <p:cNvGrpSpPr/>
-          <p:nvPr/>
-        </p:nvGrpSpPr>
-        <p:grpSpPr>
-          <a:xfrm>
-            <a:off x="2147483647" y="2147483647"/>
-            <a:ext cx="2147483647" cy="2147483647"/>
-            <a:chOff x="0" y="0"/>
-            <a:chExt cx="0" cy="0"/>
-          </a:xfrm>
-        </p:grpSpPr>
-      </p:grpSp>
+          <a:xfrm rot="5400000">
+            <a:off x="4279900" y="3695700"/>
+            <a:ext cx="571500" cy="12700"/>
+          </a:xfrm>
+          <a:prstGeom prst="rect">
+            <a:avLst/>
+          </a:prstGeom>
+        </p:spPr>
+      </p:pic>
+      <p:pic>
+        <p:nvPicPr>
+          <p:cNvPr id="10" name="Picture 10"/>
+          <p:cNvPicPr>
+            <a:picLocks noChangeAspect="1"/>
+          </p:cNvPicPr>
+          <p:nvPr/>
+        </p:nvPicPr>
+        <p:blipFill>
+          <a:blip r:embed="rId8"/>
+          <a:stretch>
+            <a:fillRect/>
+          </a:stretch>
+        </p:blipFill>
+        <p:spPr>
+          <a:xfrm rot="5400000">
+            <a:off x="7340600" y="3708400"/>
+            <a:ext cx="571500" cy="12700"/>
+          </a:xfrm>
+          <a:prstGeom prst="rect">
+            <a:avLst/>
+          </a:prstGeom>
+        </p:spPr>
+      </p:pic>
       <p:pic>
         <p:nvPicPr>
           <p:cNvPr id="11" name="Picture 11"/>
@@ -14194,6 +12239,54 @@
           <p:nvPr/>
         </p:nvPicPr>
         <p:blipFill>
+          <a:blip r:embed="rId8"/>
+          <a:stretch>
+            <a:fillRect/>
+          </a:stretch>
+        </p:blipFill>
+        <p:spPr>
+          <a:xfrm rot="5400000">
+            <a:off x="10375900" y="3695700"/>
+            <a:ext cx="571500" cy="12700"/>
+          </a:xfrm>
+          <a:prstGeom prst="rect">
+            <a:avLst/>
+          </a:prstGeom>
+        </p:spPr>
+      </p:pic>
+      <p:pic>
+        <p:nvPicPr>
+          <p:cNvPr id="12" name="Picture 12"/>
+          <p:cNvPicPr>
+            <a:picLocks noChangeAspect="1"/>
+          </p:cNvPicPr>
+          <p:nvPr/>
+        </p:nvPicPr>
+        <p:blipFill>
+          <a:blip r:embed="rId8"/>
+          <a:stretch>
+            <a:fillRect/>
+          </a:stretch>
+        </p:blipFill>
+        <p:spPr>
+          <a:xfrm rot="5400000">
+            <a:off x="13423900" y="3695700"/>
+            <a:ext cx="571500" cy="12700"/>
+          </a:xfrm>
+          <a:prstGeom prst="rect">
+            <a:avLst/>
+          </a:prstGeom>
+        </p:spPr>
+      </p:pic>
+      <p:pic>
+        <p:nvPicPr>
+          <p:cNvPr id="13" name="Picture 13"/>
+          <p:cNvPicPr>
+            <a:picLocks noChangeAspect="1"/>
+          </p:cNvPicPr>
+          <p:nvPr/>
+        </p:nvPicPr>
+        <p:blipFill>
           <a:blip r:embed="rId9"/>
           <a:stretch>
             <a:fillRect/>
@@ -14201,17 +12294,17 @@
         </p:blipFill>
         <p:spPr>
           <a:xfrm>
-            <a:off x="16649700" y="9652000"/>
-            <a:ext cx="419100" cy="622300"/>
-          </a:xfrm>
-          <a:prstGeom prst="rect">
-            <a:avLst/>
-          </a:prstGeom>
-        </p:spPr>
-      </p:pic>
-      <p:pic>
-        <p:nvPicPr>
-          <p:cNvPr id="12" name="Picture 12"/>
+            <a:off x="1524000" y="4229100"/>
+            <a:ext cx="15240000" cy="558800"/>
+          </a:xfrm>
+          <a:prstGeom prst="rect">
+            <a:avLst/>
+          </a:prstGeom>
+        </p:spPr>
+      </p:pic>
+      <p:pic>
+        <p:nvPicPr>
+          <p:cNvPr id="14" name="Picture 14"/>
           <p:cNvPicPr>
             <a:picLocks noChangeAspect="1"/>
           </p:cNvPicPr>
@@ -14225,17 +12318,65 @@
         </p:blipFill>
         <p:spPr>
           <a:xfrm>
-            <a:off x="16002000" y="9664700"/>
-            <a:ext cx="508000" cy="622300"/>
-          </a:xfrm>
-          <a:prstGeom prst="rect">
-            <a:avLst/>
-          </a:prstGeom>
-        </p:spPr>
-      </p:pic>
-      <p:pic>
-        <p:nvPicPr>
-          <p:cNvPr id="13" name="Picture 13"/>
+            <a:off x="1524000" y="4229100"/>
+            <a:ext cx="3048000" cy="558800"/>
+          </a:xfrm>
+          <a:prstGeom prst="rect">
+            <a:avLst/>
+          </a:prstGeom>
+        </p:spPr>
+      </p:pic>
+      <p:pic>
+        <p:nvPicPr>
+          <p:cNvPr id="15" name="Picture 15"/>
+          <p:cNvPicPr>
+            <a:picLocks noChangeAspect="1"/>
+          </p:cNvPicPr>
+          <p:nvPr/>
+        </p:nvPicPr>
+        <p:blipFill>
+          <a:blip r:embed="rId9"/>
+          <a:stretch>
+            <a:fillRect/>
+          </a:stretch>
+        </p:blipFill>
+        <p:spPr>
+          <a:xfrm>
+            <a:off x="1524000" y="8496300"/>
+            <a:ext cx="15240000" cy="558800"/>
+          </a:xfrm>
+          <a:prstGeom prst="rect">
+            <a:avLst/>
+          </a:prstGeom>
+        </p:spPr>
+      </p:pic>
+      <p:pic>
+        <p:nvPicPr>
+          <p:cNvPr id="16" name="Picture 16"/>
+          <p:cNvPicPr>
+            <a:picLocks noChangeAspect="1"/>
+          </p:cNvPicPr>
+          <p:nvPr/>
+        </p:nvPicPr>
+        <p:blipFill>
+          <a:blip r:embed="rId9"/>
+          <a:stretch>
+            <a:fillRect/>
+          </a:stretch>
+        </p:blipFill>
+        <p:spPr>
+          <a:xfrm>
+            <a:off x="1524000" y="6375400"/>
+            <a:ext cx="15240000" cy="558800"/>
+          </a:xfrm>
+          <a:prstGeom prst="rect">
+            <a:avLst/>
+          </a:prstGeom>
+        </p:spPr>
+      </p:pic>
+      <p:pic>
+        <p:nvPicPr>
+          <p:cNvPr id="17" name="Picture 17"/>
           <p:cNvPicPr>
             <a:picLocks noChangeAspect="1"/>
           </p:cNvPicPr>
@@ -14249,17 +12390,137 @@
         </p:blipFill>
         <p:spPr>
           <a:xfrm>
-            <a:off x="17208500" y="9652000"/>
-            <a:ext cx="444500" cy="622300"/>
-          </a:xfrm>
-          <a:prstGeom prst="rect">
-            <a:avLst/>
-          </a:prstGeom>
-        </p:spPr>
-      </p:pic>
-      <p:pic>
-        <p:nvPicPr>
-          <p:cNvPr id="14" name="Picture 14"/>
+            <a:off x="1524000" y="5283200"/>
+            <a:ext cx="15240000" cy="558800"/>
+          </a:xfrm>
+          <a:prstGeom prst="rect">
+            <a:avLst/>
+          </a:prstGeom>
+        </p:spPr>
+      </p:pic>
+      <p:pic>
+        <p:nvPicPr>
+          <p:cNvPr id="18" name="Picture 18"/>
+          <p:cNvPicPr>
+            <a:picLocks noChangeAspect="1"/>
+          </p:cNvPicPr>
+          <p:nvPr/>
+        </p:nvPicPr>
+        <p:blipFill>
+          <a:blip r:embed="rId9"/>
+          <a:stretch>
+            <a:fillRect/>
+          </a:stretch>
+        </p:blipFill>
+        <p:spPr>
+          <a:xfrm>
+            <a:off x="1524000" y="5283200"/>
+            <a:ext cx="15240000" cy="558800"/>
+          </a:xfrm>
+          <a:prstGeom prst="rect">
+            <a:avLst/>
+          </a:prstGeom>
+        </p:spPr>
+      </p:pic>
+      <p:pic>
+        <p:nvPicPr>
+          <p:cNvPr id="19" name="Picture 19"/>
+          <p:cNvPicPr>
+            <a:picLocks noChangeAspect="1"/>
+          </p:cNvPicPr>
+          <p:nvPr/>
+        </p:nvPicPr>
+        <p:blipFill>
+          <a:blip r:embed="rId10"/>
+          <a:stretch>
+            <a:fillRect/>
+          </a:stretch>
+        </p:blipFill>
+        <p:spPr>
+          <a:xfrm>
+            <a:off x="7620000" y="6375400"/>
+            <a:ext cx="3048000" cy="558800"/>
+          </a:xfrm>
+          <a:prstGeom prst="rect">
+            <a:avLst/>
+          </a:prstGeom>
+        </p:spPr>
+      </p:pic>
+      <p:pic>
+        <p:nvPicPr>
+          <p:cNvPr id="20" name="Picture 20"/>
+          <p:cNvPicPr>
+            <a:picLocks noChangeAspect="1"/>
+          </p:cNvPicPr>
+          <p:nvPr/>
+        </p:nvPicPr>
+        <p:blipFill>
+          <a:blip r:embed="rId9"/>
+          <a:stretch>
+            <a:fillRect/>
+          </a:stretch>
+        </p:blipFill>
+        <p:spPr>
+          <a:xfrm>
+            <a:off x="1524000" y="7416800"/>
+            <a:ext cx="15240000" cy="558800"/>
+          </a:xfrm>
+          <a:prstGeom prst="rect">
+            <a:avLst/>
+          </a:prstGeom>
+        </p:spPr>
+      </p:pic>
+      <p:pic>
+        <p:nvPicPr>
+          <p:cNvPr id="21" name="Picture 21"/>
+          <p:cNvPicPr>
+            <a:picLocks noChangeAspect="1"/>
+          </p:cNvPicPr>
+          <p:nvPr/>
+        </p:nvPicPr>
+        <p:blipFill>
+          <a:blip r:embed="rId10"/>
+          <a:stretch>
+            <a:fillRect/>
+          </a:stretch>
+        </p:blipFill>
+        <p:spPr>
+          <a:xfrm>
+            <a:off x="10655300" y="7416800"/>
+            <a:ext cx="3048000" cy="558800"/>
+          </a:xfrm>
+          <a:prstGeom prst="rect">
+            <a:avLst/>
+          </a:prstGeom>
+        </p:spPr>
+      </p:pic>
+      <p:pic>
+        <p:nvPicPr>
+          <p:cNvPr id="22" name="Picture 22"/>
+          <p:cNvPicPr>
+            <a:picLocks noChangeAspect="1"/>
+          </p:cNvPicPr>
+          <p:nvPr/>
+        </p:nvPicPr>
+        <p:blipFill>
+          <a:blip r:embed="rId10"/>
+          <a:stretch>
+            <a:fillRect/>
+          </a:stretch>
+        </p:blipFill>
+        <p:spPr>
+          <a:xfrm>
+            <a:off x="13716000" y="8496300"/>
+            <a:ext cx="3048000" cy="558800"/>
+          </a:xfrm>
+          <a:prstGeom prst="rect">
+            <a:avLst/>
+          </a:prstGeom>
+        </p:spPr>
+      </p:pic>
+      <p:pic>
+        <p:nvPicPr>
+          <p:cNvPr id="23" name="Picture 23"/>
           <p:cNvPicPr>
             <a:picLocks noChangeAspect="1"/>
           </p:cNvPicPr>
@@ -14273,161 +12534,17 @@
         </p:blipFill>
         <p:spPr>
           <a:xfrm>
-            <a:off x="17792700" y="9652000"/>
-            <a:ext cx="495300" cy="622300"/>
-          </a:xfrm>
-          <a:prstGeom prst="rect">
-            <a:avLst/>
-          </a:prstGeom>
-        </p:spPr>
-      </p:pic>
-      <p:pic>
-        <p:nvPicPr>
-          <p:cNvPr id="15" name="Picture 15"/>
-          <p:cNvPicPr>
-            <a:picLocks noChangeAspect="1"/>
-          </p:cNvPicPr>
-          <p:nvPr/>
-        </p:nvPicPr>
-        <p:blipFill>
-          <a:blip r:embed="rId13"/>
-          <a:stretch>
-            <a:fillRect/>
-          </a:stretch>
-        </p:blipFill>
-        <p:spPr>
-          <a:xfrm rot="5400000">
-            <a:off x="76200" y="5397500"/>
-            <a:ext cx="6057900" cy="1778000"/>
-          </a:xfrm>
-          <a:prstGeom prst="rect">
-            <a:avLst/>
-          </a:prstGeom>
-        </p:spPr>
-      </p:pic>
-      <p:pic>
-        <p:nvPicPr>
-          <p:cNvPr id="16" name="Picture 16"/>
-          <p:cNvPicPr>
-            <a:picLocks noChangeAspect="1"/>
-          </p:cNvPicPr>
-          <p:nvPr/>
-        </p:nvPicPr>
-        <p:blipFill>
-          <a:blip r:embed="rId14"/>
-          <a:stretch>
-            <a:fillRect/>
-          </a:stretch>
-        </p:blipFill>
-        <p:spPr>
-          <a:xfrm>
-            <a:off x="3987800" y="4787900"/>
-            <a:ext cx="6146800" cy="12700"/>
-          </a:xfrm>
-          <a:prstGeom prst="rect">
-            <a:avLst/>
-          </a:prstGeom>
-        </p:spPr>
-      </p:pic>
-      <p:pic>
-        <p:nvPicPr>
-          <p:cNvPr id="17" name="Picture 17"/>
-          <p:cNvPicPr>
-            <a:picLocks noChangeAspect="1"/>
-          </p:cNvPicPr>
-          <p:nvPr/>
-        </p:nvPicPr>
-        <p:blipFill>
-          <a:blip r:embed="rId15"/>
-          <a:stretch>
-            <a:fillRect/>
-          </a:stretch>
-        </p:blipFill>
-        <p:spPr>
-          <a:xfrm rot="5400000">
-            <a:off x="952500" y="6286500"/>
-            <a:ext cx="6057900" cy="12700"/>
-          </a:xfrm>
-          <a:prstGeom prst="rect">
-            <a:avLst/>
-          </a:prstGeom>
-        </p:spPr>
-      </p:pic>
-      <p:pic>
-        <p:nvPicPr>
-          <p:cNvPr id="18" name="Picture 18"/>
-          <p:cNvPicPr>
-            <a:picLocks noChangeAspect="1"/>
-          </p:cNvPicPr>
-          <p:nvPr/>
-        </p:nvPicPr>
-        <p:blipFill>
-          <a:blip r:embed="rId16"/>
-          <a:stretch>
-            <a:fillRect/>
-          </a:stretch>
-        </p:blipFill>
-        <p:spPr>
-          <a:xfrm>
-            <a:off x="2197100" y="6870700"/>
-            <a:ext cx="7912100" cy="12700"/>
-          </a:xfrm>
-          <a:prstGeom prst="rect">
-            <a:avLst/>
-          </a:prstGeom>
-        </p:spPr>
-      </p:pic>
-      <p:pic>
-        <p:nvPicPr>
-          <p:cNvPr id="19" name="Picture 19"/>
-          <p:cNvPicPr>
-            <a:picLocks noChangeAspect="1"/>
-          </p:cNvPicPr>
-          <p:nvPr/>
-        </p:nvPicPr>
-        <p:blipFill>
-          <a:blip r:embed="rId17"/>
-          <a:stretch>
-            <a:fillRect/>
-          </a:stretch>
-        </p:blipFill>
-        <p:spPr>
-          <a:xfrm>
-            <a:off x="2209800" y="4787900"/>
-            <a:ext cx="1816100" cy="12700"/>
-          </a:xfrm>
-          <a:prstGeom prst="rect">
-            <a:avLst/>
-          </a:prstGeom>
-        </p:spPr>
-      </p:pic>
-      <p:pic>
-        <p:nvPicPr>
-          <p:cNvPr id="20" name="Picture 20"/>
-          <p:cNvPicPr>
-            <a:picLocks noChangeAspect="1"/>
-          </p:cNvPicPr>
-          <p:nvPr/>
-        </p:nvPicPr>
-        <p:blipFill>
-          <a:blip r:embed="rId17"/>
-          <a:stretch>
-            <a:fillRect/>
-          </a:stretch>
-        </p:blipFill>
-        <p:spPr>
-          <a:xfrm>
-            <a:off x="2235200" y="6858000"/>
-            <a:ext cx="1816100" cy="12700"/>
-          </a:xfrm>
-          <a:prstGeom prst="rect">
-            <a:avLst/>
-          </a:prstGeom>
-        </p:spPr>
-      </p:pic>
-      <p:sp>
-        <p:nvSpPr>
-          <p:cNvPr id="21" name="TextBox 21"/>
+            <a:off x="4559300" y="5283200"/>
+            <a:ext cx="3048000" cy="558800"/>
+          </a:xfrm>
+          <a:prstGeom prst="rect">
+            <a:avLst/>
+          </a:prstGeom>
+        </p:spPr>
+      </p:pic>
+      <p:sp>
+        <p:nvSpPr>
+          <p:cNvPr id="24" name="TextBox 24"/>
           <p:cNvSpPr txBox="1"/>
           <p:nvPr/>
         </p:nvSpPr>
@@ -14456,7 +12573,7 @@
                 </a:solidFill>
                 <a:ea typeface="KOHIBaeumOTF"/>
               </a:rPr>
-              <a:t>게임</a:t>
+              <a:t>개발</a:t>
             </a:r>
             <a:r>
               <a:rPr lang="en-US" sz="6000" b="0" i="0" u="none" strike="noStrike">
@@ -14474,39 +12591,21 @@
                 </a:solidFill>
                 <a:ea typeface="KOHIBaeumOTF"/>
               </a:rPr>
-              <a:t>개발</a:t>
-            </a:r>
-            <a:r>
-              <a:rPr lang="en-US" sz="6000" b="0" i="0" u="none" strike="noStrike">
-                <a:solidFill>
-                  <a:srgbClr val="005F30"/>
-                </a:solidFill>
-                <a:latin typeface="KOHIBaeumOTF"/>
-              </a:rPr>
-              <a:t> </a:t>
-            </a:r>
-            <a:r>
-              <a:rPr lang="ko-KR" sz="6000" b="0" i="0" u="none" strike="noStrike">
-                <a:solidFill>
-                  <a:srgbClr val="005F30"/>
-                </a:solidFill>
-                <a:ea typeface="KOHIBaeumOTF"/>
-              </a:rPr>
-              <a:t>범위</a:t>
-            </a:r>
-          </a:p>
-        </p:txBody>
-      </p:sp>
-      <p:sp>
-        <p:nvSpPr>
-          <p:cNvPr id="22" name="TextBox 22"/>
+              <a:t>일정</a:t>
+            </a:r>
+          </a:p>
+        </p:txBody>
+      </p:sp>
+      <p:sp>
+        <p:nvSpPr>
+          <p:cNvPr id="25" name="TextBox 25"/>
           <p:cNvSpPr txBox="1"/>
           <p:nvPr/>
         </p:nvSpPr>
         <p:spPr>
           <a:xfrm>
-            <a:off x="10579100" y="838200"/>
-            <a:ext cx="5727700" cy="355600"/>
+            <a:off x="13817600" y="838200"/>
+            <a:ext cx="2489200" cy="355600"/>
           </a:xfrm>
           <a:prstGeom prst="rect">
             <a:avLst/>
@@ -14546,14 +12645,14 @@
                 </a:solidFill>
                 <a:ea typeface="KOHINanumOTF Bold"/>
               </a:rPr>
-              <a:t>범위</a:t>
-            </a:r>
-          </a:p>
-        </p:txBody>
-      </p:sp>
-      <p:sp>
-        <p:nvSpPr>
-          <p:cNvPr id="23" name="TextBox 23"/>
+              <a:t>일정</a:t>
+            </a:r>
+          </a:p>
+        </p:txBody>
+      </p:sp>
+      <p:sp>
+        <p:nvSpPr>
+          <p:cNvPr id="26" name="TextBox 26"/>
           <p:cNvSpPr txBox="1"/>
           <p:nvPr/>
         </p:nvSpPr>
@@ -14589,7 +12688,7 @@
       </p:sp>
       <p:sp>
         <p:nvSpPr>
-          <p:cNvPr id="24" name="TextBox 24"/>
+          <p:cNvPr id="27" name="TextBox 27"/>
           <p:cNvSpPr txBox="1"/>
           <p:nvPr/>
         </p:nvSpPr>
@@ -14625,7 +12724,7 @@
       </p:sp>
       <p:sp>
         <p:nvSpPr>
-          <p:cNvPr id="25" name="TextBox 25"/>
+          <p:cNvPr id="28" name="TextBox 28"/>
           <p:cNvSpPr txBox="1"/>
           <p:nvPr/>
         </p:nvSpPr>
@@ -14648,658 +12747,13 @@
               </a:lnSpc>
             </a:pPr>
             <a:r>
-              <a:rPr lang="en-US" sz="2000" b="1" i="0" u="none" strike="noStrike">
+              <a:rPr lang="en-US" sz="2000" b="0" i="0" u="none" strike="noStrike">
                 <a:solidFill>
                   <a:srgbClr val="FCF9EC"/>
                 </a:solidFill>
                 <a:latin typeface="KOHINanumOTF Light"/>
               </a:rPr>
-              <a:t>08</a:t>
-            </a:r>
-          </a:p>
-        </p:txBody>
-      </p:sp>
-      <p:sp>
-        <p:nvSpPr>
-          <p:cNvPr id="26" name="TextBox 26"/>
-          <p:cNvSpPr txBox="1"/>
-          <p:nvPr/>
-        </p:nvSpPr>
-        <p:spPr>
-          <a:xfrm>
-            <a:off x="4381500" y="3378200"/>
-            <a:ext cx="5486400" cy="1308100"/>
-          </a:xfrm>
-          <a:prstGeom prst="rect">
-            <a:avLst/>
-          </a:prstGeom>
-        </p:spPr>
-        <p:txBody>
-          <a:bodyPr lIns="0" tIns="0" rIns="0" bIns="0" rtlCol="0" anchor="ctr"/>
-          <a:lstStyle/>
-          <a:p>
-            <a:pPr lvl="0" algn="ctr">
-              <a:lnSpc>
-                <a:spcPct val="112880"/>
-              </a:lnSpc>
-            </a:pPr>
-            <a:r>
-              <a:rPr lang="ko-KR" sz="2500" b="0" i="0" u="none" strike="noStrike">
-                <a:solidFill>
-                  <a:srgbClr val="005F30"/>
-                </a:solidFill>
-                <a:ea typeface="KOHINanumOTF Light"/>
-              </a:rPr>
-              <a:t>캐릭터의</a:t>
-            </a:r>
-            <a:r>
-              <a:rPr lang="en-US" sz="2500" b="0" i="0" u="none" strike="noStrike">
-                <a:solidFill>
-                  <a:srgbClr val="005F30"/>
-                </a:solidFill>
-                <a:latin typeface="KOHINanumOTF Light"/>
-              </a:rPr>
-              <a:t> </a:t>
-            </a:r>
-            <a:r>
-              <a:rPr lang="ko-KR" sz="2500" b="0" i="0" u="none" strike="noStrike">
-                <a:solidFill>
-                  <a:srgbClr val="005F30"/>
-                </a:solidFill>
-                <a:ea typeface="KOHINanumOTF Light"/>
-              </a:rPr>
-              <a:t>이동</a:t>
-            </a:r>
-            <a:r>
-              <a:rPr lang="en-US" sz="2500" b="0" i="0" u="none" strike="noStrike">
-                <a:solidFill>
-                  <a:srgbClr val="005F30"/>
-                </a:solidFill>
-                <a:latin typeface="KOHINanumOTF Light"/>
-              </a:rPr>
-              <a:t> </a:t>
-            </a:r>
-            <a:r>
-              <a:rPr lang="ko-KR" sz="2500" b="0" i="0" u="none" strike="noStrike">
-                <a:solidFill>
-                  <a:srgbClr val="005F30"/>
-                </a:solidFill>
-                <a:ea typeface="KOHINanumOTF Light"/>
-              </a:rPr>
-              <a:t>구현</a:t>
-            </a:r>
-            <a:r>
-              <a:rPr lang="en-US" sz="2500" b="0" i="0" u="none" strike="noStrike">
-                <a:solidFill>
-                  <a:srgbClr val="005F30"/>
-                </a:solidFill>
-                <a:latin typeface="KOHINanumOTF Light"/>
-              </a:rPr>
-              <a:t> </a:t>
-            </a:r>
-          </a:p>
-          <a:p>
-            <a:pPr lvl="0" algn="ctr">
-              <a:lnSpc>
-                <a:spcPct val="112880"/>
-              </a:lnSpc>
-            </a:pPr>
-            <a:r>
-              <a:rPr lang="ko-KR" sz="2500" b="0" i="0" u="none" strike="noStrike">
-                <a:solidFill>
-                  <a:srgbClr val="005F30"/>
-                </a:solidFill>
-                <a:ea typeface="KOHINanumOTF Light"/>
-              </a:rPr>
-              <a:t>및</a:t>
-            </a:r>
-            <a:r>
-              <a:rPr lang="en-US" sz="2500" b="0" i="0" u="none" strike="noStrike">
-                <a:solidFill>
-                  <a:srgbClr val="005F30"/>
-                </a:solidFill>
-                <a:latin typeface="KOHINanumOTF Light"/>
-              </a:rPr>
-              <a:t> </a:t>
-            </a:r>
-          </a:p>
-          <a:p>
-            <a:pPr lvl="0" algn="ctr">
-              <a:lnSpc>
-                <a:spcPct val="112880"/>
-              </a:lnSpc>
-            </a:pPr>
-            <a:r>
-              <a:rPr lang="ko-KR" sz="2500" b="0" i="0" u="none" strike="noStrike">
-                <a:solidFill>
-                  <a:srgbClr val="005F30"/>
-                </a:solidFill>
-                <a:ea typeface="KOHINanumOTF Light"/>
-              </a:rPr>
-              <a:t>캐릭터와</a:t>
-            </a:r>
-            <a:r>
-              <a:rPr lang="en-US" sz="2500" b="0" i="0" u="none" strike="noStrike">
-                <a:solidFill>
-                  <a:srgbClr val="005F30"/>
-                </a:solidFill>
-                <a:latin typeface="KOHINanumOTF Light"/>
-              </a:rPr>
-              <a:t> </a:t>
-            </a:r>
-            <a:r>
-              <a:rPr lang="ko-KR" sz="2500" b="0" i="0" u="none" strike="noStrike">
-                <a:solidFill>
-                  <a:srgbClr val="005F30"/>
-                </a:solidFill>
-                <a:ea typeface="KOHINanumOTF Light"/>
-              </a:rPr>
-              <a:t>블럭의</a:t>
-            </a:r>
-            <a:r>
-              <a:rPr lang="en-US" sz="2500" b="0" i="0" u="none" strike="noStrike">
-                <a:solidFill>
-                  <a:srgbClr val="005F30"/>
-                </a:solidFill>
-                <a:latin typeface="KOHINanumOTF Light"/>
-              </a:rPr>
-              <a:t> </a:t>
-            </a:r>
-            <a:r>
-              <a:rPr lang="ko-KR" sz="2500" b="0" i="0" u="none" strike="noStrike">
-                <a:solidFill>
-                  <a:srgbClr val="005F30"/>
-                </a:solidFill>
-                <a:ea typeface="KOHINanumOTF Light"/>
-              </a:rPr>
-              <a:t>충돌</a:t>
-            </a:r>
-            <a:r>
-              <a:rPr lang="en-US" sz="2500" b="0" i="0" u="none" strike="noStrike">
-                <a:solidFill>
-                  <a:srgbClr val="005F30"/>
-                </a:solidFill>
-                <a:latin typeface="KOHINanumOTF Light"/>
-              </a:rPr>
-              <a:t>, </a:t>
-            </a:r>
-            <a:r>
-              <a:rPr lang="ko-KR" sz="2500" b="0" i="0" u="none" strike="noStrike">
-                <a:solidFill>
-                  <a:srgbClr val="005F30"/>
-                </a:solidFill>
-                <a:ea typeface="KOHINanumOTF Light"/>
-              </a:rPr>
-              <a:t>기믹</a:t>
-            </a:r>
-            <a:r>
-              <a:rPr lang="en-US" sz="2500" b="0" i="0" u="none" strike="noStrike">
-                <a:solidFill>
-                  <a:srgbClr val="005F30"/>
-                </a:solidFill>
-                <a:latin typeface="KOHINanumOTF Light"/>
-              </a:rPr>
-              <a:t> </a:t>
-            </a:r>
-            <a:r>
-              <a:rPr lang="ko-KR" sz="2500" b="0" i="0" u="none" strike="noStrike">
-                <a:solidFill>
-                  <a:srgbClr val="005F30"/>
-                </a:solidFill>
-                <a:ea typeface="KOHINanumOTF Light"/>
-              </a:rPr>
-              <a:t>구현</a:t>
-            </a:r>
-          </a:p>
-        </p:txBody>
-      </p:sp>
-      <p:sp>
-        <p:nvSpPr>
-          <p:cNvPr id="27" name="TextBox 27"/>
-          <p:cNvSpPr txBox="1"/>
-          <p:nvPr/>
-        </p:nvSpPr>
-        <p:spPr>
-          <a:xfrm>
-            <a:off x="4381500" y="5118100"/>
-            <a:ext cx="5232400" cy="1308100"/>
-          </a:xfrm>
-          <a:prstGeom prst="rect">
-            <a:avLst/>
-          </a:prstGeom>
-        </p:spPr>
-        <p:txBody>
-          <a:bodyPr lIns="0" tIns="0" rIns="0" bIns="0" rtlCol="0" anchor="ctr"/>
-          <a:lstStyle/>
-          <a:p>
-            <a:pPr lvl="0" algn="ctr">
-              <a:lnSpc>
-                <a:spcPct val="112880"/>
-              </a:lnSpc>
-            </a:pPr>
-            <a:r>
-              <a:rPr lang="ko-KR" sz="2500" b="0" i="0" u="none" strike="noStrike">
-                <a:solidFill>
-                  <a:srgbClr val="005F30"/>
-                </a:solidFill>
-                <a:ea typeface="KOHINanumOTF Light"/>
-              </a:rPr>
-              <a:t>드로그</a:t>
-            </a:r>
-            <a:r>
-              <a:rPr lang="en-US" sz="2500" b="0" i="0" u="none" strike="noStrike">
-                <a:solidFill>
-                  <a:srgbClr val="005F30"/>
-                </a:solidFill>
-                <a:latin typeface="KOHINanumOTF Light"/>
-              </a:rPr>
-              <a:t> </a:t>
-            </a:r>
-            <a:r>
-              <a:rPr lang="ko-KR" sz="2500" b="0" i="0" u="none" strike="noStrike">
-                <a:solidFill>
-                  <a:srgbClr val="005F30"/>
-                </a:solidFill>
-                <a:ea typeface="KOHINanumOTF Light"/>
-              </a:rPr>
-              <a:t>앤</a:t>
-            </a:r>
-            <a:r>
-              <a:rPr lang="en-US" sz="2500" b="0" i="0" u="none" strike="noStrike">
-                <a:solidFill>
-                  <a:srgbClr val="005F30"/>
-                </a:solidFill>
-                <a:latin typeface="KOHINanumOTF Light"/>
-              </a:rPr>
-              <a:t> </a:t>
-            </a:r>
-            <a:r>
-              <a:rPr lang="ko-KR" sz="2500" b="0" i="0" u="none" strike="noStrike">
-                <a:solidFill>
-                  <a:srgbClr val="005F30"/>
-                </a:solidFill>
-                <a:ea typeface="KOHINanumOTF Light"/>
-              </a:rPr>
-              <a:t>드롭을</a:t>
-            </a:r>
-            <a:r>
-              <a:rPr lang="en-US" sz="2500" b="0" i="0" u="none" strike="noStrike">
-                <a:solidFill>
-                  <a:srgbClr val="005F30"/>
-                </a:solidFill>
-                <a:latin typeface="KOHINanumOTF Light"/>
-              </a:rPr>
-              <a:t> </a:t>
-            </a:r>
-            <a:r>
-              <a:rPr lang="ko-KR" sz="2500" b="0" i="0" u="none" strike="noStrike">
-                <a:solidFill>
-                  <a:srgbClr val="005F30"/>
-                </a:solidFill>
-                <a:ea typeface="KOHINanumOTF Light"/>
-              </a:rPr>
-              <a:t>사용한</a:t>
-            </a:r>
-            <a:r>
-              <a:rPr lang="en-US" sz="2500" b="0" i="0" u="none" strike="noStrike">
-                <a:solidFill>
-                  <a:srgbClr val="005F30"/>
-                </a:solidFill>
-                <a:latin typeface="KOHINanumOTF Light"/>
-              </a:rPr>
-              <a:t> </a:t>
-            </a:r>
-            <a:r>
-              <a:rPr lang="ko-KR" sz="2500" b="0" i="0" u="none" strike="noStrike">
-                <a:solidFill>
-                  <a:srgbClr val="005F30"/>
-                </a:solidFill>
-                <a:ea typeface="KOHINanumOTF Light"/>
-              </a:rPr>
-              <a:t>타일</a:t>
-            </a:r>
-            <a:r>
-              <a:rPr lang="en-US" sz="2500" b="0" i="0" u="none" strike="noStrike">
-                <a:solidFill>
-                  <a:srgbClr val="005F30"/>
-                </a:solidFill>
-                <a:latin typeface="KOHINanumOTF Light"/>
-              </a:rPr>
-              <a:t> </a:t>
-            </a:r>
-            <a:r>
-              <a:rPr lang="ko-KR" sz="2500" b="0" i="0" u="none" strike="noStrike">
-                <a:solidFill>
-                  <a:srgbClr val="005F30"/>
-                </a:solidFill>
-                <a:ea typeface="KOHINanumOTF Light"/>
-              </a:rPr>
-              <a:t>이동</a:t>
-            </a:r>
-            <a:r>
-              <a:rPr lang="en-US" sz="2500" b="0" i="0" u="none" strike="noStrike">
-                <a:solidFill>
-                  <a:srgbClr val="005F30"/>
-                </a:solidFill>
-                <a:latin typeface="KOHINanumOTF Light"/>
-              </a:rPr>
-              <a:t> </a:t>
-            </a:r>
-          </a:p>
-          <a:p>
-            <a:pPr lvl="0" algn="ctr">
-              <a:lnSpc>
-                <a:spcPct val="112880"/>
-              </a:lnSpc>
-            </a:pPr>
-            <a:r>
-              <a:rPr lang="ko-KR" sz="2500" b="0" i="0" u="none" strike="noStrike">
-                <a:solidFill>
-                  <a:srgbClr val="005F30"/>
-                </a:solidFill>
-                <a:ea typeface="KOHINanumOTF Light"/>
-              </a:rPr>
-              <a:t>및</a:t>
-            </a:r>
-          </a:p>
-          <a:p>
-            <a:pPr lvl="0" algn="ctr">
-              <a:lnSpc>
-                <a:spcPct val="112880"/>
-              </a:lnSpc>
-            </a:pPr>
-            <a:r>
-              <a:rPr lang="ko-KR" sz="2500" b="0" i="0" u="none" strike="noStrike">
-                <a:solidFill>
-                  <a:srgbClr val="005F30"/>
-                </a:solidFill>
-                <a:ea typeface="KOHINanumOTF Light"/>
-              </a:rPr>
-              <a:t>오브젝트</a:t>
-            </a:r>
-            <a:r>
-              <a:rPr lang="en-US" sz="2500" b="0" i="0" u="none" strike="noStrike">
-                <a:solidFill>
-                  <a:srgbClr val="005F30"/>
-                </a:solidFill>
-                <a:latin typeface="KOHINanumOTF Light"/>
-              </a:rPr>
-              <a:t> </a:t>
-            </a:r>
-            <a:r>
-              <a:rPr lang="ko-KR" sz="2500" b="0" i="0" u="none" strike="noStrike">
-                <a:solidFill>
-                  <a:srgbClr val="005F30"/>
-                </a:solidFill>
-                <a:ea typeface="KOHINanumOTF Light"/>
-              </a:rPr>
-              <a:t>위치</a:t>
-            </a:r>
-            <a:r>
-              <a:rPr lang="en-US" sz="2500" b="0" i="0" u="none" strike="noStrike">
-                <a:solidFill>
-                  <a:srgbClr val="005F30"/>
-                </a:solidFill>
-                <a:latin typeface="KOHINanumOTF Light"/>
-              </a:rPr>
-              <a:t> </a:t>
-            </a:r>
-            <a:r>
-              <a:rPr lang="ko-KR" sz="2500" b="0" i="0" u="none" strike="noStrike">
-                <a:solidFill>
-                  <a:srgbClr val="005F30"/>
-                </a:solidFill>
-                <a:ea typeface="KOHINanumOTF Light"/>
-              </a:rPr>
-              <a:t>저장</a:t>
-            </a:r>
-          </a:p>
-        </p:txBody>
-      </p:sp>
-      <p:sp>
-        <p:nvSpPr>
-          <p:cNvPr id="28" name="TextBox 28"/>
-          <p:cNvSpPr txBox="1"/>
-          <p:nvPr/>
-        </p:nvSpPr>
-        <p:spPr>
-          <a:xfrm>
-            <a:off x="4381500" y="7404100"/>
-            <a:ext cx="5232400" cy="1308100"/>
-          </a:xfrm>
-          <a:prstGeom prst="rect">
-            <a:avLst/>
-          </a:prstGeom>
-        </p:spPr>
-        <p:txBody>
-          <a:bodyPr lIns="0" tIns="0" rIns="0" bIns="0" rtlCol="0" anchor="ctr"/>
-          <a:lstStyle/>
-          <a:p>
-            <a:pPr lvl="0" algn="ctr">
-              <a:lnSpc>
-                <a:spcPct val="112880"/>
-              </a:lnSpc>
-            </a:pPr>
-            <a:r>
-              <a:rPr lang="ko-KR" sz="2500" b="0" i="0" u="none" strike="noStrike">
-                <a:solidFill>
-                  <a:srgbClr val="005F30"/>
-                </a:solidFill>
-                <a:ea typeface="KOHINanumOTF Light"/>
-              </a:rPr>
-              <a:t>맵</a:t>
-            </a:r>
-            <a:r>
-              <a:rPr lang="en-US" sz="2500" b="0" i="0" u="none" strike="noStrike">
-                <a:solidFill>
-                  <a:srgbClr val="005F30"/>
-                </a:solidFill>
-                <a:latin typeface="KOHINanumOTF Light"/>
-              </a:rPr>
-              <a:t> </a:t>
-            </a:r>
-            <a:r>
-              <a:rPr lang="ko-KR" sz="2500" b="0" i="0" u="none" strike="noStrike">
-                <a:solidFill>
-                  <a:srgbClr val="005F30"/>
-                </a:solidFill>
-                <a:ea typeface="KOHINanumOTF Light"/>
-              </a:rPr>
-              <a:t>저장</a:t>
-            </a:r>
-            <a:r>
-              <a:rPr lang="en-US" sz="2500" b="0" i="0" u="none" strike="noStrike">
-                <a:solidFill>
-                  <a:srgbClr val="005F30"/>
-                </a:solidFill>
-                <a:latin typeface="KOHINanumOTF Light"/>
-              </a:rPr>
-              <a:t> </a:t>
-            </a:r>
-            <a:r>
-              <a:rPr lang="ko-KR" sz="2500" b="0" i="0" u="none" strike="noStrike">
-                <a:solidFill>
-                  <a:srgbClr val="005F30"/>
-                </a:solidFill>
-                <a:ea typeface="KOHINanumOTF Light"/>
-              </a:rPr>
-              <a:t>시</a:t>
-            </a:r>
-            <a:r>
-              <a:rPr lang="en-US" sz="2500" b="0" i="0" u="none" strike="noStrike">
-                <a:solidFill>
-                  <a:srgbClr val="005F30"/>
-                </a:solidFill>
-                <a:latin typeface="KOHINanumOTF Light"/>
-              </a:rPr>
-              <a:t>, JSON </a:t>
-            </a:r>
-            <a:r>
-              <a:rPr lang="ko-KR" sz="2500" b="0" i="0" u="none" strike="noStrike">
-                <a:solidFill>
-                  <a:srgbClr val="005F30"/>
-                </a:solidFill>
-                <a:ea typeface="KOHINanumOTF Light"/>
-              </a:rPr>
-              <a:t>형태의</a:t>
-            </a:r>
-            <a:r>
-              <a:rPr lang="en-US" sz="2500" b="0" i="0" u="none" strike="noStrike">
-                <a:solidFill>
-                  <a:srgbClr val="005F30"/>
-                </a:solidFill>
-                <a:latin typeface="KOHINanumOTF Light"/>
-              </a:rPr>
-              <a:t> </a:t>
-            </a:r>
-            <a:r>
-              <a:rPr lang="ko-KR" sz="2500" b="0" i="0" u="none" strike="noStrike">
-                <a:solidFill>
-                  <a:srgbClr val="005F30"/>
-                </a:solidFill>
-                <a:ea typeface="KOHINanumOTF Light"/>
-              </a:rPr>
-              <a:t>파일</a:t>
-            </a:r>
-            <a:r>
-              <a:rPr lang="en-US" sz="2500" b="0" i="0" u="none" strike="noStrike">
-                <a:solidFill>
-                  <a:srgbClr val="005F30"/>
-                </a:solidFill>
-                <a:latin typeface="KOHINanumOTF Light"/>
-              </a:rPr>
-              <a:t> </a:t>
-            </a:r>
-            <a:r>
-              <a:rPr lang="ko-KR" sz="2500" b="0" i="0" u="none" strike="noStrike">
-                <a:solidFill>
-                  <a:srgbClr val="005F30"/>
-                </a:solidFill>
-                <a:ea typeface="KOHINanumOTF Light"/>
-              </a:rPr>
-              <a:t>저장</a:t>
-            </a:r>
-            <a:r>
-              <a:rPr lang="en-US" sz="2500" b="0" i="0" u="none" strike="noStrike">
-                <a:solidFill>
-                  <a:srgbClr val="005F30"/>
-                </a:solidFill>
-                <a:latin typeface="KOHINanumOTF Light"/>
-              </a:rPr>
-              <a:t> </a:t>
-            </a:r>
-          </a:p>
-          <a:p>
-            <a:pPr lvl="0" algn="ctr">
-              <a:lnSpc>
-                <a:spcPct val="112880"/>
-              </a:lnSpc>
-            </a:pPr>
-            <a:r>
-              <a:rPr lang="ko-KR" sz="2500" b="0" i="0" u="none" strike="noStrike">
-                <a:solidFill>
-                  <a:srgbClr val="005F30"/>
-                </a:solidFill>
-                <a:ea typeface="KOHINanumOTF Light"/>
-              </a:rPr>
-              <a:t>및</a:t>
-            </a:r>
-          </a:p>
-          <a:p>
-            <a:pPr lvl="0" algn="ctr">
-              <a:lnSpc>
-                <a:spcPct val="112880"/>
-              </a:lnSpc>
-            </a:pPr>
-            <a:r>
-              <a:rPr lang="en-US" sz="2500" b="0" i="0" u="none" strike="noStrike">
-                <a:solidFill>
-                  <a:srgbClr val="005F30"/>
-                </a:solidFill>
-                <a:latin typeface="KOHINanumOTF Light"/>
-              </a:rPr>
-              <a:t> </a:t>
-            </a:r>
-            <a:r>
-              <a:rPr lang="ko-KR" sz="2500" b="0" i="0" u="none" strike="noStrike">
-                <a:solidFill>
-                  <a:srgbClr val="005F30"/>
-                </a:solidFill>
-                <a:ea typeface="KOHINanumOTF Light"/>
-              </a:rPr>
-              <a:t>불러오기를</a:t>
-            </a:r>
-            <a:r>
-              <a:rPr lang="en-US" sz="2500" b="0" i="0" u="none" strike="noStrike">
-                <a:solidFill>
-                  <a:srgbClr val="005F30"/>
-                </a:solidFill>
-                <a:latin typeface="KOHINanumOTF Light"/>
-              </a:rPr>
-              <a:t> </a:t>
-            </a:r>
-            <a:r>
-              <a:rPr lang="ko-KR" sz="2500" b="0" i="0" u="none" strike="noStrike">
-                <a:solidFill>
-                  <a:srgbClr val="005F30"/>
-                </a:solidFill>
-                <a:ea typeface="KOHINanumOTF Light"/>
-              </a:rPr>
-              <a:t>사용하여</a:t>
-            </a:r>
-            <a:r>
-              <a:rPr lang="en-US" sz="2500" b="0" i="0" u="none" strike="noStrike">
-                <a:solidFill>
-                  <a:srgbClr val="005F30"/>
-                </a:solidFill>
-                <a:latin typeface="KOHINanumOTF Light"/>
-              </a:rPr>
-              <a:t> </a:t>
-            </a:r>
-            <a:r>
-              <a:rPr lang="ko-KR" sz="2500" b="0" i="0" u="none" strike="noStrike">
-                <a:solidFill>
-                  <a:srgbClr val="005F30"/>
-                </a:solidFill>
-                <a:ea typeface="KOHINanumOTF Light"/>
-              </a:rPr>
-              <a:t>제작된</a:t>
-            </a:r>
-            <a:r>
-              <a:rPr lang="en-US" sz="2500" b="0" i="0" u="none" strike="noStrike">
-                <a:solidFill>
-                  <a:srgbClr val="005F30"/>
-                </a:solidFill>
-                <a:latin typeface="KOHINanumOTF Light"/>
-              </a:rPr>
-              <a:t> </a:t>
-            </a:r>
-            <a:r>
-              <a:rPr lang="ko-KR" sz="2500" b="0" i="0" u="none" strike="noStrike">
-                <a:solidFill>
-                  <a:srgbClr val="005F30"/>
-                </a:solidFill>
-                <a:ea typeface="KOHINanumOTF Light"/>
-              </a:rPr>
-              <a:t>맵</a:t>
-            </a:r>
-            <a:r>
-              <a:rPr lang="en-US" sz="2500" b="0" i="0" u="none" strike="noStrike">
-                <a:solidFill>
-                  <a:srgbClr val="005F30"/>
-                </a:solidFill>
-                <a:latin typeface="KOHINanumOTF Light"/>
-              </a:rPr>
-              <a:t> </a:t>
-            </a:r>
-            <a:r>
-              <a:rPr lang="ko-KR" sz="2500" b="0" i="0" u="none" strike="noStrike">
-                <a:solidFill>
-                  <a:srgbClr val="005F30"/>
-                </a:solidFill>
-                <a:ea typeface="KOHINanumOTF Light"/>
-              </a:rPr>
-              <a:t>플레이</a:t>
+              <a:t>09</a:t>
             </a:r>
           </a:p>
         </p:txBody>
@@ -15312,8 +12766,8 @@
         </p:nvSpPr>
         <p:spPr>
           <a:xfrm>
-            <a:off x="2349500" y="3860800"/>
-            <a:ext cx="1511300" cy="355600"/>
+            <a:off x="1524000" y="3530600"/>
+            <a:ext cx="1574800" cy="393700"/>
           </a:xfrm>
           <a:prstGeom prst="rect">
             <a:avLst/>
@@ -15329,13 +12783,22 @@
               </a:lnSpc>
             </a:pPr>
             <a:r>
-              <a:rPr lang="ko-KR" sz="2000" b="0" i="0" u="none" strike="noStrike">
-                <a:solidFill>
-                  <a:srgbClr val="FFFFFF"/>
+              <a:rPr lang="en-US" sz="2200" b="0" i="0" u="none" strike="noStrike">
+                <a:solidFill>
+                  <a:srgbClr val="005F30"/>
+                </a:solidFill>
+                <a:latin typeface="KOHIBaeumOTF"/>
+              </a:rPr>
+              <a:t>1~2</a:t>
+            </a:r>
+            <a:r>
+              <a:rPr lang="ko-KR" sz="2200" b="0" i="0" u="none" strike="noStrike">
+                <a:solidFill>
+                  <a:srgbClr val="005F30"/>
                 </a:solidFill>
                 <a:ea typeface="KOHIBaeumOTF"/>
               </a:rPr>
-              <a:t>컨트롤</a:t>
+              <a:t>주차</a:t>
             </a:r>
           </a:p>
         </p:txBody>
@@ -15348,8 +12811,967 @@
         </p:nvSpPr>
         <p:spPr>
           <a:xfrm>
-            <a:off x="2324100" y="5600700"/>
-            <a:ext cx="1511300" cy="355600"/>
+            <a:off x="1714500" y="4356100"/>
+            <a:ext cx="2781300" cy="330200"/>
+          </a:xfrm>
+          <a:prstGeom prst="rect">
+            <a:avLst/>
+          </a:prstGeom>
+        </p:spPr>
+        <p:txBody>
+          <a:bodyPr lIns="0" tIns="0" rIns="0" bIns="0" rtlCol="0" anchor="ctr"/>
+          <a:lstStyle/>
+          <a:p>
+            <a:pPr lvl="0" algn="l">
+              <a:lnSpc>
+                <a:spcPct val="112880"/>
+              </a:lnSpc>
+            </a:pPr>
+            <a:r>
+              <a:rPr lang="ko-KR" sz="1900" b="0" i="0" u="none" strike="noStrike">
+                <a:solidFill>
+                  <a:srgbClr val="FCF9EC"/>
+                </a:solidFill>
+                <a:ea typeface="KOHINanumOTF Bold"/>
+              </a:rPr>
+              <a:t>리소스</a:t>
+            </a:r>
+            <a:r>
+              <a:rPr lang="en-US" sz="1900" b="0" i="0" u="none" strike="noStrike">
+                <a:solidFill>
+                  <a:srgbClr val="FCF9EC"/>
+                </a:solidFill>
+                <a:latin typeface="KOHINanumOTF Bold"/>
+              </a:rPr>
+              <a:t> </a:t>
+            </a:r>
+            <a:r>
+              <a:rPr lang="ko-KR" sz="1900" b="0" i="0" u="none" strike="noStrike">
+                <a:solidFill>
+                  <a:srgbClr val="FCF9EC"/>
+                </a:solidFill>
+                <a:ea typeface="KOHINanumOTF Bold"/>
+              </a:rPr>
+              <a:t>수집</a:t>
+            </a:r>
+            <a:r>
+              <a:rPr lang="en-US" sz="1900" b="0" i="0" u="none" strike="noStrike">
+                <a:solidFill>
+                  <a:srgbClr val="FCF9EC"/>
+                </a:solidFill>
+                <a:latin typeface="KOHINanumOTF Bold"/>
+              </a:rPr>
+              <a:t> </a:t>
+            </a:r>
+            <a:r>
+              <a:rPr lang="ko-KR" sz="1900" b="0" i="0" u="none" strike="noStrike">
+                <a:solidFill>
+                  <a:srgbClr val="FCF9EC"/>
+                </a:solidFill>
+                <a:ea typeface="KOHINanumOTF Bold"/>
+              </a:rPr>
+              <a:t>및</a:t>
+            </a:r>
+            <a:r>
+              <a:rPr lang="en-US" sz="1900" b="0" i="0" u="none" strike="noStrike">
+                <a:solidFill>
+                  <a:srgbClr val="FCF9EC"/>
+                </a:solidFill>
+                <a:latin typeface="KOHINanumOTF Bold"/>
+              </a:rPr>
+              <a:t> </a:t>
+            </a:r>
+            <a:r>
+              <a:rPr lang="ko-KR" sz="1900" b="0" i="0" u="none" strike="noStrike">
+                <a:solidFill>
+                  <a:srgbClr val="FCF9EC"/>
+                </a:solidFill>
+                <a:ea typeface="KOHINanumOTF Bold"/>
+              </a:rPr>
+              <a:t>디자인</a:t>
+            </a:r>
+          </a:p>
+        </p:txBody>
+      </p:sp>
+      <p:sp>
+        <p:nvSpPr>
+          <p:cNvPr id="31" name="TextBox 31"/>
+          <p:cNvSpPr txBox="1"/>
+          <p:nvPr/>
+        </p:nvSpPr>
+        <p:spPr>
+          <a:xfrm>
+            <a:off x="4749800" y="5422900"/>
+            <a:ext cx="2781300" cy="330200"/>
+          </a:xfrm>
+          <a:prstGeom prst="rect">
+            <a:avLst/>
+          </a:prstGeom>
+        </p:spPr>
+        <p:txBody>
+          <a:bodyPr lIns="0" tIns="0" rIns="0" bIns="0" rtlCol="0" anchor="ctr"/>
+          <a:lstStyle/>
+          <a:p>
+            <a:pPr lvl="0" algn="l">
+              <a:lnSpc>
+                <a:spcPct val="112880"/>
+              </a:lnSpc>
+            </a:pPr>
+            <a:r>
+              <a:rPr lang="ko-KR" sz="1900" b="0" i="0" u="none" strike="noStrike">
+                <a:solidFill>
+                  <a:srgbClr val="FCF9EC"/>
+                </a:solidFill>
+                <a:ea typeface="KOHINanumOTF Bold"/>
+              </a:rPr>
+              <a:t>맵</a:t>
+            </a:r>
+            <a:r>
+              <a:rPr lang="en-US" sz="1900" b="0" i="0" u="none" strike="noStrike">
+                <a:solidFill>
+                  <a:srgbClr val="FCF9EC"/>
+                </a:solidFill>
+                <a:latin typeface="KOHINanumOTF Bold"/>
+              </a:rPr>
+              <a:t> </a:t>
+            </a:r>
+            <a:r>
+              <a:rPr lang="ko-KR" sz="1900" b="0" i="0" u="none" strike="noStrike">
+                <a:solidFill>
+                  <a:srgbClr val="FCF9EC"/>
+                </a:solidFill>
+                <a:ea typeface="KOHINanumOTF Bold"/>
+              </a:rPr>
+              <a:t>제작</a:t>
+            </a:r>
+            <a:r>
+              <a:rPr lang="en-US" sz="1900" b="0" i="0" u="none" strike="noStrike">
+                <a:solidFill>
+                  <a:srgbClr val="FCF9EC"/>
+                </a:solidFill>
+                <a:latin typeface="KOHINanumOTF Bold"/>
+              </a:rPr>
+              <a:t> </a:t>
+            </a:r>
+            <a:r>
+              <a:rPr lang="ko-KR" sz="1900" b="0" i="0" u="none" strike="noStrike">
+                <a:solidFill>
+                  <a:srgbClr val="FCF9EC"/>
+                </a:solidFill>
+                <a:ea typeface="KOHINanumOTF Bold"/>
+              </a:rPr>
+              <a:t>기능</a:t>
+            </a:r>
+            <a:r>
+              <a:rPr lang="en-US" sz="1900" b="0" i="0" u="none" strike="noStrike">
+                <a:solidFill>
+                  <a:srgbClr val="FCF9EC"/>
+                </a:solidFill>
+                <a:latin typeface="KOHINanumOTF Bold"/>
+              </a:rPr>
+              <a:t> </a:t>
+            </a:r>
+            <a:r>
+              <a:rPr lang="ko-KR" sz="1900" b="0" i="0" u="none" strike="noStrike">
+                <a:solidFill>
+                  <a:srgbClr val="FCF9EC"/>
+                </a:solidFill>
+                <a:ea typeface="KOHINanumOTF Bold"/>
+              </a:rPr>
+              <a:t>구현</a:t>
+            </a:r>
+          </a:p>
+        </p:txBody>
+      </p:sp>
+      <p:sp>
+        <p:nvSpPr>
+          <p:cNvPr id="32" name="TextBox 32"/>
+          <p:cNvSpPr txBox="1"/>
+          <p:nvPr/>
+        </p:nvSpPr>
+        <p:spPr>
+          <a:xfrm>
+            <a:off x="4559300" y="5867400"/>
+            <a:ext cx="5461000" cy="419100"/>
+          </a:xfrm>
+          <a:prstGeom prst="rect">
+            <a:avLst/>
+          </a:prstGeom>
+        </p:spPr>
+        <p:txBody>
+          <a:bodyPr lIns="0" tIns="0" rIns="0" bIns="0" rtlCol="0" anchor="ctr"/>
+          <a:lstStyle/>
+          <a:p>
+            <a:pPr lvl="0" algn="l">
+              <a:lnSpc>
+                <a:spcPct val="112880"/>
+              </a:lnSpc>
+            </a:pPr>
+            <a:r>
+              <a:rPr lang="en-US" sz="1200" b="0" i="0" u="none" strike="noStrike">
+                <a:solidFill>
+                  <a:srgbClr val="005F30"/>
+                </a:solidFill>
+                <a:latin typeface="KOHINanumOTF Light"/>
+              </a:rPr>
+              <a:t>3</a:t>
+            </a:r>
+            <a:r>
+              <a:rPr lang="ko-KR" sz="1200" b="0" i="0" u="none" strike="noStrike">
+                <a:solidFill>
+                  <a:srgbClr val="005F30"/>
+                </a:solidFill>
+                <a:ea typeface="KOHINanumOTF Light"/>
+              </a:rPr>
+              <a:t>주차</a:t>
+            </a:r>
+            <a:r>
+              <a:rPr lang="en-US" sz="1200" b="0" i="0" u="none" strike="noStrike">
+                <a:solidFill>
+                  <a:srgbClr val="005F30"/>
+                </a:solidFill>
+                <a:latin typeface="KOHINanumOTF Light"/>
+              </a:rPr>
+              <a:t>  : </a:t>
+            </a:r>
+            <a:r>
+              <a:rPr lang="ko-KR" sz="1200" b="0" i="0" u="none" strike="noStrike">
+                <a:solidFill>
+                  <a:srgbClr val="005F30"/>
+                </a:solidFill>
+                <a:ea typeface="KOHINanumOTF Light"/>
+              </a:rPr>
+              <a:t>드래그</a:t>
+            </a:r>
+            <a:r>
+              <a:rPr lang="en-US" sz="1200" b="0" i="0" u="none" strike="noStrike">
+                <a:solidFill>
+                  <a:srgbClr val="005F30"/>
+                </a:solidFill>
+                <a:latin typeface="KOHINanumOTF Light"/>
+              </a:rPr>
+              <a:t> </a:t>
+            </a:r>
+            <a:r>
+              <a:rPr lang="ko-KR" sz="1200" b="0" i="0" u="none" strike="noStrike">
+                <a:solidFill>
+                  <a:srgbClr val="005F30"/>
+                </a:solidFill>
+                <a:ea typeface="KOHINanumOTF Light"/>
+              </a:rPr>
+              <a:t>앤</a:t>
+            </a:r>
+            <a:r>
+              <a:rPr lang="en-US" sz="1200" b="0" i="0" u="none" strike="noStrike">
+                <a:solidFill>
+                  <a:srgbClr val="005F30"/>
+                </a:solidFill>
+                <a:latin typeface="KOHINanumOTF Light"/>
+              </a:rPr>
+              <a:t> </a:t>
+            </a:r>
+            <a:r>
+              <a:rPr lang="ko-KR" sz="1200" b="0" i="0" u="none" strike="noStrike">
+                <a:solidFill>
+                  <a:srgbClr val="005F30"/>
+                </a:solidFill>
+                <a:ea typeface="KOHINanumOTF Light"/>
+              </a:rPr>
+              <a:t>드롭</a:t>
+            </a:r>
+            <a:r>
+              <a:rPr lang="en-US" sz="1200" b="0" i="0" u="none" strike="noStrike">
+                <a:solidFill>
+                  <a:srgbClr val="005F30"/>
+                </a:solidFill>
+                <a:latin typeface="KOHINanumOTF Light"/>
+              </a:rPr>
+              <a:t>, </a:t>
+            </a:r>
+            <a:r>
+              <a:rPr lang="ko-KR" sz="1200" b="0" i="0" u="none" strike="noStrike">
+                <a:solidFill>
+                  <a:srgbClr val="005F30"/>
+                </a:solidFill>
+                <a:ea typeface="KOHINanumOTF Light"/>
+              </a:rPr>
+              <a:t>타일</a:t>
+            </a:r>
+            <a:r>
+              <a:rPr lang="en-US" sz="1200" b="0" i="0" u="none" strike="noStrike">
+                <a:solidFill>
+                  <a:srgbClr val="005F30"/>
+                </a:solidFill>
+                <a:latin typeface="KOHINanumOTF Light"/>
+              </a:rPr>
+              <a:t> </a:t>
+            </a:r>
+            <a:r>
+              <a:rPr lang="ko-KR" sz="1200" b="0" i="0" u="none" strike="noStrike">
+                <a:solidFill>
+                  <a:srgbClr val="005F30"/>
+                </a:solidFill>
+                <a:ea typeface="KOHINanumOTF Light"/>
+              </a:rPr>
+              <a:t>구성</a:t>
+            </a:r>
+            <a:r>
+              <a:rPr lang="en-US" sz="1200" b="0" i="0" u="none" strike="noStrike">
+                <a:solidFill>
+                  <a:srgbClr val="005F30"/>
+                </a:solidFill>
+                <a:latin typeface="KOHINanumOTF Light"/>
+              </a:rPr>
+              <a:t>,</a:t>
+            </a:r>
+          </a:p>
+          <a:p>
+            <a:pPr lvl="0" algn="l">
+              <a:lnSpc>
+                <a:spcPct val="112880"/>
+              </a:lnSpc>
+            </a:pPr>
+            <a:r>
+              <a:rPr lang="en-US" sz="1200" b="0" i="0" u="none" strike="noStrike">
+                <a:solidFill>
+                  <a:srgbClr val="005F30"/>
+                </a:solidFill>
+                <a:latin typeface="KOHINanumOTF Light"/>
+              </a:rPr>
+              <a:t>4</a:t>
+            </a:r>
+            <a:r>
+              <a:rPr lang="ko-KR" sz="1200" b="0" i="0" u="none" strike="noStrike">
+                <a:solidFill>
+                  <a:srgbClr val="005F30"/>
+                </a:solidFill>
+                <a:ea typeface="KOHINanumOTF Light"/>
+              </a:rPr>
+              <a:t>주차</a:t>
+            </a:r>
+            <a:r>
+              <a:rPr lang="en-US" sz="1200" b="0" i="0" u="none" strike="noStrike">
+                <a:solidFill>
+                  <a:srgbClr val="005F30"/>
+                </a:solidFill>
+                <a:latin typeface="KOHINanumOTF Light"/>
+              </a:rPr>
+              <a:t>:  </a:t>
+            </a:r>
+            <a:r>
+              <a:rPr lang="ko-KR" sz="1200" b="0" i="0" u="none" strike="noStrike">
+                <a:solidFill>
+                  <a:srgbClr val="005F30"/>
+                </a:solidFill>
+                <a:ea typeface="KOHINanumOTF Light"/>
+              </a:rPr>
+              <a:t>맵</a:t>
+            </a:r>
+            <a:r>
+              <a:rPr lang="en-US" sz="1200" b="0" i="0" u="none" strike="noStrike">
+                <a:solidFill>
+                  <a:srgbClr val="005F30"/>
+                </a:solidFill>
+                <a:latin typeface="KOHINanumOTF Light"/>
+              </a:rPr>
+              <a:t> </a:t>
+            </a:r>
+            <a:r>
+              <a:rPr lang="ko-KR" sz="1200" b="0" i="0" u="none" strike="noStrike">
+                <a:solidFill>
+                  <a:srgbClr val="005F30"/>
+                </a:solidFill>
+                <a:ea typeface="KOHINanumOTF Light"/>
+              </a:rPr>
+              <a:t>불러오기</a:t>
+            </a:r>
+            <a:r>
+              <a:rPr lang="en-US" sz="1200" b="0" i="0" u="none" strike="noStrike">
+                <a:solidFill>
+                  <a:srgbClr val="005F30"/>
+                </a:solidFill>
+                <a:latin typeface="KOHINanumOTF Light"/>
+              </a:rPr>
+              <a:t>, </a:t>
+            </a:r>
+            <a:r>
+              <a:rPr lang="ko-KR" sz="1200" b="0" i="0" u="none" strike="noStrike">
+                <a:solidFill>
+                  <a:srgbClr val="005F30"/>
+                </a:solidFill>
+                <a:ea typeface="KOHINanumOTF Light"/>
+              </a:rPr>
+              <a:t>타일에</a:t>
+            </a:r>
+            <a:r>
+              <a:rPr lang="en-US" sz="1200" b="0" i="0" u="none" strike="noStrike">
+                <a:solidFill>
+                  <a:srgbClr val="005F30"/>
+                </a:solidFill>
+                <a:latin typeface="KOHINanumOTF Light"/>
+              </a:rPr>
+              <a:t> </a:t>
+            </a:r>
+            <a:r>
+              <a:rPr lang="ko-KR" sz="1200" b="0" i="0" u="none" strike="noStrike">
+                <a:solidFill>
+                  <a:srgbClr val="005F30"/>
+                </a:solidFill>
+                <a:ea typeface="KOHINanumOTF Light"/>
+              </a:rPr>
+              <a:t>따른</a:t>
+            </a:r>
+            <a:r>
+              <a:rPr lang="en-US" sz="1200" b="0" i="0" u="none" strike="noStrike">
+                <a:solidFill>
+                  <a:srgbClr val="005F30"/>
+                </a:solidFill>
+                <a:latin typeface="KOHINanumOTF Light"/>
+              </a:rPr>
+              <a:t> </a:t>
+            </a:r>
+            <a:r>
+              <a:rPr lang="ko-KR" sz="1200" b="0" i="0" u="none" strike="noStrike">
+                <a:solidFill>
+                  <a:srgbClr val="005F30"/>
+                </a:solidFill>
+                <a:ea typeface="KOHINanumOTF Light"/>
+              </a:rPr>
+              <a:t>블록</a:t>
+            </a:r>
+            <a:r>
+              <a:rPr lang="en-US" sz="1200" b="0" i="0" u="none" strike="noStrike">
+                <a:solidFill>
+                  <a:srgbClr val="005F30"/>
+                </a:solidFill>
+                <a:latin typeface="KOHINanumOTF Light"/>
+              </a:rPr>
+              <a:t> </a:t>
+            </a:r>
+            <a:r>
+              <a:rPr lang="ko-KR" sz="1200" b="0" i="0" u="none" strike="noStrike">
+                <a:solidFill>
+                  <a:srgbClr val="005F30"/>
+                </a:solidFill>
+                <a:ea typeface="KOHINanumOTF Light"/>
+              </a:rPr>
+              <a:t>기능</a:t>
+            </a:r>
+            <a:r>
+              <a:rPr lang="en-US" sz="1200" b="0" i="0" u="none" strike="noStrike">
+                <a:solidFill>
+                  <a:srgbClr val="005F30"/>
+                </a:solidFill>
+                <a:latin typeface="KOHINanumOTF Light"/>
+              </a:rPr>
+              <a:t> </a:t>
+            </a:r>
+            <a:r>
+              <a:rPr lang="ko-KR" sz="1200" b="0" i="0" u="none" strike="noStrike">
+                <a:solidFill>
+                  <a:srgbClr val="005F30"/>
+                </a:solidFill>
+                <a:ea typeface="KOHINanumOTF Light"/>
+              </a:rPr>
+              <a:t>구현</a:t>
+            </a:r>
+          </a:p>
+        </p:txBody>
+      </p:sp>
+      <p:sp>
+        <p:nvSpPr>
+          <p:cNvPr id="33" name="TextBox 33"/>
+          <p:cNvSpPr txBox="1"/>
+          <p:nvPr/>
+        </p:nvSpPr>
+        <p:spPr>
+          <a:xfrm>
+            <a:off x="7810500" y="6502400"/>
+            <a:ext cx="2781300" cy="330200"/>
+          </a:xfrm>
+          <a:prstGeom prst="rect">
+            <a:avLst/>
+          </a:prstGeom>
+        </p:spPr>
+        <p:txBody>
+          <a:bodyPr lIns="0" tIns="0" rIns="0" bIns="0" rtlCol="0" anchor="ctr"/>
+          <a:lstStyle/>
+          <a:p>
+            <a:pPr lvl="0" algn="l">
+              <a:lnSpc>
+                <a:spcPct val="112880"/>
+              </a:lnSpc>
+            </a:pPr>
+            <a:r>
+              <a:rPr lang="ko-KR" sz="1900" b="0" i="0" u="none" strike="noStrike">
+                <a:solidFill>
+                  <a:srgbClr val="FCF9EC"/>
+                </a:solidFill>
+                <a:ea typeface="KOHINanumOTF Bold"/>
+              </a:rPr>
+              <a:t>게임</a:t>
+            </a:r>
+            <a:r>
+              <a:rPr lang="en-US" sz="1900" b="0" i="0" u="none" strike="noStrike">
+                <a:solidFill>
+                  <a:srgbClr val="FCF9EC"/>
+                </a:solidFill>
+                <a:latin typeface="KOHINanumOTF Bold"/>
+              </a:rPr>
+              <a:t> </a:t>
+            </a:r>
+            <a:r>
+              <a:rPr lang="ko-KR" sz="1900" b="0" i="0" u="none" strike="noStrike">
+                <a:solidFill>
+                  <a:srgbClr val="FCF9EC"/>
+                </a:solidFill>
+                <a:ea typeface="KOHINanumOTF Bold"/>
+              </a:rPr>
+              <a:t>플레이</a:t>
+            </a:r>
+            <a:r>
+              <a:rPr lang="en-US" sz="1900" b="0" i="0" u="none" strike="noStrike">
+                <a:solidFill>
+                  <a:srgbClr val="FCF9EC"/>
+                </a:solidFill>
+                <a:latin typeface="KOHINanumOTF Bold"/>
+              </a:rPr>
+              <a:t> </a:t>
+            </a:r>
+            <a:r>
+              <a:rPr lang="ko-KR" sz="1900" b="0" i="0" u="none" strike="noStrike">
+                <a:solidFill>
+                  <a:srgbClr val="FCF9EC"/>
+                </a:solidFill>
+                <a:ea typeface="KOHINanumOTF Bold"/>
+              </a:rPr>
+              <a:t>구현</a:t>
+            </a:r>
+          </a:p>
+        </p:txBody>
+      </p:sp>
+      <p:sp>
+        <p:nvSpPr>
+          <p:cNvPr id="34" name="TextBox 34"/>
+          <p:cNvSpPr txBox="1"/>
+          <p:nvPr/>
+        </p:nvSpPr>
+        <p:spPr>
+          <a:xfrm>
+            <a:off x="7620000" y="6946900"/>
+            <a:ext cx="3581400" cy="419100"/>
+          </a:xfrm>
+          <a:prstGeom prst="rect">
+            <a:avLst/>
+          </a:prstGeom>
+        </p:spPr>
+        <p:txBody>
+          <a:bodyPr lIns="0" tIns="0" rIns="0" bIns="0" rtlCol="0" anchor="ctr"/>
+          <a:lstStyle/>
+          <a:p>
+            <a:pPr lvl="0" algn="l">
+              <a:lnSpc>
+                <a:spcPct val="112880"/>
+              </a:lnSpc>
+            </a:pPr>
+            <a:r>
+              <a:rPr lang="en-US" sz="1200" b="0" i="0" u="none" strike="noStrike" dirty="0">
+                <a:solidFill>
+                  <a:srgbClr val="005F30"/>
+                </a:solidFill>
+                <a:latin typeface="KOHINanumOTF Light"/>
+              </a:rPr>
+              <a:t>5</a:t>
+            </a:r>
+            <a:r>
+              <a:rPr lang="ko-KR" sz="1200" b="0" i="0" u="none" strike="noStrike" dirty="0">
+                <a:solidFill>
+                  <a:srgbClr val="005F30"/>
+                </a:solidFill>
+                <a:ea typeface="KOHINanumOTF Light"/>
+              </a:rPr>
+              <a:t>주차</a:t>
+            </a:r>
+            <a:r>
+              <a:rPr lang="en-US" sz="1200" b="0" i="0" u="none" strike="noStrike" dirty="0">
+                <a:solidFill>
+                  <a:srgbClr val="005F30"/>
+                </a:solidFill>
+                <a:latin typeface="KOHINanumOTF Light"/>
+              </a:rPr>
+              <a:t> : </a:t>
+            </a:r>
+            <a:r>
+              <a:rPr lang="ko-KR" sz="1200" b="0" i="0" u="none" strike="noStrike" dirty="0">
+                <a:solidFill>
+                  <a:srgbClr val="005F30"/>
+                </a:solidFill>
+                <a:ea typeface="KOHINanumOTF Light"/>
+              </a:rPr>
+              <a:t>캐릭터</a:t>
+            </a:r>
+            <a:r>
+              <a:rPr lang="en-US" sz="1200" b="0" i="0" u="none" strike="noStrike" dirty="0">
+                <a:solidFill>
+                  <a:srgbClr val="005F30"/>
+                </a:solidFill>
+                <a:latin typeface="KOHINanumOTF Light"/>
+              </a:rPr>
+              <a:t> </a:t>
+            </a:r>
+            <a:r>
+              <a:rPr lang="ko-KR" sz="1200" b="0" i="0" u="none" strike="noStrike" dirty="0">
+                <a:solidFill>
+                  <a:srgbClr val="005F30"/>
+                </a:solidFill>
+                <a:ea typeface="KOHINanumOTF Light"/>
+              </a:rPr>
+              <a:t>움직임</a:t>
+            </a:r>
+            <a:r>
+              <a:rPr lang="en-US" sz="1200" b="0" i="0" u="none" strike="noStrike" dirty="0">
+                <a:solidFill>
+                  <a:srgbClr val="005F30"/>
+                </a:solidFill>
+                <a:latin typeface="KOHINanumOTF Light"/>
+              </a:rPr>
+              <a:t> </a:t>
+            </a:r>
+            <a:r>
+              <a:rPr lang="ko-KR" sz="1200" b="0" i="0" u="none" strike="noStrike" dirty="0">
+                <a:solidFill>
+                  <a:srgbClr val="005F30"/>
+                </a:solidFill>
+                <a:ea typeface="KOHINanumOTF Light"/>
+              </a:rPr>
+              <a:t>구현</a:t>
+            </a:r>
+            <a:r>
+              <a:rPr lang="en-US" sz="1200" b="0" i="0" u="none" strike="noStrike" dirty="0">
+                <a:solidFill>
+                  <a:srgbClr val="005F30"/>
+                </a:solidFill>
+                <a:latin typeface="KOHINanumOTF Light"/>
+              </a:rPr>
+              <a:t>, </a:t>
+            </a:r>
+            <a:r>
+              <a:rPr lang="ko-KR" sz="1200" b="0" i="0" u="none" strike="noStrike" dirty="0">
+                <a:solidFill>
+                  <a:srgbClr val="005F30"/>
+                </a:solidFill>
+                <a:ea typeface="KOHINanumOTF Light"/>
+              </a:rPr>
+              <a:t>캐릭터와</a:t>
+            </a:r>
+            <a:r>
+              <a:rPr lang="en-US" sz="1200" b="0" i="0" u="none" strike="noStrike" dirty="0">
+                <a:solidFill>
+                  <a:srgbClr val="005F30"/>
+                </a:solidFill>
+                <a:latin typeface="KOHINanumOTF Light"/>
+              </a:rPr>
+              <a:t> </a:t>
+            </a:r>
+            <a:r>
+              <a:rPr lang="ko-KR" sz="1200" b="0" i="0" u="none" strike="noStrike" dirty="0">
+                <a:solidFill>
+                  <a:srgbClr val="005F30"/>
+                </a:solidFill>
+                <a:ea typeface="KOHINanumOTF Light"/>
+              </a:rPr>
+              <a:t>블록</a:t>
+            </a:r>
+            <a:r>
+              <a:rPr lang="en-US" sz="1200" b="0" i="0" u="none" strike="noStrike" dirty="0">
+                <a:solidFill>
+                  <a:srgbClr val="005F30"/>
+                </a:solidFill>
+                <a:latin typeface="KOHINanumOTF Light"/>
+              </a:rPr>
+              <a:t> </a:t>
+            </a:r>
+            <a:r>
+              <a:rPr lang="ko-KR" sz="1200" b="0" i="0" u="none" strike="noStrike" dirty="0">
+                <a:solidFill>
+                  <a:srgbClr val="005F30"/>
+                </a:solidFill>
+                <a:ea typeface="KOHINanumOTF Light"/>
+              </a:rPr>
+              <a:t>충돌</a:t>
+            </a:r>
+            <a:r>
+              <a:rPr lang="en-US" sz="1200" b="0" i="0" u="none" strike="noStrike" dirty="0">
+                <a:solidFill>
+                  <a:srgbClr val="005F30"/>
+                </a:solidFill>
+                <a:latin typeface="KOHINanumOTF Light"/>
+              </a:rPr>
+              <a:t> </a:t>
+            </a:r>
+            <a:r>
+              <a:rPr lang="ko-KR" sz="1200" b="0" i="0" u="none" strike="noStrike" dirty="0">
+                <a:solidFill>
+                  <a:srgbClr val="005F30"/>
+                </a:solidFill>
+                <a:ea typeface="KOHINanumOTF Light"/>
+              </a:rPr>
+              <a:t>구현</a:t>
+            </a:r>
+          </a:p>
+          <a:p>
+            <a:pPr lvl="0" algn="l">
+              <a:lnSpc>
+                <a:spcPct val="112880"/>
+              </a:lnSpc>
+            </a:pPr>
+            <a:r>
+              <a:rPr lang="en-US" sz="1200" b="0" i="0" u="none" strike="noStrike" dirty="0">
+                <a:solidFill>
+                  <a:srgbClr val="005F30"/>
+                </a:solidFill>
+                <a:latin typeface="KOHINanumOTF Light"/>
+              </a:rPr>
+              <a:t>6</a:t>
+            </a:r>
+            <a:r>
+              <a:rPr lang="ko-KR" sz="1200" b="0" i="0" u="none" strike="noStrike" dirty="0">
+                <a:solidFill>
+                  <a:srgbClr val="005F30"/>
+                </a:solidFill>
+                <a:ea typeface="KOHINanumOTF Light"/>
+              </a:rPr>
+              <a:t>주차</a:t>
+            </a:r>
+            <a:r>
+              <a:rPr lang="en-US" sz="1200" b="0" i="0" u="none" strike="noStrike" dirty="0">
+                <a:solidFill>
+                  <a:srgbClr val="005F30"/>
+                </a:solidFill>
+                <a:latin typeface="KOHINanumOTF Light"/>
+              </a:rPr>
+              <a:t> : </a:t>
+            </a:r>
+            <a:r>
+              <a:rPr lang="ko-KR" sz="1200" b="0" i="0" u="none" strike="noStrike" dirty="0">
+                <a:solidFill>
+                  <a:srgbClr val="005F30"/>
+                </a:solidFill>
+                <a:ea typeface="KOHINanumOTF Light"/>
+              </a:rPr>
+              <a:t>캐릭터와</a:t>
+            </a:r>
+            <a:r>
+              <a:rPr lang="en-US" sz="1200" b="0" i="0" u="none" strike="noStrike" dirty="0">
+                <a:solidFill>
+                  <a:srgbClr val="005F30"/>
+                </a:solidFill>
+                <a:latin typeface="KOHINanumOTF Light"/>
+              </a:rPr>
+              <a:t> </a:t>
+            </a:r>
+            <a:r>
+              <a:rPr lang="ko-KR" sz="1200" b="0" i="0" u="none" strike="noStrike" dirty="0">
+                <a:solidFill>
+                  <a:srgbClr val="005F30"/>
+                </a:solidFill>
+                <a:ea typeface="KOHINanumOTF Light"/>
+              </a:rPr>
+              <a:t>블록의</a:t>
+            </a:r>
+            <a:r>
+              <a:rPr lang="en-US" sz="1200" b="0" i="0" u="none" strike="noStrike" dirty="0">
+                <a:solidFill>
+                  <a:srgbClr val="005F30"/>
+                </a:solidFill>
+                <a:latin typeface="KOHINanumOTF Light"/>
+              </a:rPr>
+              <a:t> </a:t>
+            </a:r>
+            <a:r>
+              <a:rPr lang="ko-KR" sz="1200" b="0" i="0" u="none" strike="noStrike" dirty="0" err="1">
+                <a:solidFill>
+                  <a:srgbClr val="005F30"/>
+                </a:solidFill>
+                <a:ea typeface="KOHINanumOTF Light"/>
+              </a:rPr>
+              <a:t>기믹</a:t>
+            </a:r>
+            <a:r>
+              <a:rPr lang="en-US" sz="1200" b="0" i="0" u="none" strike="noStrike" dirty="0">
+                <a:solidFill>
+                  <a:srgbClr val="005F30"/>
+                </a:solidFill>
+                <a:latin typeface="KOHINanumOTF Light"/>
+              </a:rPr>
+              <a:t> </a:t>
+            </a:r>
+            <a:r>
+              <a:rPr lang="ko-KR" sz="1200" b="0" i="0" u="none" strike="noStrike" dirty="0">
+                <a:solidFill>
+                  <a:srgbClr val="005F30"/>
+                </a:solidFill>
+                <a:ea typeface="KOHINanumOTF Light"/>
+              </a:rPr>
+              <a:t>구현</a:t>
+            </a:r>
+          </a:p>
+        </p:txBody>
+      </p:sp>
+      <p:sp>
+        <p:nvSpPr>
+          <p:cNvPr id="35" name="TextBox 35"/>
+          <p:cNvSpPr txBox="1"/>
+          <p:nvPr/>
+        </p:nvSpPr>
+        <p:spPr>
+          <a:xfrm>
+            <a:off x="10845800" y="7543800"/>
+            <a:ext cx="2781300" cy="330200"/>
+          </a:xfrm>
+          <a:prstGeom prst="rect">
+            <a:avLst/>
+          </a:prstGeom>
+        </p:spPr>
+        <p:txBody>
+          <a:bodyPr lIns="0" tIns="0" rIns="0" bIns="0" rtlCol="0" anchor="ctr"/>
+          <a:lstStyle/>
+          <a:p>
+            <a:pPr lvl="0" algn="l">
+              <a:lnSpc>
+                <a:spcPct val="112880"/>
+              </a:lnSpc>
+            </a:pPr>
+            <a:r>
+              <a:rPr lang="ko-KR" sz="1900" b="0" i="0" u="none" strike="noStrike">
+                <a:solidFill>
+                  <a:srgbClr val="FCF9EC"/>
+                </a:solidFill>
+                <a:ea typeface="KOHINanumOTF Bold"/>
+              </a:rPr>
+              <a:t>사운드</a:t>
+            </a:r>
+            <a:r>
+              <a:rPr lang="en-US" sz="1900" b="0" i="0" u="none" strike="noStrike">
+                <a:solidFill>
+                  <a:srgbClr val="FCF9EC"/>
+                </a:solidFill>
+                <a:latin typeface="KOHINanumOTF Bold"/>
+              </a:rPr>
+              <a:t> </a:t>
+            </a:r>
+            <a:r>
+              <a:rPr lang="ko-KR" sz="1900" b="0" i="0" u="none" strike="noStrike">
+                <a:solidFill>
+                  <a:srgbClr val="FCF9EC"/>
+                </a:solidFill>
+                <a:ea typeface="KOHINanumOTF Bold"/>
+              </a:rPr>
+              <a:t>추가</a:t>
+            </a:r>
+            <a:r>
+              <a:rPr lang="en-US" sz="1900" b="0" i="0" u="none" strike="noStrike">
+                <a:solidFill>
+                  <a:srgbClr val="FCF9EC"/>
+                </a:solidFill>
+                <a:latin typeface="KOHINanumOTF Bold"/>
+              </a:rPr>
+              <a:t> </a:t>
+            </a:r>
+            <a:r>
+              <a:rPr lang="ko-KR" sz="1900" b="0" i="0" u="none" strike="noStrike">
+                <a:solidFill>
+                  <a:srgbClr val="FCF9EC"/>
+                </a:solidFill>
+                <a:ea typeface="KOHINanumOTF Bold"/>
+              </a:rPr>
+              <a:t>및</a:t>
+            </a:r>
+            <a:r>
+              <a:rPr lang="en-US" sz="1900" b="0" i="0" u="none" strike="noStrike">
+                <a:solidFill>
+                  <a:srgbClr val="FCF9EC"/>
+                </a:solidFill>
+                <a:latin typeface="KOHINanumOTF Bold"/>
+              </a:rPr>
+              <a:t> </a:t>
+            </a:r>
+            <a:r>
+              <a:rPr lang="ko-KR" sz="1900" b="0" i="0" u="none" strike="noStrike">
+                <a:solidFill>
+                  <a:srgbClr val="FCF9EC"/>
+                </a:solidFill>
+                <a:ea typeface="KOHINanumOTF Bold"/>
+              </a:rPr>
+              <a:t>보완</a:t>
+            </a:r>
+          </a:p>
+        </p:txBody>
+      </p:sp>
+      <p:sp>
+        <p:nvSpPr>
+          <p:cNvPr id="36" name="TextBox 36"/>
+          <p:cNvSpPr txBox="1"/>
+          <p:nvPr/>
+        </p:nvSpPr>
+        <p:spPr>
+          <a:xfrm>
+            <a:off x="13906500" y="8623300"/>
+            <a:ext cx="2781300" cy="330200"/>
+          </a:xfrm>
+          <a:prstGeom prst="rect">
+            <a:avLst/>
+          </a:prstGeom>
+        </p:spPr>
+        <p:txBody>
+          <a:bodyPr lIns="0" tIns="0" rIns="0" bIns="0" rtlCol="0" anchor="ctr"/>
+          <a:lstStyle/>
+          <a:p>
+            <a:pPr lvl="0" algn="l">
+              <a:lnSpc>
+                <a:spcPct val="112880"/>
+              </a:lnSpc>
+            </a:pPr>
+            <a:r>
+              <a:rPr lang="ko-KR" sz="1900" b="0" i="0" u="none" strike="noStrike">
+                <a:solidFill>
+                  <a:srgbClr val="FCF9EC"/>
+                </a:solidFill>
+                <a:ea typeface="KOHINanumOTF Bold"/>
+              </a:rPr>
+              <a:t>최종</a:t>
+            </a:r>
+            <a:r>
+              <a:rPr lang="en-US" sz="1900" b="0" i="0" u="none" strike="noStrike">
+                <a:solidFill>
+                  <a:srgbClr val="FCF9EC"/>
+                </a:solidFill>
+                <a:latin typeface="KOHINanumOTF Bold"/>
+              </a:rPr>
+              <a:t> </a:t>
+            </a:r>
+            <a:r>
+              <a:rPr lang="ko-KR" sz="1900" b="0" i="0" u="none" strike="noStrike">
+                <a:solidFill>
+                  <a:srgbClr val="FCF9EC"/>
+                </a:solidFill>
+                <a:ea typeface="KOHINanumOTF Bold"/>
+              </a:rPr>
+              <a:t>점검</a:t>
+            </a:r>
+          </a:p>
+        </p:txBody>
+      </p:sp>
+      <p:sp>
+        <p:nvSpPr>
+          <p:cNvPr id="37" name="TextBox 37"/>
+          <p:cNvSpPr txBox="1"/>
+          <p:nvPr/>
+        </p:nvSpPr>
+        <p:spPr>
+          <a:xfrm>
+            <a:off x="4533900" y="3517900"/>
+            <a:ext cx="1574800" cy="393700"/>
           </a:xfrm>
           <a:prstGeom prst="rect">
             <a:avLst/>
@@ -15365,45 +13787,36 @@
               </a:lnSpc>
             </a:pPr>
             <a:r>
-              <a:rPr lang="ko-KR" sz="2000" b="0" i="0" u="none" strike="noStrike">
-                <a:solidFill>
-                  <a:srgbClr val="FFFFFF"/>
+              <a:rPr lang="en-US" sz="2200" b="0" i="0" u="none" strike="noStrike">
+                <a:solidFill>
+                  <a:srgbClr val="005F30"/>
+                </a:solidFill>
+                <a:latin typeface="KOHIBaeumOTF"/>
+              </a:rPr>
+              <a:t>3~4</a:t>
+            </a:r>
+            <a:r>
+              <a:rPr lang="ko-KR" sz="2200" b="0" i="0" u="none" strike="noStrike">
+                <a:solidFill>
+                  <a:srgbClr val="005F30"/>
                 </a:solidFill>
                 <a:ea typeface="KOHIBaeumOTF"/>
               </a:rPr>
-              <a:t>맵</a:t>
-            </a:r>
-            <a:r>
-              <a:rPr lang="en-US" sz="2000" b="0" i="0" u="none" strike="noStrike">
-                <a:solidFill>
-                  <a:srgbClr val="FFFFFF"/>
-                </a:solidFill>
-                <a:latin typeface="KOHIBaeumOTF"/>
-              </a:rPr>
-              <a:t> </a:t>
-            </a:r>
-            <a:r>
-              <a:rPr lang="ko-KR" sz="2000" b="0" i="0" u="none" strike="noStrike">
-                <a:solidFill>
-                  <a:srgbClr val="FFFFFF"/>
-                </a:solidFill>
-                <a:ea typeface="KOHIBaeumOTF"/>
-              </a:rPr>
-              <a:t>제작</a:t>
-            </a:r>
-          </a:p>
-        </p:txBody>
-      </p:sp>
-      <p:sp>
-        <p:nvSpPr>
-          <p:cNvPr id="31" name="TextBox 31"/>
+              <a:t>주차</a:t>
+            </a:r>
+          </a:p>
+        </p:txBody>
+      </p:sp>
+      <p:sp>
+        <p:nvSpPr>
+          <p:cNvPr id="38" name="TextBox 38"/>
           <p:cNvSpPr txBox="1"/>
           <p:nvPr/>
         </p:nvSpPr>
         <p:spPr>
           <a:xfrm>
-            <a:off x="2349500" y="7797800"/>
-            <a:ext cx="1511300" cy="660400"/>
+            <a:off x="7594600" y="3505200"/>
+            <a:ext cx="1574800" cy="393700"/>
           </a:xfrm>
           <a:prstGeom prst="rect">
             <a:avLst/>
@@ -15419,33 +13832,44 @@
               </a:lnSpc>
             </a:pPr>
             <a:r>
-              <a:rPr lang="ko-KR" sz="2000" b="0" i="0" u="none" strike="noStrike">
-                <a:solidFill>
-                  <a:srgbClr val="FFFFFF"/>
+              <a:rPr lang="en-US" sz="2200" b="0" i="0" u="none" strike="noStrike">
+                <a:solidFill>
+                  <a:srgbClr val="005F30"/>
+                </a:solidFill>
+                <a:latin typeface="KOHIBaeumOTF"/>
+              </a:rPr>
+              <a:t>5~6</a:t>
+            </a:r>
+            <a:r>
+              <a:rPr lang="ko-KR" sz="2200" b="0" i="0" u="none" strike="noStrike">
+                <a:solidFill>
+                  <a:srgbClr val="005F30"/>
                 </a:solidFill>
                 <a:ea typeface="KOHIBaeumOTF"/>
               </a:rPr>
-              <a:t>맵</a:t>
-            </a:r>
-            <a:r>
-              <a:rPr lang="en-US" sz="2000" b="0" i="0" u="none" strike="noStrike">
-                <a:solidFill>
-                  <a:srgbClr val="FFFFFF"/>
-                </a:solidFill>
-                <a:latin typeface="KOHIBaeumOTF"/>
-              </a:rPr>
-              <a:t> </a:t>
-            </a:r>
-            <a:r>
-              <a:rPr lang="ko-KR" sz="2000" b="0" i="0" u="none" strike="noStrike">
-                <a:solidFill>
-                  <a:srgbClr val="FFFFFF"/>
-                </a:solidFill>
-                <a:ea typeface="KOHIBaeumOTF"/>
-              </a:rPr>
-              <a:t>저장</a:t>
-            </a:r>
-          </a:p>
+              <a:t>주차</a:t>
+            </a:r>
+          </a:p>
+        </p:txBody>
+      </p:sp>
+      <p:sp>
+        <p:nvSpPr>
+          <p:cNvPr id="39" name="TextBox 39"/>
+          <p:cNvSpPr txBox="1"/>
+          <p:nvPr/>
+        </p:nvSpPr>
+        <p:spPr>
+          <a:xfrm>
+            <a:off x="10629900" y="3517900"/>
+            <a:ext cx="1270000" cy="393700"/>
+          </a:xfrm>
+          <a:prstGeom prst="rect">
+            <a:avLst/>
+          </a:prstGeom>
+        </p:spPr>
+        <p:txBody>
+          <a:bodyPr lIns="0" tIns="0" rIns="0" bIns="0" rtlCol="0" anchor="ctr"/>
+          <a:lstStyle/>
           <a:p>
             <a:pPr lvl="0" algn="ctr">
               <a:lnSpc>
@@ -15453,22 +13877,67 @@
               </a:lnSpc>
             </a:pPr>
             <a:r>
-              <a:rPr lang="en-US" sz="2000" b="0" i="0" u="none" strike="noStrike">
-                <a:solidFill>
-                  <a:srgbClr val="FFFFFF"/>
+              <a:rPr lang="en-US" sz="2200" b="0" i="0" u="none" strike="noStrike">
+                <a:solidFill>
+                  <a:srgbClr val="005F30"/>
                 </a:solidFill>
                 <a:latin typeface="KOHIBaeumOTF"/>
               </a:rPr>
-              <a:t>&amp; </a:t>
-            </a:r>
-            <a:r>
-              <a:rPr lang="ko-KR" sz="2000" b="0" i="0" u="none" strike="noStrike">
-                <a:solidFill>
-                  <a:srgbClr val="FFFFFF"/>
+              <a:t>7</a:t>
+            </a:r>
+            <a:r>
+              <a:rPr lang="ko-KR" sz="2200" b="0" i="0" u="none" strike="noStrike">
+                <a:solidFill>
+                  <a:srgbClr val="005F30"/>
                 </a:solidFill>
                 <a:ea typeface="KOHIBaeumOTF"/>
               </a:rPr>
-              <a:t>공유</a:t>
+              <a:t>주차</a:t>
+            </a:r>
+          </a:p>
+        </p:txBody>
+      </p:sp>
+      <p:sp>
+        <p:nvSpPr>
+          <p:cNvPr id="40" name="TextBox 40"/>
+          <p:cNvSpPr txBox="1"/>
+          <p:nvPr/>
+        </p:nvSpPr>
+        <p:spPr>
+          <a:xfrm>
+            <a:off x="13703300" y="3517900"/>
+            <a:ext cx="1244600" cy="393700"/>
+          </a:xfrm>
+          <a:prstGeom prst="rect">
+            <a:avLst/>
+          </a:prstGeom>
+        </p:spPr>
+        <p:txBody>
+          <a:bodyPr lIns="0" tIns="0" rIns="0" bIns="0" rtlCol="0" anchor="ctr"/>
+          <a:lstStyle/>
+          <a:p>
+            <a:pPr lvl="0" algn="ctr">
+              <a:lnSpc>
+                <a:spcPct val="99600"/>
+              </a:lnSpc>
+            </a:pPr>
+            <a:r>
+              <a:rPr lang="en-US" sz="2200" b="0" i="0" u="none" strike="noStrike">
+                <a:solidFill>
+                  <a:srgbClr val="005F30"/>
+                </a:solidFill>
+                <a:latin typeface="KOHIBaeumOTF"/>
+              </a:rPr>
+              <a:t>8</a:t>
+            </a:r>
+            <a:r>
+              <a:rPr lang="ko-KR" sz="2200" b="0" i="0" u="none" strike="noStrike">
+                <a:solidFill>
+                  <a:srgbClr val="005F30"/>
+                </a:solidFill>
+                <a:ea typeface="KOHIBaeumOTF"/>
+              </a:rPr>
+              <a:t>주차</a:t>
             </a:r>
           </a:p>
         </p:txBody>
